--- a/doc/Docs/RuleManager - behavior.pptx
+++ b/doc/Docs/RuleManager - behavior.pptx
@@ -4,6 +4,9 @@
   <p:sldMasterIdLst>
     <p:sldMasterId id="2147483648" r:id="rId1"/>
   </p:sldMasterIdLst>
+  <p:notesMasterIdLst>
+    <p:notesMasterId r:id="rId12"/>
+  </p:notesMasterIdLst>
   <p:sldIdLst>
     <p:sldId id="262" r:id="rId2"/>
     <p:sldId id="257" r:id="rId3"/>
@@ -12,6 +15,9 @@
     <p:sldId id="258" r:id="rId6"/>
     <p:sldId id="261" r:id="rId7"/>
     <p:sldId id="256" r:id="rId8"/>
+    <p:sldId id="263" r:id="rId9"/>
+    <p:sldId id="264" r:id="rId10"/>
+    <p:sldId id="265" r:id="rId11"/>
   </p:sldIdLst>
   <p:sldSz cx="9144000" cy="6858000" type="screen4x3"/>
   <p:notesSz cx="6858000" cy="9144000"/>
@@ -111,6 +117,440 @@
     </a:lvl9pPr>
   </p:defaultTextStyle>
 </p:presentation>
+</file>
+
+<file path=ppt/notesMasters/notesMaster1.xml><?xml version="1.0" encoding="utf-8"?>
+<p:notesMaster xmlns:a="http://schemas.openxmlformats.org/drawingml/2006/main" xmlns:r="http://schemas.openxmlformats.org/officeDocument/2006/relationships" xmlns:p="http://schemas.openxmlformats.org/presentationml/2006/main">
+  <p:cSld>
+    <p:bg>
+      <p:bgRef idx="1001">
+        <a:schemeClr val="bg1"/>
+      </p:bgRef>
+    </p:bg>
+    <p:spTree>
+      <p:nvGrpSpPr>
+        <p:cNvPr id="1" name=""/>
+        <p:cNvGrpSpPr/>
+        <p:nvPr/>
+      </p:nvGrpSpPr>
+      <p:grpSpPr>
+        <a:xfrm>
+          <a:off x="0" y="0"/>
+          <a:ext cx="0" cy="0"/>
+          <a:chOff x="0" y="0"/>
+          <a:chExt cx="0" cy="0"/>
+        </a:xfrm>
+      </p:grpSpPr>
+      <p:sp>
+        <p:nvSpPr>
+          <p:cNvPr id="2" name="머리글 개체 틀 1"/>
+          <p:cNvSpPr>
+            <a:spLocks noGrp="1"/>
+          </p:cNvSpPr>
+          <p:nvPr>
+            <p:ph type="hdr" sz="quarter"/>
+          </p:nvPr>
+        </p:nvSpPr>
+        <p:spPr>
+          <a:xfrm>
+            <a:off x="0" y="0"/>
+            <a:ext cx="2971800" cy="457200"/>
+          </a:xfrm>
+          <a:prstGeom prst="rect">
+            <a:avLst/>
+          </a:prstGeom>
+        </p:spPr>
+        <p:txBody>
+          <a:bodyPr vert="horz" lIns="91440" tIns="45720" rIns="91440" bIns="45720" rtlCol="0"/>
+          <a:lstStyle>
+            <a:lvl1pPr algn="l">
+              <a:defRPr sz="1200"/>
+            </a:lvl1pPr>
+          </a:lstStyle>
+          <a:p>
+            <a:endParaRPr lang="ko-KR" altLang="en-US"/>
+          </a:p>
+        </p:txBody>
+      </p:sp>
+      <p:sp>
+        <p:nvSpPr>
+          <p:cNvPr id="3" name="날짜 개체 틀 2"/>
+          <p:cNvSpPr>
+            <a:spLocks noGrp="1"/>
+          </p:cNvSpPr>
+          <p:nvPr>
+            <p:ph type="dt" idx="1"/>
+          </p:nvPr>
+        </p:nvSpPr>
+        <p:spPr>
+          <a:xfrm>
+            <a:off x="3884613" y="0"/>
+            <a:ext cx="2971800" cy="457200"/>
+          </a:xfrm>
+          <a:prstGeom prst="rect">
+            <a:avLst/>
+          </a:prstGeom>
+        </p:spPr>
+        <p:txBody>
+          <a:bodyPr vert="horz" lIns="91440" tIns="45720" rIns="91440" bIns="45720" rtlCol="0"/>
+          <a:lstStyle>
+            <a:lvl1pPr algn="r">
+              <a:defRPr sz="1200"/>
+            </a:lvl1pPr>
+          </a:lstStyle>
+          <a:p>
+            <a:fld id="{EB0C0E16-7897-41AD-BAF5-3FB4677A0B7B}" type="datetimeFigureOut">
+              <a:rPr lang="ko-KR" altLang="en-US" smtClean="0"/>
+              <a:t>2015-06-26</a:t>
+            </a:fld>
+            <a:endParaRPr lang="ko-KR" altLang="en-US"/>
+          </a:p>
+        </p:txBody>
+      </p:sp>
+      <p:sp>
+        <p:nvSpPr>
+          <p:cNvPr id="4" name="슬라이드 이미지 개체 틀 3"/>
+          <p:cNvSpPr>
+            <a:spLocks noGrp="1" noRot="1" noChangeAspect="1"/>
+          </p:cNvSpPr>
+          <p:nvPr>
+            <p:ph type="sldImg" idx="2"/>
+          </p:nvPr>
+        </p:nvSpPr>
+        <p:spPr>
+          <a:xfrm>
+            <a:off x="1143000" y="685800"/>
+            <a:ext cx="4572000" cy="3429000"/>
+          </a:xfrm>
+          <a:prstGeom prst="rect">
+            <a:avLst/>
+          </a:prstGeom>
+          <a:noFill/>
+          <a:ln w="12700">
+            <a:solidFill>
+              <a:prstClr val="black"/>
+            </a:solidFill>
+          </a:ln>
+        </p:spPr>
+        <p:txBody>
+          <a:bodyPr vert="horz" lIns="91440" tIns="45720" rIns="91440" bIns="45720" rtlCol="0" anchor="ctr"/>
+          <a:lstStyle/>
+          <a:p>
+            <a:endParaRPr lang="ko-KR" altLang="en-US"/>
+          </a:p>
+        </p:txBody>
+      </p:sp>
+      <p:sp>
+        <p:nvSpPr>
+          <p:cNvPr id="5" name="슬라이드 노트 개체 틀 4"/>
+          <p:cNvSpPr>
+            <a:spLocks noGrp="1"/>
+          </p:cNvSpPr>
+          <p:nvPr>
+            <p:ph type="body" sz="quarter" idx="3"/>
+          </p:nvPr>
+        </p:nvSpPr>
+        <p:spPr>
+          <a:xfrm>
+            <a:off x="685800" y="4343400"/>
+            <a:ext cx="5486400" cy="4114800"/>
+          </a:xfrm>
+          <a:prstGeom prst="rect">
+            <a:avLst/>
+          </a:prstGeom>
+        </p:spPr>
+        <p:txBody>
+          <a:bodyPr vert="horz" lIns="91440" tIns="45720" rIns="91440" bIns="45720" rtlCol="0"/>
+          <a:lstStyle/>
+          <a:p>
+            <a:pPr lvl="0"/>
+            <a:r>
+              <a:rPr lang="ko-KR" altLang="en-US" smtClean="0"/>
+              <a:t>마스터 텍스트 스타일을 편집합니다</a:t>
+            </a:r>
+          </a:p>
+          <a:p>
+            <a:pPr lvl="1"/>
+            <a:r>
+              <a:rPr lang="ko-KR" altLang="en-US" smtClean="0"/>
+              <a:t>둘째 수준</a:t>
+            </a:r>
+          </a:p>
+          <a:p>
+            <a:pPr lvl="2"/>
+            <a:r>
+              <a:rPr lang="ko-KR" altLang="en-US" smtClean="0"/>
+              <a:t>셋째 수준</a:t>
+            </a:r>
+          </a:p>
+          <a:p>
+            <a:pPr lvl="3"/>
+            <a:r>
+              <a:rPr lang="ko-KR" altLang="en-US" smtClean="0"/>
+              <a:t>넷째 수준</a:t>
+            </a:r>
+          </a:p>
+          <a:p>
+            <a:pPr lvl="4"/>
+            <a:r>
+              <a:rPr lang="ko-KR" altLang="en-US" smtClean="0"/>
+              <a:t>다섯째 수준</a:t>
+            </a:r>
+            <a:endParaRPr lang="ko-KR" altLang="en-US"/>
+          </a:p>
+        </p:txBody>
+      </p:sp>
+      <p:sp>
+        <p:nvSpPr>
+          <p:cNvPr id="6" name="바닥글 개체 틀 5"/>
+          <p:cNvSpPr>
+            <a:spLocks noGrp="1"/>
+          </p:cNvSpPr>
+          <p:nvPr>
+            <p:ph type="ftr" sz="quarter" idx="4"/>
+          </p:nvPr>
+        </p:nvSpPr>
+        <p:spPr>
+          <a:xfrm>
+            <a:off x="0" y="8685213"/>
+            <a:ext cx="2971800" cy="457200"/>
+          </a:xfrm>
+          <a:prstGeom prst="rect">
+            <a:avLst/>
+          </a:prstGeom>
+        </p:spPr>
+        <p:txBody>
+          <a:bodyPr vert="horz" lIns="91440" tIns="45720" rIns="91440" bIns="45720" rtlCol="0" anchor="b"/>
+          <a:lstStyle>
+            <a:lvl1pPr algn="l">
+              <a:defRPr sz="1200"/>
+            </a:lvl1pPr>
+          </a:lstStyle>
+          <a:p>
+            <a:endParaRPr lang="ko-KR" altLang="en-US"/>
+          </a:p>
+        </p:txBody>
+      </p:sp>
+      <p:sp>
+        <p:nvSpPr>
+          <p:cNvPr id="7" name="슬라이드 번호 개체 틀 6"/>
+          <p:cNvSpPr>
+            <a:spLocks noGrp="1"/>
+          </p:cNvSpPr>
+          <p:nvPr>
+            <p:ph type="sldNum" sz="quarter" idx="5"/>
+          </p:nvPr>
+        </p:nvSpPr>
+        <p:spPr>
+          <a:xfrm>
+            <a:off x="3884613" y="8685213"/>
+            <a:ext cx="2971800" cy="457200"/>
+          </a:xfrm>
+          <a:prstGeom prst="rect">
+            <a:avLst/>
+          </a:prstGeom>
+        </p:spPr>
+        <p:txBody>
+          <a:bodyPr vert="horz" lIns="91440" tIns="45720" rIns="91440" bIns="45720" rtlCol="0" anchor="b"/>
+          <a:lstStyle>
+            <a:lvl1pPr algn="r">
+              <a:defRPr sz="1200"/>
+            </a:lvl1pPr>
+          </a:lstStyle>
+          <a:p>
+            <a:fld id="{CEF0168E-B970-42B4-AE0A-D37868789143}" type="slidenum">
+              <a:rPr lang="ko-KR" altLang="en-US" smtClean="0"/>
+              <a:t>‹#›</a:t>
+            </a:fld>
+            <a:endParaRPr lang="ko-KR" altLang="en-US"/>
+          </a:p>
+        </p:txBody>
+      </p:sp>
+    </p:spTree>
+    <p:extLst>
+      <p:ext uri="{BB962C8B-B14F-4D97-AF65-F5344CB8AC3E}">
+        <p14:creationId xmlns:p14="http://schemas.microsoft.com/office/powerpoint/2010/main" val="1577855193"/>
+      </p:ext>
+    </p:extLst>
+  </p:cSld>
+  <p:clrMap bg1="lt1" tx1="dk1" bg2="lt2" tx2="dk2" accent1="accent1" accent2="accent2" accent3="accent3" accent4="accent4" accent5="accent5" accent6="accent6" hlink="hlink" folHlink="folHlink"/>
+  <p:notesStyle>
+    <a:lvl1pPr marL="0" algn="l" defTabSz="914400" rtl="0" eaLnBrk="1" latinLnBrk="1" hangingPunct="1">
+      <a:defRPr sz="1200" kern="1200">
+        <a:solidFill>
+          <a:schemeClr val="tx1"/>
+        </a:solidFill>
+        <a:latin typeface="+mn-lt"/>
+        <a:ea typeface="+mn-ea"/>
+        <a:cs typeface="+mn-cs"/>
+      </a:defRPr>
+    </a:lvl1pPr>
+    <a:lvl2pPr marL="457200" algn="l" defTabSz="914400" rtl="0" eaLnBrk="1" latinLnBrk="1" hangingPunct="1">
+      <a:defRPr sz="1200" kern="1200">
+        <a:solidFill>
+          <a:schemeClr val="tx1"/>
+        </a:solidFill>
+        <a:latin typeface="+mn-lt"/>
+        <a:ea typeface="+mn-ea"/>
+        <a:cs typeface="+mn-cs"/>
+      </a:defRPr>
+    </a:lvl2pPr>
+    <a:lvl3pPr marL="914400" algn="l" defTabSz="914400" rtl="0" eaLnBrk="1" latinLnBrk="1" hangingPunct="1">
+      <a:defRPr sz="1200" kern="1200">
+        <a:solidFill>
+          <a:schemeClr val="tx1"/>
+        </a:solidFill>
+        <a:latin typeface="+mn-lt"/>
+        <a:ea typeface="+mn-ea"/>
+        <a:cs typeface="+mn-cs"/>
+      </a:defRPr>
+    </a:lvl3pPr>
+    <a:lvl4pPr marL="1371600" algn="l" defTabSz="914400" rtl="0" eaLnBrk="1" latinLnBrk="1" hangingPunct="1">
+      <a:defRPr sz="1200" kern="1200">
+        <a:solidFill>
+          <a:schemeClr val="tx1"/>
+        </a:solidFill>
+        <a:latin typeface="+mn-lt"/>
+        <a:ea typeface="+mn-ea"/>
+        <a:cs typeface="+mn-cs"/>
+      </a:defRPr>
+    </a:lvl4pPr>
+    <a:lvl5pPr marL="1828800" algn="l" defTabSz="914400" rtl="0" eaLnBrk="1" latinLnBrk="1" hangingPunct="1">
+      <a:defRPr sz="1200" kern="1200">
+        <a:solidFill>
+          <a:schemeClr val="tx1"/>
+        </a:solidFill>
+        <a:latin typeface="+mn-lt"/>
+        <a:ea typeface="+mn-ea"/>
+        <a:cs typeface="+mn-cs"/>
+      </a:defRPr>
+    </a:lvl5pPr>
+    <a:lvl6pPr marL="2286000" algn="l" defTabSz="914400" rtl="0" eaLnBrk="1" latinLnBrk="1" hangingPunct="1">
+      <a:defRPr sz="1200" kern="1200">
+        <a:solidFill>
+          <a:schemeClr val="tx1"/>
+        </a:solidFill>
+        <a:latin typeface="+mn-lt"/>
+        <a:ea typeface="+mn-ea"/>
+        <a:cs typeface="+mn-cs"/>
+      </a:defRPr>
+    </a:lvl6pPr>
+    <a:lvl7pPr marL="2743200" algn="l" defTabSz="914400" rtl="0" eaLnBrk="1" latinLnBrk="1" hangingPunct="1">
+      <a:defRPr sz="1200" kern="1200">
+        <a:solidFill>
+          <a:schemeClr val="tx1"/>
+        </a:solidFill>
+        <a:latin typeface="+mn-lt"/>
+        <a:ea typeface="+mn-ea"/>
+        <a:cs typeface="+mn-cs"/>
+      </a:defRPr>
+    </a:lvl7pPr>
+    <a:lvl8pPr marL="3200400" algn="l" defTabSz="914400" rtl="0" eaLnBrk="1" latinLnBrk="1" hangingPunct="1">
+      <a:defRPr sz="1200" kern="1200">
+        <a:solidFill>
+          <a:schemeClr val="tx1"/>
+        </a:solidFill>
+        <a:latin typeface="+mn-lt"/>
+        <a:ea typeface="+mn-ea"/>
+        <a:cs typeface="+mn-cs"/>
+      </a:defRPr>
+    </a:lvl8pPr>
+    <a:lvl9pPr marL="3657600" algn="l" defTabSz="914400" rtl="0" eaLnBrk="1" latinLnBrk="1" hangingPunct="1">
+      <a:defRPr sz="1200" kern="1200">
+        <a:solidFill>
+          <a:schemeClr val="tx1"/>
+        </a:solidFill>
+        <a:latin typeface="+mn-lt"/>
+        <a:ea typeface="+mn-ea"/>
+        <a:cs typeface="+mn-cs"/>
+      </a:defRPr>
+    </a:lvl9pPr>
+  </p:notesStyle>
+</p:notesMaster>
+</file>
+
+<file path=ppt/notesSlides/notesSlide1.xml><?xml version="1.0" encoding="utf-8"?>
+<p:notes xmlns:a="http://schemas.openxmlformats.org/drawingml/2006/main" xmlns:r="http://schemas.openxmlformats.org/officeDocument/2006/relationships" xmlns:p="http://schemas.openxmlformats.org/presentationml/2006/main">
+  <p:cSld>
+    <p:spTree>
+      <p:nvGrpSpPr>
+        <p:cNvPr id="1" name=""/>
+        <p:cNvGrpSpPr/>
+        <p:nvPr/>
+      </p:nvGrpSpPr>
+      <p:grpSpPr>
+        <a:xfrm>
+          <a:off x="0" y="0"/>
+          <a:ext cx="0" cy="0"/>
+          <a:chOff x="0" y="0"/>
+          <a:chExt cx="0" cy="0"/>
+        </a:xfrm>
+      </p:grpSpPr>
+      <p:sp>
+        <p:nvSpPr>
+          <p:cNvPr id="2" name="슬라이드 이미지 개체 틀 1"/>
+          <p:cNvSpPr>
+            <a:spLocks noGrp="1" noRot="1" noChangeAspect="1"/>
+          </p:cNvSpPr>
+          <p:nvPr>
+            <p:ph type="sldImg"/>
+          </p:nvPr>
+        </p:nvSpPr>
+        <p:spPr/>
+      </p:sp>
+      <p:sp>
+        <p:nvSpPr>
+          <p:cNvPr id="3" name="슬라이드 노트 개체 틀 2"/>
+          <p:cNvSpPr>
+            <a:spLocks noGrp="1"/>
+          </p:cNvSpPr>
+          <p:nvPr>
+            <p:ph type="body" idx="1"/>
+          </p:nvPr>
+        </p:nvSpPr>
+        <p:spPr/>
+        <p:txBody>
+          <a:bodyPr/>
+          <a:lstStyle/>
+          <a:p>
+            <a:endParaRPr lang="ko-KR" altLang="en-US" dirty="0"/>
+          </a:p>
+        </p:txBody>
+      </p:sp>
+      <p:sp>
+        <p:nvSpPr>
+          <p:cNvPr id="4" name="슬라이드 번호 개체 틀 3"/>
+          <p:cNvSpPr>
+            <a:spLocks noGrp="1"/>
+          </p:cNvSpPr>
+          <p:nvPr>
+            <p:ph type="sldNum" sz="quarter" idx="10"/>
+          </p:nvPr>
+        </p:nvSpPr>
+        <p:spPr/>
+        <p:txBody>
+          <a:bodyPr/>
+          <a:lstStyle/>
+          <a:p>
+            <a:fld id="{750F4041-DF57-4430-8008-89C9174CA5F1}" type="slidenum">
+              <a:rPr lang="ko-KR" altLang="en-US" smtClean="0"/>
+              <a:t>10</a:t>
+            </a:fld>
+            <a:endParaRPr lang="ko-KR" altLang="en-US"/>
+          </a:p>
+        </p:txBody>
+      </p:sp>
+    </p:spTree>
+    <p:extLst>
+      <p:ext uri="{BB962C8B-B14F-4D97-AF65-F5344CB8AC3E}">
+        <p14:creationId xmlns:p14="http://schemas.microsoft.com/office/powerpoint/2010/main" val="3832781383"/>
+      </p:ext>
+    </p:extLst>
+  </p:cSld>
+  <p:clrMapOvr>
+    <a:masterClrMapping/>
+  </p:clrMapOvr>
+</p:notes>
 </file>
 
 <file path=ppt/slideLayouts/slideLayout1.xml><?xml version="1.0" encoding="utf-8"?>
@@ -4392,6 +4832,6072 @@
       <p:bldP spid="10" grpId="0" animBg="1"/>
     </p:bldLst>
   </p:timing>
+</p:sld>
+</file>
+
+<file path=ppt/slides/slide10.xml><?xml version="1.0" encoding="utf-8"?>
+<p:sld xmlns:a="http://schemas.openxmlformats.org/drawingml/2006/main" xmlns:r="http://schemas.openxmlformats.org/officeDocument/2006/relationships" xmlns:p="http://schemas.openxmlformats.org/presentationml/2006/main">
+  <p:cSld>
+    <p:spTree>
+      <p:nvGrpSpPr>
+        <p:cNvPr id="1" name=""/>
+        <p:cNvGrpSpPr/>
+        <p:nvPr/>
+      </p:nvGrpSpPr>
+      <p:grpSpPr>
+        <a:xfrm>
+          <a:off x="0" y="0"/>
+          <a:ext cx="0" cy="0"/>
+          <a:chOff x="0" y="0"/>
+          <a:chExt cx="0" cy="0"/>
+        </a:xfrm>
+      </p:grpSpPr>
+      <p:sp>
+        <p:nvSpPr>
+          <p:cNvPr id="4" name="직사각형 3"/>
+          <p:cNvSpPr/>
+          <p:nvPr/>
+        </p:nvSpPr>
+        <p:spPr>
+          <a:xfrm rot="5400000">
+            <a:off x="-2618659" y="3346850"/>
+            <a:ext cx="6028389" cy="288032"/>
+          </a:xfrm>
+          <a:prstGeom prst="rect">
+            <a:avLst/>
+          </a:prstGeom>
+          <a:solidFill>
+            <a:schemeClr val="bg1"/>
+          </a:solidFill>
+          <a:ln w="19050">
+            <a:solidFill>
+              <a:schemeClr val="tx1">
+                <a:lumMod val="75000"/>
+                <a:lumOff val="25000"/>
+              </a:schemeClr>
+            </a:solidFill>
+          </a:ln>
+        </p:spPr>
+        <p:style>
+          <a:lnRef idx="2">
+            <a:schemeClr val="accent1">
+              <a:shade val="50000"/>
+            </a:schemeClr>
+          </a:lnRef>
+          <a:fillRef idx="1">
+            <a:schemeClr val="accent1"/>
+          </a:fillRef>
+          <a:effectRef idx="0">
+            <a:schemeClr val="accent1"/>
+          </a:effectRef>
+          <a:fontRef idx="minor">
+            <a:schemeClr val="lt1"/>
+          </a:fontRef>
+        </p:style>
+        <p:txBody>
+          <a:bodyPr rtlCol="0" anchor="ctr"/>
+          <a:lstStyle/>
+          <a:p>
+            <a:pPr algn="ctr"/>
+            <a:r>
+              <a:rPr lang="en-US" altLang="ko-KR" sz="1100" dirty="0" smtClean="0">
+                <a:solidFill>
+                  <a:schemeClr val="tx1"/>
+                </a:solidFill>
+              </a:rPr>
+              <a:t>E v e n t    B u s</a:t>
+            </a:r>
+          </a:p>
+        </p:txBody>
+      </p:sp>
+      <p:sp>
+        <p:nvSpPr>
+          <p:cNvPr id="13" name="TextBox 12"/>
+          <p:cNvSpPr txBox="1"/>
+          <p:nvPr/>
+        </p:nvSpPr>
+        <p:spPr>
+          <a:xfrm>
+            <a:off x="7365258" y="4581128"/>
+            <a:ext cx="360040" cy="215444"/>
+          </a:xfrm>
+          <a:prstGeom prst="rect">
+            <a:avLst/>
+          </a:prstGeom>
+          <a:noFill/>
+          <a:ln>
+            <a:noFill/>
+          </a:ln>
+        </p:spPr>
+        <p:txBody>
+          <a:bodyPr wrap="square" rtlCol="0">
+            <a:spAutoFit/>
+          </a:bodyPr>
+          <a:lstStyle/>
+          <a:p>
+            <a:r>
+              <a:rPr lang="en-US" altLang="ko-KR" sz="800" dirty="0" smtClean="0">
+                <a:solidFill>
+                  <a:schemeClr val="tx1">
+                    <a:lumMod val="75000"/>
+                    <a:lumOff val="25000"/>
+                  </a:schemeClr>
+                </a:solidFill>
+              </a:rPr>
+              <a:t>A</a:t>
+            </a:r>
+            <a:endParaRPr lang="ko-KR" altLang="en-US" sz="800" dirty="0">
+              <a:solidFill>
+                <a:schemeClr val="tx1">
+                  <a:lumMod val="75000"/>
+                  <a:lumOff val="25000"/>
+                </a:schemeClr>
+              </a:solidFill>
+            </a:endParaRPr>
+          </a:p>
+        </p:txBody>
+      </p:sp>
+      <p:sp>
+        <p:nvSpPr>
+          <p:cNvPr id="14" name="TextBox 13"/>
+          <p:cNvSpPr txBox="1"/>
+          <p:nvPr/>
+        </p:nvSpPr>
+        <p:spPr>
+          <a:xfrm>
+            <a:off x="7898648" y="4581128"/>
+            <a:ext cx="360040" cy="215444"/>
+          </a:xfrm>
+          <a:prstGeom prst="rect">
+            <a:avLst/>
+          </a:prstGeom>
+          <a:noFill/>
+          <a:ln>
+            <a:noFill/>
+          </a:ln>
+        </p:spPr>
+        <p:txBody>
+          <a:bodyPr wrap="square" rtlCol="0">
+            <a:spAutoFit/>
+          </a:bodyPr>
+          <a:lstStyle/>
+          <a:p>
+            <a:r>
+              <a:rPr lang="en-US" altLang="ko-KR" sz="800" dirty="0" smtClean="0">
+                <a:solidFill>
+                  <a:schemeClr val="tx1">
+                    <a:lumMod val="75000"/>
+                    <a:lumOff val="25000"/>
+                  </a:schemeClr>
+                </a:solidFill>
+              </a:rPr>
+              <a:t>B </a:t>
+            </a:r>
+            <a:endParaRPr lang="ko-KR" altLang="en-US" sz="800" dirty="0">
+              <a:solidFill>
+                <a:schemeClr val="tx1">
+                  <a:lumMod val="75000"/>
+                  <a:lumOff val="25000"/>
+                </a:schemeClr>
+              </a:solidFill>
+            </a:endParaRPr>
+          </a:p>
+        </p:txBody>
+      </p:sp>
+      <p:sp>
+        <p:nvSpPr>
+          <p:cNvPr id="15" name="직사각형 14"/>
+          <p:cNvSpPr/>
+          <p:nvPr/>
+        </p:nvSpPr>
+        <p:spPr>
+          <a:xfrm>
+            <a:off x="7308304" y="4579692"/>
+            <a:ext cx="1583408" cy="2089668"/>
+          </a:xfrm>
+          <a:prstGeom prst="rect">
+            <a:avLst/>
+          </a:prstGeom>
+          <a:noFill/>
+          <a:ln w="6350">
+            <a:solidFill>
+              <a:schemeClr val="tx1">
+                <a:lumMod val="75000"/>
+                <a:lumOff val="25000"/>
+              </a:schemeClr>
+            </a:solidFill>
+          </a:ln>
+        </p:spPr>
+        <p:style>
+          <a:lnRef idx="2">
+            <a:schemeClr val="accent1">
+              <a:shade val="50000"/>
+            </a:schemeClr>
+          </a:lnRef>
+          <a:fillRef idx="1">
+            <a:schemeClr val="accent1"/>
+          </a:fillRef>
+          <a:effectRef idx="0">
+            <a:schemeClr val="accent1"/>
+          </a:effectRef>
+          <a:fontRef idx="minor">
+            <a:schemeClr val="lt1"/>
+          </a:fontRef>
+        </p:style>
+        <p:txBody>
+          <a:bodyPr rtlCol="0" anchor="ctr"/>
+          <a:lstStyle/>
+          <a:p>
+            <a:pPr algn="ctr"/>
+            <a:endParaRPr lang="ko-KR" altLang="en-US" sz="1100">
+              <a:solidFill>
+                <a:schemeClr val="tx1">
+                  <a:lumMod val="75000"/>
+                  <a:lumOff val="25000"/>
+                </a:schemeClr>
+              </a:solidFill>
+            </a:endParaRPr>
+          </a:p>
+        </p:txBody>
+      </p:sp>
+      <p:sp>
+        <p:nvSpPr>
+          <p:cNvPr id="16" name="TextBox 15"/>
+          <p:cNvSpPr txBox="1"/>
+          <p:nvPr/>
+        </p:nvSpPr>
+        <p:spPr>
+          <a:xfrm>
+            <a:off x="7394592" y="6236732"/>
+            <a:ext cx="1656184" cy="215444"/>
+          </a:xfrm>
+          <a:prstGeom prst="rect">
+            <a:avLst/>
+          </a:prstGeom>
+          <a:noFill/>
+          <a:ln>
+            <a:noFill/>
+          </a:ln>
+        </p:spPr>
+        <p:txBody>
+          <a:bodyPr wrap="square" rtlCol="0">
+            <a:spAutoFit/>
+          </a:bodyPr>
+          <a:lstStyle/>
+          <a:p>
+            <a:r>
+              <a:rPr lang="en-US" altLang="ko-KR" sz="800" dirty="0" smtClean="0">
+                <a:solidFill>
+                  <a:schemeClr val="tx1">
+                    <a:lumMod val="75000"/>
+                    <a:lumOff val="25000"/>
+                  </a:schemeClr>
+                </a:solidFill>
+              </a:rPr>
+              <a:t>:  information, from A to B</a:t>
+            </a:r>
+            <a:endParaRPr lang="ko-KR" altLang="en-US" sz="800" dirty="0">
+              <a:solidFill>
+                <a:schemeClr val="tx1">
+                  <a:lumMod val="75000"/>
+                  <a:lumOff val="25000"/>
+                </a:schemeClr>
+              </a:solidFill>
+            </a:endParaRPr>
+          </a:p>
+        </p:txBody>
+      </p:sp>
+      <p:sp>
+        <p:nvSpPr>
+          <p:cNvPr id="39" name="직사각형 38"/>
+          <p:cNvSpPr/>
+          <p:nvPr/>
+        </p:nvSpPr>
+        <p:spPr>
+          <a:xfrm rot="16200000">
+            <a:off x="8295102" y="4678812"/>
+            <a:ext cx="72008" cy="72008"/>
+          </a:xfrm>
+          <a:prstGeom prst="rect">
+            <a:avLst/>
+          </a:prstGeom>
+          <a:noFill/>
+          <a:ln>
+            <a:noFill/>
+          </a:ln>
+        </p:spPr>
+        <p:style>
+          <a:lnRef idx="2">
+            <a:schemeClr val="accent1">
+              <a:shade val="50000"/>
+            </a:schemeClr>
+          </a:lnRef>
+          <a:fillRef idx="1">
+            <a:schemeClr val="accent1"/>
+          </a:fillRef>
+          <a:effectRef idx="0">
+            <a:schemeClr val="accent1"/>
+          </a:effectRef>
+          <a:fontRef idx="minor">
+            <a:schemeClr val="lt1"/>
+          </a:fontRef>
+        </p:style>
+        <p:txBody>
+          <a:bodyPr rtlCol="0" anchor="ctr"/>
+          <a:lstStyle/>
+          <a:p>
+            <a:pPr algn="ctr"/>
+            <a:endParaRPr lang="ko-KR" altLang="en-US">
+              <a:solidFill>
+                <a:schemeClr val="tx1">
+                  <a:lumMod val="75000"/>
+                  <a:lumOff val="25000"/>
+                </a:schemeClr>
+              </a:solidFill>
+            </a:endParaRPr>
+          </a:p>
+        </p:txBody>
+      </p:sp>
+      <p:sp>
+        <p:nvSpPr>
+          <p:cNvPr id="40" name="직사각형 39"/>
+          <p:cNvSpPr/>
+          <p:nvPr/>
+        </p:nvSpPr>
+        <p:spPr>
+          <a:xfrm rot="16200000">
+            <a:off x="8151086" y="4678812"/>
+            <a:ext cx="72008" cy="72008"/>
+          </a:xfrm>
+          <a:prstGeom prst="rect">
+            <a:avLst/>
+          </a:prstGeom>
+          <a:noFill/>
+          <a:ln>
+            <a:noFill/>
+          </a:ln>
+        </p:spPr>
+        <p:style>
+          <a:lnRef idx="2">
+            <a:schemeClr val="accent1">
+              <a:shade val="50000"/>
+            </a:schemeClr>
+          </a:lnRef>
+          <a:fillRef idx="1">
+            <a:schemeClr val="accent1"/>
+          </a:fillRef>
+          <a:effectRef idx="0">
+            <a:schemeClr val="accent1"/>
+          </a:effectRef>
+          <a:fontRef idx="minor">
+            <a:schemeClr val="lt1"/>
+          </a:fontRef>
+        </p:style>
+        <p:txBody>
+          <a:bodyPr rtlCol="0" anchor="ctr"/>
+          <a:lstStyle/>
+          <a:p>
+            <a:pPr algn="ctr"/>
+            <a:endParaRPr lang="ko-KR" altLang="en-US">
+              <a:solidFill>
+                <a:schemeClr val="tx1">
+                  <a:lumMod val="75000"/>
+                  <a:lumOff val="25000"/>
+                </a:schemeClr>
+              </a:solidFill>
+            </a:endParaRPr>
+          </a:p>
+        </p:txBody>
+      </p:sp>
+      <p:sp>
+        <p:nvSpPr>
+          <p:cNvPr id="73" name="원통 72"/>
+          <p:cNvSpPr/>
+          <p:nvPr/>
+        </p:nvSpPr>
+        <p:spPr>
+          <a:xfrm>
+            <a:off x="7322584" y="4941168"/>
+            <a:ext cx="360040" cy="216024"/>
+          </a:xfrm>
+          <a:prstGeom prst="can">
+            <a:avLst/>
+          </a:prstGeom>
+          <a:solidFill>
+            <a:schemeClr val="bg1"/>
+          </a:solidFill>
+          <a:ln w="6350">
+            <a:solidFill>
+              <a:schemeClr val="tx1">
+                <a:lumMod val="65000"/>
+                <a:lumOff val="35000"/>
+              </a:schemeClr>
+            </a:solidFill>
+          </a:ln>
+        </p:spPr>
+        <p:style>
+          <a:lnRef idx="2">
+            <a:schemeClr val="accent1">
+              <a:shade val="50000"/>
+            </a:schemeClr>
+          </a:lnRef>
+          <a:fillRef idx="1">
+            <a:schemeClr val="accent1"/>
+          </a:fillRef>
+          <a:effectRef idx="0">
+            <a:schemeClr val="accent1"/>
+          </a:effectRef>
+          <a:fontRef idx="minor">
+            <a:schemeClr val="lt1"/>
+          </a:fontRef>
+        </p:style>
+        <p:txBody>
+          <a:bodyPr rtlCol="0" anchor="ctr"/>
+          <a:lstStyle/>
+          <a:p>
+            <a:pPr algn="ctr"/>
+            <a:endParaRPr lang="ko-KR" altLang="en-US" sz="1000" dirty="0">
+              <a:solidFill>
+                <a:schemeClr val="tx1">
+                  <a:lumMod val="75000"/>
+                  <a:lumOff val="25000"/>
+                </a:schemeClr>
+              </a:solidFill>
+            </a:endParaRPr>
+          </a:p>
+        </p:txBody>
+      </p:sp>
+      <p:sp>
+        <p:nvSpPr>
+          <p:cNvPr id="74" name="TextBox 73"/>
+          <p:cNvSpPr txBox="1"/>
+          <p:nvPr/>
+        </p:nvSpPr>
+        <p:spPr>
+          <a:xfrm>
+            <a:off x="7610616" y="4941168"/>
+            <a:ext cx="648072" cy="215444"/>
+          </a:xfrm>
+          <a:prstGeom prst="rect">
+            <a:avLst/>
+          </a:prstGeom>
+          <a:noFill/>
+          <a:ln>
+            <a:noFill/>
+          </a:ln>
+        </p:spPr>
+        <p:txBody>
+          <a:bodyPr wrap="square" rtlCol="0">
+            <a:spAutoFit/>
+          </a:bodyPr>
+          <a:lstStyle/>
+          <a:p>
+            <a:r>
+              <a:rPr lang="en-US" altLang="ko-KR" sz="800" dirty="0" smtClean="0">
+                <a:solidFill>
+                  <a:schemeClr val="tx1">
+                    <a:lumMod val="75000"/>
+                    <a:lumOff val="25000"/>
+                  </a:schemeClr>
+                </a:solidFill>
+              </a:rPr>
+              <a:t>DB</a:t>
+            </a:r>
+            <a:endParaRPr lang="ko-KR" altLang="en-US" sz="800" dirty="0">
+              <a:solidFill>
+                <a:schemeClr val="tx1">
+                  <a:lumMod val="75000"/>
+                  <a:lumOff val="25000"/>
+                </a:schemeClr>
+              </a:solidFill>
+            </a:endParaRPr>
+          </a:p>
+        </p:txBody>
+      </p:sp>
+      <p:sp>
+        <p:nvSpPr>
+          <p:cNvPr id="75" name="직사각형 74"/>
+          <p:cNvSpPr/>
+          <p:nvPr/>
+        </p:nvSpPr>
+        <p:spPr>
+          <a:xfrm>
+            <a:off x="7322584" y="5229200"/>
+            <a:ext cx="360040" cy="216024"/>
+          </a:xfrm>
+          <a:prstGeom prst="rect">
+            <a:avLst/>
+          </a:prstGeom>
+          <a:solidFill>
+            <a:schemeClr val="bg1"/>
+          </a:solidFill>
+          <a:ln w="6350">
+            <a:solidFill>
+              <a:schemeClr val="tx1">
+                <a:lumMod val="65000"/>
+                <a:lumOff val="35000"/>
+              </a:schemeClr>
+            </a:solidFill>
+          </a:ln>
+        </p:spPr>
+        <p:style>
+          <a:lnRef idx="2">
+            <a:schemeClr val="accent1">
+              <a:shade val="50000"/>
+            </a:schemeClr>
+          </a:lnRef>
+          <a:fillRef idx="1">
+            <a:schemeClr val="accent1"/>
+          </a:fillRef>
+          <a:effectRef idx="0">
+            <a:schemeClr val="accent1"/>
+          </a:effectRef>
+          <a:fontRef idx="minor">
+            <a:schemeClr val="lt1"/>
+          </a:fontRef>
+        </p:style>
+        <p:txBody>
+          <a:bodyPr rtlCol="0" anchor="ctr"/>
+          <a:lstStyle/>
+          <a:p>
+            <a:pPr algn="ctr"/>
+            <a:endParaRPr lang="ko-KR" altLang="en-US" sz="1000" dirty="0">
+              <a:solidFill>
+                <a:schemeClr val="tx1">
+                  <a:lumMod val="75000"/>
+                  <a:lumOff val="25000"/>
+                </a:schemeClr>
+              </a:solidFill>
+            </a:endParaRPr>
+          </a:p>
+        </p:txBody>
+      </p:sp>
+      <p:sp>
+        <p:nvSpPr>
+          <p:cNvPr id="76" name="TextBox 75"/>
+          <p:cNvSpPr txBox="1"/>
+          <p:nvPr/>
+        </p:nvSpPr>
+        <p:spPr>
+          <a:xfrm>
+            <a:off x="7610616" y="5229780"/>
+            <a:ext cx="648072" cy="215444"/>
+          </a:xfrm>
+          <a:prstGeom prst="rect">
+            <a:avLst/>
+          </a:prstGeom>
+          <a:noFill/>
+          <a:ln>
+            <a:noFill/>
+          </a:ln>
+        </p:spPr>
+        <p:txBody>
+          <a:bodyPr wrap="square" rtlCol="0">
+            <a:spAutoFit/>
+          </a:bodyPr>
+          <a:lstStyle/>
+          <a:p>
+            <a:r>
+              <a:rPr lang="en-US" altLang="ko-KR" sz="800" dirty="0" smtClean="0">
+                <a:solidFill>
+                  <a:schemeClr val="tx1">
+                    <a:lumMod val="75000"/>
+                    <a:lumOff val="25000"/>
+                  </a:schemeClr>
+                </a:solidFill>
+              </a:rPr>
+              <a:t>Object</a:t>
+            </a:r>
+            <a:endParaRPr lang="ko-KR" altLang="en-US" sz="800" dirty="0">
+              <a:solidFill>
+                <a:schemeClr val="tx1">
+                  <a:lumMod val="75000"/>
+                  <a:lumOff val="25000"/>
+                </a:schemeClr>
+              </a:solidFill>
+            </a:endParaRPr>
+          </a:p>
+        </p:txBody>
+      </p:sp>
+      <p:sp>
+        <p:nvSpPr>
+          <p:cNvPr id="77" name="직사각형 76"/>
+          <p:cNvSpPr/>
+          <p:nvPr/>
+        </p:nvSpPr>
+        <p:spPr>
+          <a:xfrm>
+            <a:off x="7322584" y="5517232"/>
+            <a:ext cx="360040" cy="216024"/>
+          </a:xfrm>
+          <a:prstGeom prst="rect">
+            <a:avLst/>
+          </a:prstGeom>
+          <a:solidFill>
+            <a:srgbClr val="FFC000"/>
+          </a:solidFill>
+          <a:ln w="6350">
+            <a:solidFill>
+              <a:schemeClr val="tx1">
+                <a:lumMod val="75000"/>
+                <a:lumOff val="25000"/>
+              </a:schemeClr>
+            </a:solidFill>
+          </a:ln>
+        </p:spPr>
+        <p:style>
+          <a:lnRef idx="2">
+            <a:schemeClr val="accent1">
+              <a:shade val="50000"/>
+            </a:schemeClr>
+          </a:lnRef>
+          <a:fillRef idx="1">
+            <a:schemeClr val="accent1"/>
+          </a:fillRef>
+          <a:effectRef idx="0">
+            <a:schemeClr val="accent1"/>
+          </a:effectRef>
+          <a:fontRef idx="minor">
+            <a:schemeClr val="lt1"/>
+          </a:fontRef>
+        </p:style>
+        <p:txBody>
+          <a:bodyPr rtlCol="0" anchor="ctr"/>
+          <a:lstStyle/>
+          <a:p>
+            <a:pPr algn="ctr"/>
+            <a:endParaRPr lang="ko-KR" altLang="en-US" sz="1000" dirty="0">
+              <a:solidFill>
+                <a:schemeClr val="tx1">
+                  <a:lumMod val="75000"/>
+                  <a:lumOff val="25000"/>
+                </a:schemeClr>
+              </a:solidFill>
+            </a:endParaRPr>
+          </a:p>
+        </p:txBody>
+      </p:sp>
+      <p:sp>
+        <p:nvSpPr>
+          <p:cNvPr id="78" name="TextBox 77"/>
+          <p:cNvSpPr txBox="1"/>
+          <p:nvPr/>
+        </p:nvSpPr>
+        <p:spPr>
+          <a:xfrm>
+            <a:off x="7610616" y="5538718"/>
+            <a:ext cx="1511400" cy="338554"/>
+          </a:xfrm>
+          <a:prstGeom prst="rect">
+            <a:avLst/>
+          </a:prstGeom>
+          <a:noFill/>
+          <a:ln>
+            <a:noFill/>
+          </a:ln>
+        </p:spPr>
+        <p:txBody>
+          <a:bodyPr wrap="square" rtlCol="0">
+            <a:spAutoFit/>
+          </a:bodyPr>
+          <a:lstStyle/>
+          <a:p>
+            <a:r>
+              <a:rPr lang="en-US" altLang="ko-KR" sz="800" dirty="0" smtClean="0">
+                <a:solidFill>
+                  <a:schemeClr val="tx1">
+                    <a:lumMod val="75000"/>
+                    <a:lumOff val="25000"/>
+                  </a:schemeClr>
+                </a:solidFill>
+              </a:rPr>
+              <a:t>Singleton object</a:t>
+            </a:r>
+          </a:p>
+          <a:p>
+            <a:r>
+              <a:rPr lang="en-US" altLang="ko-KR" sz="800" dirty="0" smtClean="0">
+                <a:solidFill>
+                  <a:schemeClr val="tx1">
+                    <a:lumMod val="75000"/>
+                    <a:lumOff val="25000"/>
+                  </a:schemeClr>
+                </a:solidFill>
+              </a:rPr>
+              <a:t> </a:t>
+            </a:r>
+            <a:endParaRPr lang="ko-KR" altLang="en-US" sz="800" dirty="0">
+              <a:solidFill>
+                <a:schemeClr val="tx1">
+                  <a:lumMod val="75000"/>
+                  <a:lumOff val="25000"/>
+                </a:schemeClr>
+              </a:solidFill>
+            </a:endParaRPr>
+          </a:p>
+        </p:txBody>
+      </p:sp>
+      <p:sp>
+        <p:nvSpPr>
+          <p:cNvPr id="82" name="TextBox 81"/>
+          <p:cNvSpPr txBox="1"/>
+          <p:nvPr/>
+        </p:nvSpPr>
+        <p:spPr>
+          <a:xfrm rot="16200000">
+            <a:off x="7863054" y="4822828"/>
+            <a:ext cx="504056" cy="215444"/>
+          </a:xfrm>
+          <a:prstGeom prst="rect">
+            <a:avLst/>
+          </a:prstGeom>
+          <a:noFill/>
+        </p:spPr>
+        <p:txBody>
+          <a:bodyPr wrap="square" rtlCol="0">
+            <a:spAutoFit/>
+          </a:bodyPr>
+          <a:lstStyle/>
+          <a:p>
+            <a:r>
+              <a:rPr lang="en-US" altLang="ko-KR" sz="800" dirty="0" smtClean="0">
+                <a:solidFill>
+                  <a:schemeClr val="bg1"/>
+                </a:solidFill>
+              </a:rPr>
+              <a:t>1…*</a:t>
+            </a:r>
+            <a:endParaRPr lang="ko-KR" altLang="en-US" sz="800" dirty="0">
+              <a:solidFill>
+                <a:schemeClr val="bg1"/>
+              </a:solidFill>
+            </a:endParaRPr>
+          </a:p>
+        </p:txBody>
+      </p:sp>
+      <p:sp>
+        <p:nvSpPr>
+          <p:cNvPr id="86" name="TextBox 85"/>
+          <p:cNvSpPr txBox="1"/>
+          <p:nvPr/>
+        </p:nvSpPr>
+        <p:spPr>
+          <a:xfrm>
+            <a:off x="7682624" y="5877852"/>
+            <a:ext cx="1296144" cy="215444"/>
+          </a:xfrm>
+          <a:prstGeom prst="rect">
+            <a:avLst/>
+          </a:prstGeom>
+          <a:noFill/>
+          <a:ln>
+            <a:noFill/>
+          </a:ln>
+        </p:spPr>
+        <p:txBody>
+          <a:bodyPr wrap="square" rtlCol="0">
+            <a:spAutoFit/>
+          </a:bodyPr>
+          <a:lstStyle/>
+          <a:p>
+            <a:r>
+              <a:rPr lang="en-US" altLang="ko-KR" sz="800" dirty="0" smtClean="0">
+                <a:solidFill>
+                  <a:schemeClr val="tx1">
+                    <a:lumMod val="75000"/>
+                    <a:lumOff val="25000"/>
+                  </a:schemeClr>
+                </a:solidFill>
+              </a:rPr>
+              <a:t>thread</a:t>
+            </a:r>
+            <a:endParaRPr lang="ko-KR" altLang="en-US" sz="800" dirty="0">
+              <a:solidFill>
+                <a:schemeClr val="tx1">
+                  <a:lumMod val="75000"/>
+                  <a:lumOff val="25000"/>
+                </a:schemeClr>
+              </a:solidFill>
+            </a:endParaRPr>
+          </a:p>
+        </p:txBody>
+      </p:sp>
+      <p:cxnSp>
+        <p:nvCxnSpPr>
+          <p:cNvPr id="87" name="꺾인 연결선 425"/>
+          <p:cNvCxnSpPr>
+            <a:endCxn id="89" idx="1"/>
+          </p:cNvCxnSpPr>
+          <p:nvPr/>
+        </p:nvCxnSpPr>
+        <p:spPr>
+          <a:xfrm>
+            <a:off x="7466600" y="6200438"/>
+            <a:ext cx="432048" cy="580"/>
+          </a:xfrm>
+          <a:prstGeom prst="bentConnector3">
+            <a:avLst>
+              <a:gd name="adj1" fmla="val 50000"/>
+            </a:avLst>
+          </a:prstGeom>
+          <a:ln>
+            <a:solidFill>
+              <a:srgbClr val="7030A0"/>
+            </a:solidFill>
+            <a:headEnd type="oval" w="sm" len="sm"/>
+            <a:tailEnd type="triangle" w="sm" len="sm"/>
+          </a:ln>
+        </p:spPr>
+        <p:style>
+          <a:lnRef idx="1">
+            <a:schemeClr val="accent1"/>
+          </a:lnRef>
+          <a:fillRef idx="0">
+            <a:schemeClr val="accent1"/>
+          </a:fillRef>
+          <a:effectRef idx="0">
+            <a:schemeClr val="accent1"/>
+          </a:effectRef>
+          <a:fontRef idx="minor">
+            <a:schemeClr val="tx1"/>
+          </a:fontRef>
+        </p:style>
+      </p:cxnSp>
+      <p:sp>
+        <p:nvSpPr>
+          <p:cNvPr id="88" name="TextBox 87"/>
+          <p:cNvSpPr txBox="1"/>
+          <p:nvPr/>
+        </p:nvSpPr>
+        <p:spPr>
+          <a:xfrm>
+            <a:off x="7365258" y="6093296"/>
+            <a:ext cx="360040" cy="215444"/>
+          </a:xfrm>
+          <a:prstGeom prst="rect">
+            <a:avLst/>
+          </a:prstGeom>
+          <a:noFill/>
+          <a:ln>
+            <a:noFill/>
+          </a:ln>
+        </p:spPr>
+        <p:txBody>
+          <a:bodyPr wrap="square" rtlCol="0">
+            <a:spAutoFit/>
+          </a:bodyPr>
+          <a:lstStyle/>
+          <a:p>
+            <a:r>
+              <a:rPr lang="en-US" altLang="ko-KR" sz="800" dirty="0" smtClean="0">
+                <a:solidFill>
+                  <a:schemeClr val="tx1">
+                    <a:lumMod val="75000"/>
+                    <a:lumOff val="25000"/>
+                  </a:schemeClr>
+                </a:solidFill>
+              </a:rPr>
+              <a:t>A</a:t>
+            </a:r>
+            <a:endParaRPr lang="ko-KR" altLang="en-US" sz="800" dirty="0">
+              <a:solidFill>
+                <a:schemeClr val="tx1">
+                  <a:lumMod val="75000"/>
+                  <a:lumOff val="25000"/>
+                </a:schemeClr>
+              </a:solidFill>
+            </a:endParaRPr>
+          </a:p>
+        </p:txBody>
+      </p:sp>
+      <p:sp>
+        <p:nvSpPr>
+          <p:cNvPr id="89" name="TextBox 88"/>
+          <p:cNvSpPr txBox="1"/>
+          <p:nvPr/>
+        </p:nvSpPr>
+        <p:spPr>
+          <a:xfrm>
+            <a:off x="7898648" y="6093296"/>
+            <a:ext cx="360040" cy="215444"/>
+          </a:xfrm>
+          <a:prstGeom prst="rect">
+            <a:avLst/>
+          </a:prstGeom>
+          <a:noFill/>
+          <a:ln>
+            <a:noFill/>
+          </a:ln>
+        </p:spPr>
+        <p:txBody>
+          <a:bodyPr wrap="square" rtlCol="0">
+            <a:spAutoFit/>
+          </a:bodyPr>
+          <a:lstStyle/>
+          <a:p>
+            <a:r>
+              <a:rPr lang="en-US" altLang="ko-KR" sz="800" dirty="0" smtClean="0">
+                <a:solidFill>
+                  <a:schemeClr val="tx1">
+                    <a:lumMod val="75000"/>
+                    <a:lumOff val="25000"/>
+                  </a:schemeClr>
+                </a:solidFill>
+              </a:rPr>
+              <a:t>B </a:t>
+            </a:r>
+            <a:endParaRPr lang="ko-KR" altLang="en-US" sz="800" dirty="0">
+              <a:solidFill>
+                <a:schemeClr val="tx1">
+                  <a:lumMod val="75000"/>
+                  <a:lumOff val="25000"/>
+                </a:schemeClr>
+              </a:solidFill>
+            </a:endParaRPr>
+          </a:p>
+        </p:txBody>
+      </p:sp>
+      <p:sp>
+        <p:nvSpPr>
+          <p:cNvPr id="90" name="타원 89"/>
+          <p:cNvSpPr/>
+          <p:nvPr/>
+        </p:nvSpPr>
+        <p:spPr>
+          <a:xfrm>
+            <a:off x="7322584" y="5877272"/>
+            <a:ext cx="360040" cy="216024"/>
+          </a:xfrm>
+          <a:prstGeom prst="ellipse">
+            <a:avLst/>
+          </a:prstGeom>
+          <a:solidFill>
+            <a:schemeClr val="bg1"/>
+          </a:solidFill>
+          <a:ln w="3175">
+            <a:solidFill>
+              <a:schemeClr val="tx1">
+                <a:lumMod val="75000"/>
+                <a:lumOff val="25000"/>
+              </a:schemeClr>
+            </a:solidFill>
+          </a:ln>
+        </p:spPr>
+        <p:style>
+          <a:lnRef idx="2">
+            <a:schemeClr val="accent1">
+              <a:shade val="50000"/>
+            </a:schemeClr>
+          </a:lnRef>
+          <a:fillRef idx="1">
+            <a:schemeClr val="accent1"/>
+          </a:fillRef>
+          <a:effectRef idx="0">
+            <a:schemeClr val="accent1"/>
+          </a:effectRef>
+          <a:fontRef idx="minor">
+            <a:schemeClr val="lt1"/>
+          </a:fontRef>
+        </p:style>
+        <p:txBody>
+          <a:bodyPr rtlCol="0" anchor="ctr"/>
+          <a:lstStyle/>
+          <a:p>
+            <a:pPr algn="ctr"/>
+            <a:endParaRPr lang="ko-KR" altLang="en-US" sz="800" dirty="0">
+              <a:solidFill>
+                <a:schemeClr val="tx1">
+                  <a:lumMod val="75000"/>
+                  <a:lumOff val="25000"/>
+                </a:schemeClr>
+              </a:solidFill>
+            </a:endParaRPr>
+          </a:p>
+        </p:txBody>
+      </p:sp>
+      <p:sp>
+        <p:nvSpPr>
+          <p:cNvPr id="91" name="TextBox 90"/>
+          <p:cNvSpPr txBox="1"/>
+          <p:nvPr/>
+        </p:nvSpPr>
+        <p:spPr>
+          <a:xfrm>
+            <a:off x="7322584" y="4725144"/>
+            <a:ext cx="1511400" cy="215444"/>
+          </a:xfrm>
+          <a:prstGeom prst="rect">
+            <a:avLst/>
+          </a:prstGeom>
+          <a:noFill/>
+          <a:ln>
+            <a:noFill/>
+          </a:ln>
+        </p:spPr>
+        <p:txBody>
+          <a:bodyPr wrap="square" rtlCol="0">
+            <a:spAutoFit/>
+          </a:bodyPr>
+          <a:lstStyle/>
+          <a:p>
+            <a:r>
+              <a:rPr lang="en-US" altLang="ko-KR" sz="800" dirty="0" smtClean="0">
+                <a:solidFill>
+                  <a:schemeClr val="tx1">
+                    <a:lumMod val="75000"/>
+                    <a:lumOff val="25000"/>
+                  </a:schemeClr>
+                </a:solidFill>
+              </a:rPr>
+              <a:t>: JSON event , from A to B</a:t>
+            </a:r>
+            <a:endParaRPr lang="ko-KR" altLang="en-US" sz="800" dirty="0">
+              <a:solidFill>
+                <a:schemeClr val="tx1">
+                  <a:lumMod val="75000"/>
+                  <a:lumOff val="25000"/>
+                </a:schemeClr>
+              </a:solidFill>
+            </a:endParaRPr>
+          </a:p>
+        </p:txBody>
+      </p:sp>
+      <p:cxnSp>
+        <p:nvCxnSpPr>
+          <p:cNvPr id="138" name="꺾인 연결선 137"/>
+          <p:cNvCxnSpPr>
+            <a:endCxn id="14" idx="1"/>
+          </p:cNvCxnSpPr>
+          <p:nvPr/>
+        </p:nvCxnSpPr>
+        <p:spPr>
+          <a:xfrm flipV="1">
+            <a:off x="7538608" y="4688850"/>
+            <a:ext cx="360040" cy="290"/>
+          </a:xfrm>
+          <a:prstGeom prst="bentConnector3">
+            <a:avLst>
+              <a:gd name="adj1" fmla="val 50000"/>
+            </a:avLst>
+          </a:prstGeom>
+          <a:ln>
+            <a:solidFill>
+              <a:srgbClr val="7030A0"/>
+            </a:solidFill>
+            <a:tailEnd type="arrow" w="med" len="lg"/>
+          </a:ln>
+        </p:spPr>
+        <p:style>
+          <a:lnRef idx="1">
+            <a:schemeClr val="accent1"/>
+          </a:lnRef>
+          <a:fillRef idx="0">
+            <a:schemeClr val="accent1"/>
+          </a:fillRef>
+          <a:effectRef idx="0">
+            <a:schemeClr val="accent1"/>
+          </a:effectRef>
+          <a:fontRef idx="minor">
+            <a:schemeClr val="tx1"/>
+          </a:fontRef>
+        </p:style>
+      </p:cxnSp>
+      <p:sp>
+        <p:nvSpPr>
+          <p:cNvPr id="142" name="TextBox 141"/>
+          <p:cNvSpPr txBox="1"/>
+          <p:nvPr/>
+        </p:nvSpPr>
+        <p:spPr>
+          <a:xfrm>
+            <a:off x="4455523" y="1556792"/>
+            <a:ext cx="774086" cy="246221"/>
+          </a:xfrm>
+          <a:prstGeom prst="rect">
+            <a:avLst/>
+          </a:prstGeom>
+          <a:noFill/>
+          <a:ln>
+            <a:noFill/>
+          </a:ln>
+        </p:spPr>
+        <p:txBody>
+          <a:bodyPr wrap="square" rtlCol="0">
+            <a:spAutoFit/>
+          </a:bodyPr>
+          <a:lstStyle/>
+          <a:p>
+            <a:r>
+              <a:rPr lang="en-US" altLang="ko-KR" sz="1000" dirty="0" smtClean="0">
+                <a:solidFill>
+                  <a:schemeClr val="tx1">
+                    <a:lumMod val="75000"/>
+                    <a:lumOff val="25000"/>
+                  </a:schemeClr>
+                </a:solidFill>
+              </a:rPr>
+              <a:t>save rules </a:t>
+            </a:r>
+          </a:p>
+        </p:txBody>
+      </p:sp>
+      <p:sp>
+        <p:nvSpPr>
+          <p:cNvPr id="143" name="TextBox 142"/>
+          <p:cNvSpPr txBox="1"/>
+          <p:nvPr/>
+        </p:nvSpPr>
+        <p:spPr>
+          <a:xfrm>
+            <a:off x="5580112" y="1582822"/>
+            <a:ext cx="864096" cy="246221"/>
+          </a:xfrm>
+          <a:prstGeom prst="rect">
+            <a:avLst/>
+          </a:prstGeom>
+          <a:noFill/>
+          <a:ln>
+            <a:noFill/>
+          </a:ln>
+        </p:spPr>
+        <p:txBody>
+          <a:bodyPr wrap="square" rtlCol="0">
+            <a:spAutoFit/>
+          </a:bodyPr>
+          <a:lstStyle/>
+          <a:p>
+            <a:r>
+              <a:rPr lang="en-US" altLang="ko-KR" sz="1000" dirty="0" smtClean="0">
+                <a:solidFill>
+                  <a:schemeClr val="tx1">
+                    <a:lumMod val="75000"/>
+                    <a:lumOff val="25000"/>
+                  </a:schemeClr>
+                </a:solidFill>
+              </a:rPr>
+              <a:t>load rules</a:t>
+            </a:r>
+            <a:endParaRPr lang="ko-KR" altLang="en-US" sz="1000" dirty="0">
+              <a:solidFill>
+                <a:schemeClr val="tx1">
+                  <a:lumMod val="75000"/>
+                  <a:lumOff val="25000"/>
+                </a:schemeClr>
+              </a:solidFill>
+            </a:endParaRPr>
+          </a:p>
+        </p:txBody>
+      </p:sp>
+      <p:sp>
+        <p:nvSpPr>
+          <p:cNvPr id="144" name="TextBox 143"/>
+          <p:cNvSpPr txBox="1"/>
+          <p:nvPr/>
+        </p:nvSpPr>
+        <p:spPr>
+          <a:xfrm>
+            <a:off x="2199809" y="404664"/>
+            <a:ext cx="2003559" cy="246221"/>
+          </a:xfrm>
+          <a:prstGeom prst="rect">
+            <a:avLst/>
+          </a:prstGeom>
+          <a:noFill/>
+          <a:ln>
+            <a:noFill/>
+          </a:ln>
+        </p:spPr>
+        <p:txBody>
+          <a:bodyPr wrap="square" rtlCol="0">
+            <a:spAutoFit/>
+          </a:bodyPr>
+          <a:lstStyle/>
+          <a:p>
+            <a:r>
+              <a:rPr lang="en-US" altLang="ko-KR" sz="1000" dirty="0" smtClean="0">
+                <a:solidFill>
+                  <a:schemeClr val="tx1">
+                    <a:lumMod val="75000"/>
+                    <a:lumOff val="25000"/>
+                  </a:schemeClr>
+                </a:solidFill>
+              </a:rPr>
+              <a:t>register timed action</a:t>
+            </a:r>
+            <a:endParaRPr lang="ko-KR" altLang="en-US" sz="1000" dirty="0">
+              <a:solidFill>
+                <a:schemeClr val="tx1">
+                  <a:lumMod val="75000"/>
+                  <a:lumOff val="25000"/>
+                </a:schemeClr>
+              </a:solidFill>
+            </a:endParaRPr>
+          </a:p>
+        </p:txBody>
+      </p:sp>
+      <p:sp>
+        <p:nvSpPr>
+          <p:cNvPr id="145" name="타원 144"/>
+          <p:cNvSpPr/>
+          <p:nvPr/>
+        </p:nvSpPr>
+        <p:spPr>
+          <a:xfrm>
+            <a:off x="3142831" y="701734"/>
+            <a:ext cx="1174391" cy="475768"/>
+          </a:xfrm>
+          <a:prstGeom prst="ellipse">
+            <a:avLst/>
+          </a:prstGeom>
+          <a:solidFill>
+            <a:schemeClr val="bg1"/>
+          </a:solidFill>
+          <a:ln w="3175">
+            <a:solidFill>
+              <a:schemeClr val="tx1">
+                <a:lumMod val="65000"/>
+                <a:lumOff val="35000"/>
+              </a:schemeClr>
+            </a:solidFill>
+          </a:ln>
+        </p:spPr>
+        <p:style>
+          <a:lnRef idx="2">
+            <a:schemeClr val="accent1">
+              <a:shade val="50000"/>
+            </a:schemeClr>
+          </a:lnRef>
+          <a:fillRef idx="1">
+            <a:schemeClr val="accent1"/>
+          </a:fillRef>
+          <a:effectRef idx="0">
+            <a:schemeClr val="accent1"/>
+          </a:effectRef>
+          <a:fontRef idx="minor">
+            <a:schemeClr val="lt1"/>
+          </a:fontRef>
+        </p:style>
+        <p:txBody>
+          <a:bodyPr rtlCol="0" anchor="ctr"/>
+          <a:lstStyle/>
+          <a:p>
+            <a:pPr algn="ctr"/>
+            <a:r>
+              <a:rPr lang="en-US" altLang="ko-KR" sz="1100" dirty="0" smtClean="0">
+                <a:solidFill>
+                  <a:schemeClr val="tx1">
+                    <a:lumMod val="75000"/>
+                    <a:lumOff val="25000"/>
+                  </a:schemeClr>
+                </a:solidFill>
+              </a:rPr>
+              <a:t>scheduler</a:t>
+            </a:r>
+            <a:endParaRPr lang="ko-KR" altLang="en-US" sz="1100" dirty="0">
+              <a:solidFill>
+                <a:schemeClr val="tx1">
+                  <a:lumMod val="75000"/>
+                  <a:lumOff val="25000"/>
+                </a:schemeClr>
+              </a:solidFill>
+            </a:endParaRPr>
+          </a:p>
+        </p:txBody>
+      </p:sp>
+      <p:sp>
+        <p:nvSpPr>
+          <p:cNvPr id="146" name="TextBox 145"/>
+          <p:cNvSpPr txBox="1"/>
+          <p:nvPr/>
+        </p:nvSpPr>
+        <p:spPr>
+          <a:xfrm>
+            <a:off x="1589839" y="764704"/>
+            <a:ext cx="1029389" cy="343638"/>
+          </a:xfrm>
+          <a:prstGeom prst="rect">
+            <a:avLst/>
+          </a:prstGeom>
+          <a:noFill/>
+          <a:ln>
+            <a:solidFill>
+              <a:schemeClr val="tx1">
+                <a:lumMod val="65000"/>
+                <a:lumOff val="35000"/>
+              </a:schemeClr>
+            </a:solidFill>
+          </a:ln>
+        </p:spPr>
+        <p:txBody>
+          <a:bodyPr wrap="square" rtlCol="0" anchor="ctr">
+            <a:noAutofit/>
+          </a:bodyPr>
+          <a:lstStyle/>
+          <a:p>
+            <a:pPr algn="ctr"/>
+            <a:r>
+              <a:rPr lang="en-US" altLang="ko-KR" sz="1100" dirty="0" smtClean="0">
+                <a:solidFill>
+                  <a:schemeClr val="tx1">
+                    <a:lumMod val="75000"/>
+                    <a:lumOff val="25000"/>
+                  </a:schemeClr>
+                </a:solidFill>
+              </a:rPr>
+              <a:t>Delay action</a:t>
+            </a:r>
+          </a:p>
+        </p:txBody>
+      </p:sp>
+      <p:sp>
+        <p:nvSpPr>
+          <p:cNvPr id="159" name="직사각형 158"/>
+          <p:cNvSpPr/>
+          <p:nvPr/>
+        </p:nvSpPr>
+        <p:spPr>
+          <a:xfrm>
+            <a:off x="7330116" y="4579692"/>
+            <a:ext cx="72008" cy="72008"/>
+          </a:xfrm>
+          <a:prstGeom prst="rect">
+            <a:avLst/>
+          </a:prstGeom>
+          <a:noFill/>
+          <a:ln>
+            <a:noFill/>
+          </a:ln>
+        </p:spPr>
+        <p:style>
+          <a:lnRef idx="2">
+            <a:schemeClr val="accent1">
+              <a:shade val="50000"/>
+            </a:schemeClr>
+          </a:lnRef>
+          <a:fillRef idx="1">
+            <a:schemeClr val="accent1"/>
+          </a:fillRef>
+          <a:effectRef idx="0">
+            <a:schemeClr val="accent1"/>
+          </a:effectRef>
+          <a:fontRef idx="minor">
+            <a:schemeClr val="lt1"/>
+          </a:fontRef>
+        </p:style>
+        <p:txBody>
+          <a:bodyPr rtlCol="0" anchor="ctr"/>
+          <a:lstStyle/>
+          <a:p>
+            <a:pPr algn="ctr"/>
+            <a:endParaRPr lang="ko-KR" altLang="en-US">
+              <a:solidFill>
+                <a:schemeClr val="tx1">
+                  <a:lumMod val="75000"/>
+                  <a:lumOff val="25000"/>
+                </a:schemeClr>
+              </a:solidFill>
+            </a:endParaRPr>
+          </a:p>
+        </p:txBody>
+      </p:sp>
+      <p:sp>
+        <p:nvSpPr>
+          <p:cNvPr id="162" name="직사각형 161"/>
+          <p:cNvSpPr/>
+          <p:nvPr/>
+        </p:nvSpPr>
+        <p:spPr>
+          <a:xfrm>
+            <a:off x="7258108" y="4579692"/>
+            <a:ext cx="72008" cy="72008"/>
+          </a:xfrm>
+          <a:prstGeom prst="rect">
+            <a:avLst/>
+          </a:prstGeom>
+          <a:noFill/>
+          <a:ln>
+            <a:noFill/>
+          </a:ln>
+        </p:spPr>
+        <p:style>
+          <a:lnRef idx="2">
+            <a:schemeClr val="accent1">
+              <a:shade val="50000"/>
+            </a:schemeClr>
+          </a:lnRef>
+          <a:fillRef idx="1">
+            <a:schemeClr val="accent1"/>
+          </a:fillRef>
+          <a:effectRef idx="0">
+            <a:schemeClr val="accent1"/>
+          </a:effectRef>
+          <a:fontRef idx="minor">
+            <a:schemeClr val="lt1"/>
+          </a:fontRef>
+        </p:style>
+        <p:txBody>
+          <a:bodyPr rtlCol="0" anchor="ctr"/>
+          <a:lstStyle/>
+          <a:p>
+            <a:pPr algn="ctr"/>
+            <a:endParaRPr lang="ko-KR" altLang="en-US">
+              <a:solidFill>
+                <a:schemeClr val="tx1">
+                  <a:lumMod val="75000"/>
+                  <a:lumOff val="25000"/>
+                </a:schemeClr>
+              </a:solidFill>
+            </a:endParaRPr>
+          </a:p>
+        </p:txBody>
+      </p:sp>
+      <p:sp>
+        <p:nvSpPr>
+          <p:cNvPr id="163" name="직사각형 162"/>
+          <p:cNvSpPr/>
+          <p:nvPr/>
+        </p:nvSpPr>
+        <p:spPr>
+          <a:xfrm>
+            <a:off x="7935514" y="4853206"/>
+            <a:ext cx="72008" cy="72008"/>
+          </a:xfrm>
+          <a:prstGeom prst="rect">
+            <a:avLst/>
+          </a:prstGeom>
+          <a:noFill/>
+          <a:ln>
+            <a:noFill/>
+          </a:ln>
+        </p:spPr>
+        <p:style>
+          <a:lnRef idx="2">
+            <a:schemeClr val="accent1">
+              <a:shade val="50000"/>
+            </a:schemeClr>
+          </a:lnRef>
+          <a:fillRef idx="1">
+            <a:schemeClr val="accent1"/>
+          </a:fillRef>
+          <a:effectRef idx="0">
+            <a:schemeClr val="accent1"/>
+          </a:effectRef>
+          <a:fontRef idx="minor">
+            <a:schemeClr val="lt1"/>
+          </a:fontRef>
+        </p:style>
+        <p:txBody>
+          <a:bodyPr rtlCol="0" anchor="ctr"/>
+          <a:lstStyle/>
+          <a:p>
+            <a:pPr algn="ctr"/>
+            <a:endParaRPr lang="ko-KR" altLang="en-US">
+              <a:solidFill>
+                <a:schemeClr val="tx1">
+                  <a:lumMod val="75000"/>
+                  <a:lumOff val="25000"/>
+                </a:schemeClr>
+              </a:solidFill>
+            </a:endParaRPr>
+          </a:p>
+        </p:txBody>
+      </p:sp>
+      <p:sp>
+        <p:nvSpPr>
+          <p:cNvPr id="164" name="직사각형 163"/>
+          <p:cNvSpPr/>
+          <p:nvPr/>
+        </p:nvSpPr>
+        <p:spPr>
+          <a:xfrm>
+            <a:off x="2583224" y="113275"/>
+            <a:ext cx="72008" cy="72008"/>
+          </a:xfrm>
+          <a:prstGeom prst="rect">
+            <a:avLst/>
+          </a:prstGeom>
+          <a:noFill/>
+          <a:ln>
+            <a:noFill/>
+          </a:ln>
+        </p:spPr>
+        <p:style>
+          <a:lnRef idx="2">
+            <a:schemeClr val="accent1">
+              <a:shade val="50000"/>
+            </a:schemeClr>
+          </a:lnRef>
+          <a:fillRef idx="1">
+            <a:schemeClr val="accent1"/>
+          </a:fillRef>
+          <a:effectRef idx="0">
+            <a:schemeClr val="accent1"/>
+          </a:effectRef>
+          <a:fontRef idx="minor">
+            <a:schemeClr val="lt1"/>
+          </a:fontRef>
+        </p:style>
+        <p:txBody>
+          <a:bodyPr rtlCol="0" anchor="ctr"/>
+          <a:lstStyle/>
+          <a:p>
+            <a:pPr algn="ctr"/>
+            <a:endParaRPr lang="ko-KR" altLang="en-US" sz="1100">
+              <a:solidFill>
+                <a:schemeClr val="tx1">
+                  <a:lumMod val="75000"/>
+                  <a:lumOff val="25000"/>
+                </a:schemeClr>
+              </a:solidFill>
+            </a:endParaRPr>
+          </a:p>
+        </p:txBody>
+      </p:sp>
+      <p:cxnSp>
+        <p:nvCxnSpPr>
+          <p:cNvPr id="165" name="꺾인 연결선 409"/>
+          <p:cNvCxnSpPr>
+            <a:stCxn id="568" idx="2"/>
+            <a:endCxn id="565" idx="0"/>
+          </p:cNvCxnSpPr>
+          <p:nvPr/>
+        </p:nvCxnSpPr>
+        <p:spPr>
+          <a:xfrm rot="5400000">
+            <a:off x="5173269" y="1523939"/>
+            <a:ext cx="724439" cy="3566"/>
+          </a:xfrm>
+          <a:prstGeom prst="bentConnector3">
+            <a:avLst>
+              <a:gd name="adj1" fmla="val 50000"/>
+            </a:avLst>
+          </a:prstGeom>
+          <a:ln>
+            <a:solidFill>
+              <a:schemeClr val="tx1">
+                <a:lumMod val="65000"/>
+                <a:lumOff val="35000"/>
+              </a:schemeClr>
+            </a:solidFill>
+            <a:headEnd type="oval" w="sm" len="sm"/>
+            <a:tailEnd type="triangle" w="med" len="med"/>
+          </a:ln>
+        </p:spPr>
+        <p:style>
+          <a:lnRef idx="1">
+            <a:schemeClr val="accent1"/>
+          </a:lnRef>
+          <a:fillRef idx="0">
+            <a:schemeClr val="accent1"/>
+          </a:fillRef>
+          <a:effectRef idx="0">
+            <a:schemeClr val="accent1"/>
+          </a:effectRef>
+          <a:fontRef idx="minor">
+            <a:schemeClr val="tx1"/>
+          </a:fontRef>
+        </p:style>
+      </p:cxnSp>
+      <p:cxnSp>
+        <p:nvCxnSpPr>
+          <p:cNvPr id="180" name="꺾인 연결선 179"/>
+          <p:cNvCxnSpPr>
+            <a:endCxn id="185" idx="4"/>
+          </p:cNvCxnSpPr>
+          <p:nvPr/>
+        </p:nvCxnSpPr>
+        <p:spPr>
+          <a:xfrm rot="10800000" flipV="1">
+            <a:off x="5861629" y="908721"/>
+            <a:ext cx="845120" cy="35922"/>
+          </a:xfrm>
+          <a:prstGeom prst="bentConnector3">
+            <a:avLst>
+              <a:gd name="adj1" fmla="val 50000"/>
+            </a:avLst>
+          </a:prstGeom>
+          <a:ln>
+            <a:solidFill>
+              <a:schemeClr val="tx1">
+                <a:lumMod val="65000"/>
+                <a:lumOff val="35000"/>
+              </a:schemeClr>
+            </a:solidFill>
+            <a:headEnd type="oval" w="sm" len="sm"/>
+            <a:tailEnd type="triangle" w="med" len="med"/>
+          </a:ln>
+        </p:spPr>
+        <p:style>
+          <a:lnRef idx="1">
+            <a:schemeClr val="accent1"/>
+          </a:lnRef>
+          <a:fillRef idx="0">
+            <a:schemeClr val="accent1"/>
+          </a:fillRef>
+          <a:effectRef idx="0">
+            <a:schemeClr val="accent1"/>
+          </a:effectRef>
+          <a:fontRef idx="minor">
+            <a:schemeClr val="tx1"/>
+          </a:fontRef>
+        </p:style>
+      </p:cxnSp>
+      <p:sp>
+        <p:nvSpPr>
+          <p:cNvPr id="181" name="직사각형 180"/>
+          <p:cNvSpPr/>
+          <p:nvPr/>
+        </p:nvSpPr>
+        <p:spPr>
+          <a:xfrm>
+            <a:off x="5001064" y="782270"/>
+            <a:ext cx="72008" cy="107722"/>
+          </a:xfrm>
+          <a:prstGeom prst="rect">
+            <a:avLst/>
+          </a:prstGeom>
+          <a:ln>
+            <a:solidFill>
+              <a:schemeClr val="tx1">
+                <a:lumMod val="65000"/>
+                <a:lumOff val="35000"/>
+              </a:schemeClr>
+            </a:solidFill>
+          </a:ln>
+        </p:spPr>
+        <p:style>
+          <a:lnRef idx="2">
+            <a:schemeClr val="accent1">
+              <a:shade val="50000"/>
+            </a:schemeClr>
+          </a:lnRef>
+          <a:fillRef idx="1">
+            <a:schemeClr val="accent1"/>
+          </a:fillRef>
+          <a:effectRef idx="0">
+            <a:schemeClr val="accent1"/>
+          </a:effectRef>
+          <a:fontRef idx="minor">
+            <a:schemeClr val="lt1"/>
+          </a:fontRef>
+        </p:style>
+        <p:txBody>
+          <a:bodyPr rtlCol="0" anchor="ctr"/>
+          <a:lstStyle/>
+          <a:p>
+            <a:pPr algn="ctr"/>
+            <a:endParaRPr lang="ko-KR" altLang="en-US" sz="1100">
+              <a:solidFill>
+                <a:schemeClr val="tx1">
+                  <a:lumMod val="75000"/>
+                  <a:lumOff val="25000"/>
+                </a:schemeClr>
+              </a:solidFill>
+            </a:endParaRPr>
+          </a:p>
+        </p:txBody>
+      </p:sp>
+      <p:sp>
+        <p:nvSpPr>
+          <p:cNvPr id="183" name="TextBox 182"/>
+          <p:cNvSpPr txBox="1"/>
+          <p:nvPr/>
+        </p:nvSpPr>
+        <p:spPr>
+          <a:xfrm>
+            <a:off x="5868144" y="620688"/>
+            <a:ext cx="985940" cy="246221"/>
+          </a:xfrm>
+          <a:prstGeom prst="rect">
+            <a:avLst/>
+          </a:prstGeom>
+          <a:noFill/>
+          <a:ln>
+            <a:noFill/>
+          </a:ln>
+        </p:spPr>
+        <p:txBody>
+          <a:bodyPr wrap="square" rtlCol="0">
+            <a:spAutoFit/>
+          </a:bodyPr>
+          <a:lstStyle/>
+          <a:p>
+            <a:r>
+              <a:rPr lang="en-US" altLang="ko-KR" sz="1000" dirty="0" smtClean="0">
+                <a:solidFill>
+                  <a:schemeClr val="tx1">
+                    <a:lumMod val="75000"/>
+                    <a:lumOff val="25000"/>
+                  </a:schemeClr>
+                </a:solidFill>
+              </a:rPr>
+              <a:t>save </a:t>
+            </a:r>
+            <a:r>
+              <a:rPr lang="en-US" altLang="ko-KR" sz="1000" dirty="0" err="1" smtClean="0">
+                <a:solidFill>
+                  <a:schemeClr val="tx1">
+                    <a:lumMod val="75000"/>
+                    <a:lumOff val="25000"/>
+                  </a:schemeClr>
+                </a:solidFill>
+              </a:rPr>
+              <a:t>config</a:t>
+            </a:r>
+            <a:r>
+              <a:rPr lang="en-US" altLang="ko-KR" sz="1000" dirty="0" smtClean="0">
+                <a:solidFill>
+                  <a:schemeClr val="tx1">
+                    <a:lumMod val="75000"/>
+                    <a:lumOff val="25000"/>
+                  </a:schemeClr>
+                </a:solidFill>
+              </a:rPr>
+              <a:t> </a:t>
+            </a:r>
+          </a:p>
+        </p:txBody>
+      </p:sp>
+      <p:sp>
+        <p:nvSpPr>
+          <p:cNvPr id="184" name="TextBox 183"/>
+          <p:cNvSpPr txBox="1"/>
+          <p:nvPr/>
+        </p:nvSpPr>
+        <p:spPr>
+          <a:xfrm>
+            <a:off x="5868144" y="1052736"/>
+            <a:ext cx="1008112" cy="246221"/>
+          </a:xfrm>
+          <a:prstGeom prst="rect">
+            <a:avLst/>
+          </a:prstGeom>
+          <a:noFill/>
+          <a:ln>
+            <a:noFill/>
+          </a:ln>
+        </p:spPr>
+        <p:txBody>
+          <a:bodyPr wrap="square" rtlCol="0">
+            <a:spAutoFit/>
+          </a:bodyPr>
+          <a:lstStyle/>
+          <a:p>
+            <a:r>
+              <a:rPr lang="en-US" altLang="ko-KR" sz="1000" dirty="0" smtClean="0">
+                <a:solidFill>
+                  <a:schemeClr val="tx1">
+                    <a:lumMod val="75000"/>
+                    <a:lumOff val="25000"/>
+                  </a:schemeClr>
+                </a:solidFill>
+              </a:rPr>
+              <a:t>load </a:t>
+            </a:r>
+            <a:r>
+              <a:rPr lang="en-US" altLang="ko-KR" sz="1000" dirty="0" err="1" smtClean="0">
+                <a:solidFill>
+                  <a:schemeClr val="tx1">
+                    <a:lumMod val="75000"/>
+                    <a:lumOff val="25000"/>
+                  </a:schemeClr>
+                </a:solidFill>
+              </a:rPr>
+              <a:t>config</a:t>
+            </a:r>
+            <a:r>
+              <a:rPr lang="en-US" altLang="ko-KR" sz="1000" dirty="0" smtClean="0">
+                <a:solidFill>
+                  <a:schemeClr val="tx1">
+                    <a:lumMod val="75000"/>
+                    <a:lumOff val="25000"/>
+                  </a:schemeClr>
+                </a:solidFill>
+              </a:rPr>
+              <a:t> </a:t>
+            </a:r>
+          </a:p>
+        </p:txBody>
+      </p:sp>
+      <p:sp>
+        <p:nvSpPr>
+          <p:cNvPr id="185" name="원통 184"/>
+          <p:cNvSpPr/>
+          <p:nvPr/>
+        </p:nvSpPr>
+        <p:spPr>
+          <a:xfrm>
+            <a:off x="4713867" y="728411"/>
+            <a:ext cx="1147762" cy="432464"/>
+          </a:xfrm>
+          <a:prstGeom prst="can">
+            <a:avLst/>
+          </a:prstGeom>
+          <a:solidFill>
+            <a:schemeClr val="bg1"/>
+          </a:solidFill>
+          <a:ln w="6350">
+            <a:solidFill>
+              <a:schemeClr val="tx1">
+                <a:lumMod val="65000"/>
+                <a:lumOff val="35000"/>
+              </a:schemeClr>
+            </a:solidFill>
+          </a:ln>
+        </p:spPr>
+        <p:style>
+          <a:lnRef idx="2">
+            <a:schemeClr val="accent1">
+              <a:shade val="50000"/>
+            </a:schemeClr>
+          </a:lnRef>
+          <a:fillRef idx="1">
+            <a:schemeClr val="accent1"/>
+          </a:fillRef>
+          <a:effectRef idx="0">
+            <a:schemeClr val="accent1"/>
+          </a:effectRef>
+          <a:fontRef idx="minor">
+            <a:schemeClr val="lt1"/>
+          </a:fontRef>
+        </p:style>
+        <p:txBody>
+          <a:bodyPr rtlCol="0" anchor="ctr"/>
+          <a:lstStyle/>
+          <a:p>
+            <a:pPr algn="ctr"/>
+            <a:r>
+              <a:rPr lang="en-US" altLang="ko-KR" sz="1100" dirty="0" err="1" smtClean="0">
+                <a:solidFill>
+                  <a:schemeClr val="tx1">
+                    <a:lumMod val="75000"/>
+                    <a:lumOff val="25000"/>
+                  </a:schemeClr>
+                </a:solidFill>
+              </a:rPr>
+              <a:t>RuleManager</a:t>
+            </a:r>
+            <a:endParaRPr lang="en-US" altLang="ko-KR" sz="1100" dirty="0" smtClean="0">
+              <a:solidFill>
+                <a:schemeClr val="tx1">
+                  <a:lumMod val="75000"/>
+                  <a:lumOff val="25000"/>
+                </a:schemeClr>
+              </a:solidFill>
+            </a:endParaRPr>
+          </a:p>
+          <a:p>
+            <a:pPr algn="ctr"/>
+            <a:r>
+              <a:rPr lang="en-US" altLang="ko-KR" sz="1100" dirty="0" smtClean="0">
+                <a:solidFill>
+                  <a:schemeClr val="tx1">
+                    <a:lumMod val="75000"/>
+                    <a:lumOff val="25000"/>
+                  </a:schemeClr>
+                </a:solidFill>
+              </a:rPr>
+              <a:t>DB</a:t>
+            </a:r>
+            <a:endParaRPr lang="ko-KR" altLang="en-US" sz="1100" dirty="0">
+              <a:solidFill>
+                <a:schemeClr val="tx1">
+                  <a:lumMod val="75000"/>
+                  <a:lumOff val="25000"/>
+                </a:schemeClr>
+              </a:solidFill>
+            </a:endParaRPr>
+          </a:p>
+        </p:txBody>
+      </p:sp>
+      <p:cxnSp>
+        <p:nvCxnSpPr>
+          <p:cNvPr id="187" name="꺾인 연결선 425"/>
+          <p:cNvCxnSpPr/>
+          <p:nvPr/>
+        </p:nvCxnSpPr>
+        <p:spPr>
+          <a:xfrm flipV="1">
+            <a:off x="5877264" y="978034"/>
+            <a:ext cx="829485" cy="75282"/>
+          </a:xfrm>
+          <a:prstGeom prst="bentConnector3">
+            <a:avLst>
+              <a:gd name="adj1" fmla="val 50000"/>
+            </a:avLst>
+          </a:prstGeom>
+          <a:ln>
+            <a:solidFill>
+              <a:schemeClr val="tx1">
+                <a:lumMod val="65000"/>
+                <a:lumOff val="35000"/>
+              </a:schemeClr>
+            </a:solidFill>
+            <a:headEnd type="oval" w="sm" len="sm"/>
+            <a:tailEnd type="triangle" w="med" len="med"/>
+          </a:ln>
+        </p:spPr>
+        <p:style>
+          <a:lnRef idx="1">
+            <a:schemeClr val="accent1"/>
+          </a:lnRef>
+          <a:fillRef idx="0">
+            <a:schemeClr val="accent1"/>
+          </a:fillRef>
+          <a:effectRef idx="0">
+            <a:schemeClr val="accent1"/>
+          </a:effectRef>
+          <a:fontRef idx="minor">
+            <a:schemeClr val="tx1"/>
+          </a:fontRef>
+        </p:style>
+      </p:cxnSp>
+      <p:sp>
+        <p:nvSpPr>
+          <p:cNvPr id="188" name="직사각형 187"/>
+          <p:cNvSpPr/>
+          <p:nvPr/>
+        </p:nvSpPr>
+        <p:spPr>
+          <a:xfrm>
+            <a:off x="6687085" y="692696"/>
+            <a:ext cx="946541" cy="498505"/>
+          </a:xfrm>
+          <a:prstGeom prst="rect">
+            <a:avLst/>
+          </a:prstGeom>
+          <a:solidFill>
+            <a:schemeClr val="accent6">
+              <a:lumMod val="60000"/>
+              <a:lumOff val="40000"/>
+            </a:schemeClr>
+          </a:solidFill>
+          <a:ln w="6350">
+            <a:solidFill>
+              <a:schemeClr val="tx1">
+                <a:lumMod val="65000"/>
+                <a:lumOff val="35000"/>
+              </a:schemeClr>
+            </a:solidFill>
+          </a:ln>
+        </p:spPr>
+        <p:style>
+          <a:lnRef idx="2">
+            <a:schemeClr val="accent1">
+              <a:shade val="50000"/>
+            </a:schemeClr>
+          </a:lnRef>
+          <a:fillRef idx="1">
+            <a:schemeClr val="accent1"/>
+          </a:fillRef>
+          <a:effectRef idx="0">
+            <a:schemeClr val="accent1"/>
+          </a:effectRef>
+          <a:fontRef idx="minor">
+            <a:schemeClr val="lt1"/>
+          </a:fontRef>
+        </p:style>
+        <p:txBody>
+          <a:bodyPr rtlCol="0" anchor="ctr"/>
+          <a:lstStyle/>
+          <a:p>
+            <a:pPr algn="ctr"/>
+            <a:r>
+              <a:rPr lang="en-US" altLang="ko-KR" sz="1100" dirty="0" err="1" smtClean="0">
+                <a:solidFill>
+                  <a:schemeClr val="tx1">
+                    <a:lumMod val="75000"/>
+                    <a:lumOff val="25000"/>
+                  </a:schemeClr>
+                </a:solidFill>
+              </a:rPr>
+              <a:t>Config</a:t>
+            </a:r>
+            <a:endParaRPr lang="ko-KR" altLang="en-US" sz="1100" dirty="0">
+              <a:solidFill>
+                <a:schemeClr val="tx1">
+                  <a:lumMod val="75000"/>
+                  <a:lumOff val="25000"/>
+                </a:schemeClr>
+              </a:solidFill>
+            </a:endParaRPr>
+          </a:p>
+        </p:txBody>
+      </p:sp>
+      <p:cxnSp>
+        <p:nvCxnSpPr>
+          <p:cNvPr id="193" name="꺾인 연결선 425"/>
+          <p:cNvCxnSpPr/>
+          <p:nvPr/>
+        </p:nvCxnSpPr>
+        <p:spPr>
+          <a:xfrm rot="16200000" flipV="1">
+            <a:off x="4696682" y="1685293"/>
+            <a:ext cx="1048789" cy="5210"/>
+          </a:xfrm>
+          <a:prstGeom prst="bentConnector3">
+            <a:avLst>
+              <a:gd name="adj1" fmla="val 50000"/>
+            </a:avLst>
+          </a:prstGeom>
+          <a:ln>
+            <a:solidFill>
+              <a:schemeClr val="tx1">
+                <a:lumMod val="65000"/>
+                <a:lumOff val="35000"/>
+              </a:schemeClr>
+            </a:solidFill>
+            <a:headEnd type="oval" w="sm" len="sm"/>
+            <a:tailEnd type="triangle" w="med" len="med"/>
+          </a:ln>
+        </p:spPr>
+        <p:style>
+          <a:lnRef idx="1">
+            <a:schemeClr val="accent1"/>
+          </a:lnRef>
+          <a:fillRef idx="0">
+            <a:schemeClr val="accent1"/>
+          </a:fillRef>
+          <a:effectRef idx="0">
+            <a:schemeClr val="accent1"/>
+          </a:effectRef>
+          <a:fontRef idx="minor">
+            <a:schemeClr val="tx1"/>
+          </a:fontRef>
+        </p:style>
+      </p:cxnSp>
+      <p:cxnSp>
+        <p:nvCxnSpPr>
+          <p:cNvPr id="178" name="꺾인 연결선 177"/>
+          <p:cNvCxnSpPr/>
+          <p:nvPr/>
+        </p:nvCxnSpPr>
+        <p:spPr>
+          <a:xfrm>
+            <a:off x="540803" y="5985574"/>
+            <a:ext cx="1163219" cy="163434"/>
+          </a:xfrm>
+          <a:prstGeom prst="bentConnector3">
+            <a:avLst>
+              <a:gd name="adj1" fmla="val 50000"/>
+            </a:avLst>
+          </a:prstGeom>
+          <a:ln>
+            <a:solidFill>
+              <a:schemeClr val="tx1">
+                <a:lumMod val="65000"/>
+                <a:lumOff val="35000"/>
+              </a:schemeClr>
+            </a:solidFill>
+            <a:tailEnd type="triangle" w="med" len="med"/>
+          </a:ln>
+        </p:spPr>
+        <p:style>
+          <a:lnRef idx="1">
+            <a:schemeClr val="accent1"/>
+          </a:lnRef>
+          <a:fillRef idx="0">
+            <a:schemeClr val="accent1"/>
+          </a:fillRef>
+          <a:effectRef idx="0">
+            <a:schemeClr val="accent1"/>
+          </a:effectRef>
+          <a:fontRef idx="minor">
+            <a:schemeClr val="tx1"/>
+          </a:fontRef>
+        </p:style>
+      </p:cxnSp>
+      <p:cxnSp>
+        <p:nvCxnSpPr>
+          <p:cNvPr id="186" name="꺾인 연결선 185"/>
+          <p:cNvCxnSpPr>
+            <a:endCxn id="170" idx="4"/>
+          </p:cNvCxnSpPr>
+          <p:nvPr/>
+        </p:nvCxnSpPr>
+        <p:spPr>
+          <a:xfrm flipV="1">
+            <a:off x="2326773" y="6032398"/>
+            <a:ext cx="1819027" cy="116610"/>
+          </a:xfrm>
+          <a:prstGeom prst="bentConnector2">
+            <a:avLst/>
+          </a:prstGeom>
+          <a:ln>
+            <a:solidFill>
+              <a:schemeClr val="tx1">
+                <a:lumMod val="65000"/>
+                <a:lumOff val="35000"/>
+              </a:schemeClr>
+            </a:solidFill>
+            <a:tailEnd type="triangle" w="med" len="med"/>
+          </a:ln>
+        </p:spPr>
+        <p:style>
+          <a:lnRef idx="1">
+            <a:schemeClr val="accent1"/>
+          </a:lnRef>
+          <a:fillRef idx="0">
+            <a:schemeClr val="accent1"/>
+          </a:fillRef>
+          <a:effectRef idx="0">
+            <a:schemeClr val="accent1"/>
+          </a:effectRef>
+          <a:fontRef idx="minor">
+            <a:schemeClr val="tx1"/>
+          </a:fontRef>
+        </p:style>
+      </p:cxnSp>
+      <p:sp>
+        <p:nvSpPr>
+          <p:cNvPr id="194" name="직사각형 193"/>
+          <p:cNvSpPr/>
+          <p:nvPr/>
+        </p:nvSpPr>
+        <p:spPr>
+          <a:xfrm>
+            <a:off x="1630889" y="4050700"/>
+            <a:ext cx="174625" cy="153176"/>
+          </a:xfrm>
+          <a:prstGeom prst="rect">
+            <a:avLst/>
+          </a:prstGeom>
+          <a:noFill/>
+          <a:ln>
+            <a:noFill/>
+          </a:ln>
+        </p:spPr>
+        <p:style>
+          <a:lnRef idx="2">
+            <a:schemeClr val="accent1">
+              <a:shade val="50000"/>
+            </a:schemeClr>
+          </a:lnRef>
+          <a:fillRef idx="1">
+            <a:schemeClr val="accent1"/>
+          </a:fillRef>
+          <a:effectRef idx="0">
+            <a:schemeClr val="accent1"/>
+          </a:effectRef>
+          <a:fontRef idx="minor">
+            <a:schemeClr val="lt1"/>
+          </a:fontRef>
+        </p:style>
+        <p:txBody>
+          <a:bodyPr rtlCol="0" anchor="ctr"/>
+          <a:lstStyle/>
+          <a:p>
+            <a:pPr algn="ctr"/>
+            <a:endParaRPr lang="ko-KR" altLang="en-US" sz="1100">
+              <a:solidFill>
+                <a:schemeClr val="tx1">
+                  <a:lumMod val="75000"/>
+                  <a:lumOff val="25000"/>
+                </a:schemeClr>
+              </a:solidFill>
+            </a:endParaRPr>
+          </a:p>
+        </p:txBody>
+      </p:sp>
+      <p:grpSp>
+        <p:nvGrpSpPr>
+          <p:cNvPr id="276" name="그룹 275"/>
+          <p:cNvGrpSpPr/>
+          <p:nvPr/>
+        </p:nvGrpSpPr>
+        <p:grpSpPr>
+          <a:xfrm>
+            <a:off x="1704022" y="6051725"/>
+            <a:ext cx="622751" cy="257595"/>
+            <a:chOff x="1725367" y="4026242"/>
+            <a:chExt cx="622751" cy="257595"/>
+          </a:xfrm>
+        </p:grpSpPr>
+        <p:sp>
+          <p:nvSpPr>
+            <p:cNvPr id="148" name="직사각형 147"/>
+            <p:cNvSpPr/>
+            <p:nvPr/>
+          </p:nvSpPr>
+          <p:spPr>
+            <a:xfrm>
+              <a:off x="1915466" y="4130663"/>
+              <a:ext cx="109952" cy="153174"/>
+            </a:xfrm>
+            <a:prstGeom prst="rect">
+              <a:avLst/>
+            </a:prstGeom>
+            <a:noFill/>
+            <a:ln>
+              <a:noFill/>
+            </a:ln>
+          </p:spPr>
+          <p:style>
+            <a:lnRef idx="2">
+              <a:schemeClr val="accent1">
+                <a:shade val="50000"/>
+              </a:schemeClr>
+            </a:lnRef>
+            <a:fillRef idx="1">
+              <a:schemeClr val="accent1"/>
+            </a:fillRef>
+            <a:effectRef idx="0">
+              <a:schemeClr val="accent1"/>
+            </a:effectRef>
+            <a:fontRef idx="minor">
+              <a:schemeClr val="lt1"/>
+            </a:fontRef>
+          </p:style>
+          <p:txBody>
+            <a:bodyPr rtlCol="0" anchor="ctr"/>
+            <a:lstStyle/>
+            <a:p>
+              <a:pPr algn="ctr"/>
+              <a:endParaRPr lang="ko-KR" altLang="en-US" sz="1100">
+                <a:solidFill>
+                  <a:schemeClr val="tx1">
+                    <a:lumMod val="75000"/>
+                    <a:lumOff val="25000"/>
+                  </a:schemeClr>
+                </a:solidFill>
+              </a:endParaRPr>
+            </a:p>
+          </p:txBody>
+        </p:sp>
+        <p:sp>
+          <p:nvSpPr>
+            <p:cNvPr id="149" name="직사각형 148"/>
+            <p:cNvSpPr/>
+            <p:nvPr/>
+          </p:nvSpPr>
+          <p:spPr>
+            <a:xfrm>
+              <a:off x="1805513" y="4130663"/>
+              <a:ext cx="109952" cy="153174"/>
+            </a:xfrm>
+            <a:prstGeom prst="rect">
+              <a:avLst/>
+            </a:prstGeom>
+            <a:noFill/>
+            <a:ln>
+              <a:noFill/>
+            </a:ln>
+          </p:spPr>
+          <p:style>
+            <a:lnRef idx="2">
+              <a:schemeClr val="accent1">
+                <a:shade val="50000"/>
+              </a:schemeClr>
+            </a:lnRef>
+            <a:fillRef idx="1">
+              <a:schemeClr val="accent1"/>
+            </a:fillRef>
+            <a:effectRef idx="0">
+              <a:schemeClr val="accent1"/>
+            </a:effectRef>
+            <a:fontRef idx="minor">
+              <a:schemeClr val="lt1"/>
+            </a:fontRef>
+          </p:style>
+          <p:txBody>
+            <a:bodyPr rtlCol="0" anchor="ctr"/>
+            <a:lstStyle/>
+            <a:p>
+              <a:pPr algn="ctr"/>
+              <a:endParaRPr lang="ko-KR" altLang="en-US" sz="1100">
+                <a:solidFill>
+                  <a:schemeClr val="tx1">
+                    <a:lumMod val="75000"/>
+                    <a:lumOff val="25000"/>
+                  </a:schemeClr>
+                </a:solidFill>
+              </a:endParaRPr>
+            </a:p>
+          </p:txBody>
+        </p:sp>
+        <p:cxnSp>
+          <p:nvCxnSpPr>
+            <p:cNvPr id="172" name="직선 연결선 171"/>
+            <p:cNvCxnSpPr/>
+            <p:nvPr/>
+          </p:nvCxnSpPr>
+          <p:spPr>
+            <a:xfrm>
+              <a:off x="1733341" y="4036393"/>
+              <a:ext cx="614777" cy="0"/>
+            </a:xfrm>
+            <a:prstGeom prst="line">
+              <a:avLst/>
+            </a:prstGeom>
+            <a:ln>
+              <a:solidFill>
+                <a:schemeClr val="tx1">
+                  <a:lumMod val="65000"/>
+                  <a:lumOff val="35000"/>
+                </a:schemeClr>
+              </a:solidFill>
+            </a:ln>
+          </p:spPr>
+          <p:style>
+            <a:lnRef idx="1">
+              <a:schemeClr val="accent1"/>
+            </a:lnRef>
+            <a:fillRef idx="0">
+              <a:schemeClr val="accent1"/>
+            </a:fillRef>
+            <a:effectRef idx="0">
+              <a:schemeClr val="accent1"/>
+            </a:effectRef>
+            <a:fontRef idx="minor">
+              <a:schemeClr val="tx1"/>
+            </a:fontRef>
+          </p:style>
+        </p:cxnSp>
+        <p:cxnSp>
+          <p:nvCxnSpPr>
+            <p:cNvPr id="173" name="직선 연결선 172"/>
+            <p:cNvCxnSpPr/>
+            <p:nvPr/>
+          </p:nvCxnSpPr>
+          <p:spPr>
+            <a:xfrm>
+              <a:off x="1725367" y="4231983"/>
+              <a:ext cx="614544" cy="0"/>
+            </a:xfrm>
+            <a:prstGeom prst="line">
+              <a:avLst/>
+            </a:prstGeom>
+            <a:ln>
+              <a:solidFill>
+                <a:schemeClr val="tx1">
+                  <a:lumMod val="65000"/>
+                  <a:lumOff val="35000"/>
+                </a:schemeClr>
+              </a:solidFill>
+            </a:ln>
+          </p:spPr>
+          <p:style>
+            <a:lnRef idx="1">
+              <a:schemeClr val="accent1"/>
+            </a:lnRef>
+            <a:fillRef idx="0">
+              <a:schemeClr val="accent1"/>
+            </a:fillRef>
+            <a:effectRef idx="0">
+              <a:schemeClr val="accent1"/>
+            </a:effectRef>
+            <a:fontRef idx="minor">
+              <a:schemeClr val="tx1"/>
+            </a:fontRef>
+          </p:style>
+        </p:cxnSp>
+        <p:cxnSp>
+          <p:nvCxnSpPr>
+            <p:cNvPr id="174" name="직선 연결선 173"/>
+            <p:cNvCxnSpPr/>
+            <p:nvPr/>
+          </p:nvCxnSpPr>
+          <p:spPr>
+            <a:xfrm>
+              <a:off x="1835429" y="4051147"/>
+              <a:ext cx="0" cy="194567"/>
+            </a:xfrm>
+            <a:prstGeom prst="line">
+              <a:avLst/>
+            </a:prstGeom>
+            <a:ln>
+              <a:solidFill>
+                <a:schemeClr val="tx1">
+                  <a:lumMod val="65000"/>
+                  <a:lumOff val="35000"/>
+                </a:schemeClr>
+              </a:solidFill>
+            </a:ln>
+          </p:spPr>
+          <p:style>
+            <a:lnRef idx="1">
+              <a:schemeClr val="accent1"/>
+            </a:lnRef>
+            <a:fillRef idx="0">
+              <a:schemeClr val="accent1"/>
+            </a:fillRef>
+            <a:effectRef idx="0">
+              <a:schemeClr val="accent1"/>
+            </a:effectRef>
+            <a:fontRef idx="minor">
+              <a:schemeClr val="tx1"/>
+            </a:fontRef>
+          </p:style>
+        </p:cxnSp>
+        <p:cxnSp>
+          <p:nvCxnSpPr>
+            <p:cNvPr id="175" name="직선 연결선 174"/>
+            <p:cNvCxnSpPr/>
+            <p:nvPr/>
+          </p:nvCxnSpPr>
+          <p:spPr>
+            <a:xfrm>
+              <a:off x="2102874" y="4035791"/>
+              <a:ext cx="0" cy="194567"/>
+            </a:xfrm>
+            <a:prstGeom prst="line">
+              <a:avLst/>
+            </a:prstGeom>
+            <a:ln>
+              <a:solidFill>
+                <a:schemeClr val="tx1">
+                  <a:lumMod val="65000"/>
+                  <a:lumOff val="35000"/>
+                </a:schemeClr>
+              </a:solidFill>
+            </a:ln>
+          </p:spPr>
+          <p:style>
+            <a:lnRef idx="1">
+              <a:schemeClr val="accent1"/>
+            </a:lnRef>
+            <a:fillRef idx="0">
+              <a:schemeClr val="accent1"/>
+            </a:fillRef>
+            <a:effectRef idx="0">
+              <a:schemeClr val="accent1"/>
+            </a:effectRef>
+            <a:fontRef idx="minor">
+              <a:schemeClr val="tx1"/>
+            </a:fontRef>
+          </p:style>
+        </p:cxnSp>
+        <p:cxnSp>
+          <p:nvCxnSpPr>
+            <p:cNvPr id="176" name="직선 연결선 175"/>
+            <p:cNvCxnSpPr/>
+            <p:nvPr/>
+          </p:nvCxnSpPr>
+          <p:spPr>
+            <a:xfrm>
+              <a:off x="2229959" y="4026242"/>
+              <a:ext cx="0" cy="194567"/>
+            </a:xfrm>
+            <a:prstGeom prst="line">
+              <a:avLst/>
+            </a:prstGeom>
+            <a:ln>
+              <a:solidFill>
+                <a:schemeClr val="tx1">
+                  <a:lumMod val="65000"/>
+                  <a:lumOff val="35000"/>
+                </a:schemeClr>
+              </a:solidFill>
+            </a:ln>
+          </p:spPr>
+          <p:style>
+            <a:lnRef idx="1">
+              <a:schemeClr val="accent1"/>
+            </a:lnRef>
+            <a:fillRef idx="0">
+              <a:schemeClr val="accent1"/>
+            </a:fillRef>
+            <a:effectRef idx="0">
+              <a:schemeClr val="accent1"/>
+            </a:effectRef>
+            <a:fontRef idx="minor">
+              <a:schemeClr val="tx1"/>
+            </a:fontRef>
+          </p:style>
+        </p:cxnSp>
+        <p:cxnSp>
+          <p:nvCxnSpPr>
+            <p:cNvPr id="177" name="직선 연결선 176"/>
+            <p:cNvCxnSpPr/>
+            <p:nvPr/>
+          </p:nvCxnSpPr>
+          <p:spPr>
+            <a:xfrm>
+              <a:off x="1967223" y="4047199"/>
+              <a:ext cx="0" cy="177556"/>
+            </a:xfrm>
+            <a:prstGeom prst="line">
+              <a:avLst/>
+            </a:prstGeom>
+            <a:ln>
+              <a:solidFill>
+                <a:schemeClr val="tx1">
+                  <a:lumMod val="65000"/>
+                  <a:lumOff val="35000"/>
+                </a:schemeClr>
+              </a:solidFill>
+            </a:ln>
+          </p:spPr>
+          <p:style>
+            <a:lnRef idx="1">
+              <a:schemeClr val="accent1"/>
+            </a:lnRef>
+            <a:fillRef idx="0">
+              <a:schemeClr val="accent1"/>
+            </a:fillRef>
+            <a:effectRef idx="0">
+              <a:schemeClr val="accent1"/>
+            </a:effectRef>
+            <a:fontRef idx="minor">
+              <a:schemeClr val="tx1"/>
+            </a:fontRef>
+          </p:style>
+        </p:cxnSp>
+        <p:sp>
+          <p:nvSpPr>
+            <p:cNvPr id="195" name="직사각형 194"/>
+            <p:cNvSpPr/>
+            <p:nvPr/>
+          </p:nvSpPr>
+          <p:spPr>
+            <a:xfrm>
+              <a:off x="2128098" y="4078809"/>
+              <a:ext cx="164929" cy="187747"/>
+            </a:xfrm>
+            <a:prstGeom prst="rect">
+              <a:avLst/>
+            </a:prstGeom>
+            <a:noFill/>
+            <a:ln>
+              <a:noFill/>
+            </a:ln>
+          </p:spPr>
+          <p:style>
+            <a:lnRef idx="2">
+              <a:schemeClr val="accent1">
+                <a:shade val="50000"/>
+              </a:schemeClr>
+            </a:lnRef>
+            <a:fillRef idx="1">
+              <a:schemeClr val="accent1"/>
+            </a:fillRef>
+            <a:effectRef idx="0">
+              <a:schemeClr val="accent1"/>
+            </a:effectRef>
+            <a:fontRef idx="minor">
+              <a:schemeClr val="lt1"/>
+            </a:fontRef>
+          </p:style>
+          <p:txBody>
+            <a:bodyPr rtlCol="0" anchor="ctr"/>
+            <a:lstStyle/>
+            <a:p>
+              <a:pPr algn="ctr"/>
+              <a:endParaRPr lang="ko-KR" altLang="en-US" sz="1100">
+                <a:solidFill>
+                  <a:schemeClr val="tx1">
+                    <a:lumMod val="75000"/>
+                    <a:lumOff val="25000"/>
+                  </a:schemeClr>
+                </a:solidFill>
+              </a:endParaRPr>
+            </a:p>
+          </p:txBody>
+        </p:sp>
+      </p:grpSp>
+      <p:sp>
+        <p:nvSpPr>
+          <p:cNvPr id="196" name="직사각형 195"/>
+          <p:cNvSpPr/>
+          <p:nvPr/>
+        </p:nvSpPr>
+        <p:spPr>
+          <a:xfrm>
+            <a:off x="7481654" y="6505061"/>
+            <a:ext cx="72008" cy="72008"/>
+          </a:xfrm>
+          <a:prstGeom prst="rect">
+            <a:avLst/>
+          </a:prstGeom>
+          <a:noFill/>
+          <a:ln>
+            <a:noFill/>
+          </a:ln>
+        </p:spPr>
+        <p:style>
+          <a:lnRef idx="2">
+            <a:schemeClr val="accent1">
+              <a:shade val="50000"/>
+            </a:schemeClr>
+          </a:lnRef>
+          <a:fillRef idx="1">
+            <a:schemeClr val="accent1"/>
+          </a:fillRef>
+          <a:effectRef idx="0">
+            <a:schemeClr val="accent1"/>
+          </a:effectRef>
+          <a:fontRef idx="minor">
+            <a:schemeClr val="lt1"/>
+          </a:fontRef>
+        </p:style>
+        <p:txBody>
+          <a:bodyPr rtlCol="0" anchor="ctr"/>
+          <a:lstStyle/>
+          <a:p>
+            <a:pPr algn="ctr"/>
+            <a:endParaRPr lang="ko-KR" altLang="en-US">
+              <a:solidFill>
+                <a:schemeClr val="tx1">
+                  <a:lumMod val="75000"/>
+                  <a:lumOff val="25000"/>
+                </a:schemeClr>
+              </a:solidFill>
+            </a:endParaRPr>
+          </a:p>
+        </p:txBody>
+      </p:sp>
+      <p:sp>
+        <p:nvSpPr>
+          <p:cNvPr id="197" name="직사각형 196"/>
+          <p:cNvSpPr/>
+          <p:nvPr/>
+        </p:nvSpPr>
+        <p:spPr>
+          <a:xfrm>
+            <a:off x="7409646" y="6505061"/>
+            <a:ext cx="72008" cy="72008"/>
+          </a:xfrm>
+          <a:prstGeom prst="rect">
+            <a:avLst/>
+          </a:prstGeom>
+          <a:noFill/>
+          <a:ln>
+            <a:noFill/>
+          </a:ln>
+        </p:spPr>
+        <p:style>
+          <a:lnRef idx="2">
+            <a:schemeClr val="accent1">
+              <a:shade val="50000"/>
+            </a:schemeClr>
+          </a:lnRef>
+          <a:fillRef idx="1">
+            <a:schemeClr val="accent1"/>
+          </a:fillRef>
+          <a:effectRef idx="0">
+            <a:schemeClr val="accent1"/>
+          </a:effectRef>
+          <a:fontRef idx="minor">
+            <a:schemeClr val="lt1"/>
+          </a:fontRef>
+        </p:style>
+        <p:txBody>
+          <a:bodyPr rtlCol="0" anchor="ctr"/>
+          <a:lstStyle/>
+          <a:p>
+            <a:pPr algn="ctr"/>
+            <a:endParaRPr lang="ko-KR" altLang="en-US">
+              <a:solidFill>
+                <a:schemeClr val="tx1">
+                  <a:lumMod val="75000"/>
+                  <a:lumOff val="25000"/>
+                </a:schemeClr>
+              </a:solidFill>
+            </a:endParaRPr>
+          </a:p>
+        </p:txBody>
+      </p:sp>
+      <p:sp>
+        <p:nvSpPr>
+          <p:cNvPr id="198" name="직사각형 197"/>
+          <p:cNvSpPr/>
+          <p:nvPr/>
+        </p:nvSpPr>
+        <p:spPr>
+          <a:xfrm>
+            <a:off x="8057718" y="6505061"/>
+            <a:ext cx="72008" cy="72008"/>
+          </a:xfrm>
+          <a:prstGeom prst="rect">
+            <a:avLst/>
+          </a:prstGeom>
+          <a:noFill/>
+          <a:ln>
+            <a:noFill/>
+          </a:ln>
+        </p:spPr>
+        <p:style>
+          <a:lnRef idx="2">
+            <a:schemeClr val="accent1">
+              <a:shade val="50000"/>
+            </a:schemeClr>
+          </a:lnRef>
+          <a:fillRef idx="1">
+            <a:schemeClr val="accent1"/>
+          </a:fillRef>
+          <a:effectRef idx="0">
+            <a:schemeClr val="accent1"/>
+          </a:effectRef>
+          <a:fontRef idx="minor">
+            <a:schemeClr val="lt1"/>
+          </a:fontRef>
+        </p:style>
+        <p:txBody>
+          <a:bodyPr rtlCol="0" anchor="ctr"/>
+          <a:lstStyle/>
+          <a:p>
+            <a:pPr algn="ctr"/>
+            <a:endParaRPr lang="ko-KR" altLang="en-US">
+              <a:solidFill>
+                <a:schemeClr val="tx1">
+                  <a:lumMod val="75000"/>
+                  <a:lumOff val="25000"/>
+                </a:schemeClr>
+              </a:solidFill>
+            </a:endParaRPr>
+          </a:p>
+        </p:txBody>
+      </p:sp>
+      <p:sp>
+        <p:nvSpPr>
+          <p:cNvPr id="199" name="직사각형 198"/>
+          <p:cNvSpPr/>
+          <p:nvPr/>
+        </p:nvSpPr>
+        <p:spPr>
+          <a:xfrm>
+            <a:off x="7985710" y="6505061"/>
+            <a:ext cx="72008" cy="72008"/>
+          </a:xfrm>
+          <a:prstGeom prst="rect">
+            <a:avLst/>
+          </a:prstGeom>
+          <a:noFill/>
+          <a:ln>
+            <a:noFill/>
+          </a:ln>
+        </p:spPr>
+        <p:style>
+          <a:lnRef idx="2">
+            <a:schemeClr val="accent1">
+              <a:shade val="50000"/>
+            </a:schemeClr>
+          </a:lnRef>
+          <a:fillRef idx="1">
+            <a:schemeClr val="accent1"/>
+          </a:fillRef>
+          <a:effectRef idx="0">
+            <a:schemeClr val="accent1"/>
+          </a:effectRef>
+          <a:fontRef idx="minor">
+            <a:schemeClr val="lt1"/>
+          </a:fontRef>
+        </p:style>
+        <p:txBody>
+          <a:bodyPr rtlCol="0" anchor="ctr"/>
+          <a:lstStyle/>
+          <a:p>
+            <a:pPr algn="ctr"/>
+            <a:endParaRPr lang="ko-KR" altLang="en-US">
+              <a:solidFill>
+                <a:schemeClr val="tx1">
+                  <a:lumMod val="75000"/>
+                  <a:lumOff val="25000"/>
+                </a:schemeClr>
+              </a:solidFill>
+            </a:endParaRPr>
+          </a:p>
+        </p:txBody>
+      </p:sp>
+      <p:sp>
+        <p:nvSpPr>
+          <p:cNvPr id="200" name="직사각형 199"/>
+          <p:cNvSpPr/>
+          <p:nvPr/>
+        </p:nvSpPr>
+        <p:spPr>
+          <a:xfrm>
+            <a:off x="8633782" y="6505061"/>
+            <a:ext cx="72008" cy="72008"/>
+          </a:xfrm>
+          <a:prstGeom prst="rect">
+            <a:avLst/>
+          </a:prstGeom>
+          <a:noFill/>
+          <a:ln>
+            <a:noFill/>
+          </a:ln>
+        </p:spPr>
+        <p:style>
+          <a:lnRef idx="2">
+            <a:schemeClr val="accent1">
+              <a:shade val="50000"/>
+            </a:schemeClr>
+          </a:lnRef>
+          <a:fillRef idx="1">
+            <a:schemeClr val="accent1"/>
+          </a:fillRef>
+          <a:effectRef idx="0">
+            <a:schemeClr val="accent1"/>
+          </a:effectRef>
+          <a:fontRef idx="minor">
+            <a:schemeClr val="lt1"/>
+          </a:fontRef>
+        </p:style>
+        <p:txBody>
+          <a:bodyPr rtlCol="0" anchor="ctr"/>
+          <a:lstStyle/>
+          <a:p>
+            <a:pPr algn="ctr"/>
+            <a:endParaRPr lang="ko-KR" altLang="en-US">
+              <a:solidFill>
+                <a:schemeClr val="tx1">
+                  <a:lumMod val="75000"/>
+                  <a:lumOff val="25000"/>
+                </a:schemeClr>
+              </a:solidFill>
+            </a:endParaRPr>
+          </a:p>
+        </p:txBody>
+      </p:sp>
+      <p:sp>
+        <p:nvSpPr>
+          <p:cNvPr id="201" name="직사각형 200"/>
+          <p:cNvSpPr/>
+          <p:nvPr/>
+        </p:nvSpPr>
+        <p:spPr>
+          <a:xfrm>
+            <a:off x="8561774" y="6505061"/>
+            <a:ext cx="72008" cy="72008"/>
+          </a:xfrm>
+          <a:prstGeom prst="rect">
+            <a:avLst/>
+          </a:prstGeom>
+          <a:noFill/>
+          <a:ln>
+            <a:noFill/>
+          </a:ln>
+        </p:spPr>
+        <p:style>
+          <a:lnRef idx="2">
+            <a:schemeClr val="accent1">
+              <a:shade val="50000"/>
+            </a:schemeClr>
+          </a:lnRef>
+          <a:fillRef idx="1">
+            <a:schemeClr val="accent1"/>
+          </a:fillRef>
+          <a:effectRef idx="0">
+            <a:schemeClr val="accent1"/>
+          </a:effectRef>
+          <a:fontRef idx="minor">
+            <a:schemeClr val="lt1"/>
+          </a:fontRef>
+        </p:style>
+        <p:txBody>
+          <a:bodyPr rtlCol="0" anchor="ctr"/>
+          <a:lstStyle/>
+          <a:p>
+            <a:pPr algn="ctr"/>
+            <a:endParaRPr lang="ko-KR" altLang="en-US">
+              <a:solidFill>
+                <a:schemeClr val="tx1">
+                  <a:lumMod val="75000"/>
+                  <a:lumOff val="25000"/>
+                </a:schemeClr>
+              </a:solidFill>
+            </a:endParaRPr>
+          </a:p>
+        </p:txBody>
+      </p:sp>
+      <p:sp>
+        <p:nvSpPr>
+          <p:cNvPr id="202" name="직사각형 201"/>
+          <p:cNvSpPr/>
+          <p:nvPr/>
+        </p:nvSpPr>
+        <p:spPr>
+          <a:xfrm>
+            <a:off x="9209846" y="6505061"/>
+            <a:ext cx="72008" cy="72008"/>
+          </a:xfrm>
+          <a:prstGeom prst="rect">
+            <a:avLst/>
+          </a:prstGeom>
+          <a:noFill/>
+          <a:ln>
+            <a:noFill/>
+          </a:ln>
+        </p:spPr>
+        <p:style>
+          <a:lnRef idx="2">
+            <a:schemeClr val="accent1">
+              <a:shade val="50000"/>
+            </a:schemeClr>
+          </a:lnRef>
+          <a:fillRef idx="1">
+            <a:schemeClr val="accent1"/>
+          </a:fillRef>
+          <a:effectRef idx="0">
+            <a:schemeClr val="accent1"/>
+          </a:effectRef>
+          <a:fontRef idx="minor">
+            <a:schemeClr val="lt1"/>
+          </a:fontRef>
+        </p:style>
+        <p:txBody>
+          <a:bodyPr rtlCol="0" anchor="ctr"/>
+          <a:lstStyle/>
+          <a:p>
+            <a:pPr algn="ctr"/>
+            <a:endParaRPr lang="ko-KR" altLang="en-US">
+              <a:solidFill>
+                <a:schemeClr val="tx1">
+                  <a:lumMod val="75000"/>
+                  <a:lumOff val="25000"/>
+                </a:schemeClr>
+              </a:solidFill>
+            </a:endParaRPr>
+          </a:p>
+        </p:txBody>
+      </p:sp>
+      <p:sp>
+        <p:nvSpPr>
+          <p:cNvPr id="203" name="직사각형 202"/>
+          <p:cNvSpPr/>
+          <p:nvPr/>
+        </p:nvSpPr>
+        <p:spPr>
+          <a:xfrm>
+            <a:off x="9137838" y="6505061"/>
+            <a:ext cx="72008" cy="72008"/>
+          </a:xfrm>
+          <a:prstGeom prst="rect">
+            <a:avLst/>
+          </a:prstGeom>
+          <a:noFill/>
+          <a:ln>
+            <a:noFill/>
+          </a:ln>
+        </p:spPr>
+        <p:style>
+          <a:lnRef idx="2">
+            <a:schemeClr val="accent1">
+              <a:shade val="50000"/>
+            </a:schemeClr>
+          </a:lnRef>
+          <a:fillRef idx="1">
+            <a:schemeClr val="accent1"/>
+          </a:fillRef>
+          <a:effectRef idx="0">
+            <a:schemeClr val="accent1"/>
+          </a:effectRef>
+          <a:fontRef idx="minor">
+            <a:schemeClr val="lt1"/>
+          </a:fontRef>
+        </p:style>
+        <p:txBody>
+          <a:bodyPr rtlCol="0" anchor="ctr"/>
+          <a:lstStyle/>
+          <a:p>
+            <a:pPr algn="ctr"/>
+            <a:endParaRPr lang="ko-KR" altLang="en-US">
+              <a:solidFill>
+                <a:schemeClr val="tx1">
+                  <a:lumMod val="75000"/>
+                  <a:lumOff val="25000"/>
+                </a:schemeClr>
+              </a:solidFill>
+            </a:endParaRPr>
+          </a:p>
+        </p:txBody>
+      </p:sp>
+      <p:cxnSp>
+        <p:nvCxnSpPr>
+          <p:cNvPr id="204" name="직선 연결선 203"/>
+          <p:cNvCxnSpPr/>
+          <p:nvPr/>
+        </p:nvCxnSpPr>
+        <p:spPr>
+          <a:xfrm>
+            <a:off x="7362380" y="6470270"/>
+            <a:ext cx="402618" cy="0"/>
+          </a:xfrm>
+          <a:prstGeom prst="line">
+            <a:avLst/>
+          </a:prstGeom>
+          <a:ln>
+            <a:solidFill>
+              <a:schemeClr val="tx1">
+                <a:lumMod val="75000"/>
+                <a:lumOff val="25000"/>
+              </a:schemeClr>
+            </a:solidFill>
+          </a:ln>
+        </p:spPr>
+        <p:style>
+          <a:lnRef idx="1">
+            <a:schemeClr val="accent1"/>
+          </a:lnRef>
+          <a:fillRef idx="0">
+            <a:schemeClr val="accent1"/>
+          </a:fillRef>
+          <a:effectRef idx="0">
+            <a:schemeClr val="accent1"/>
+          </a:effectRef>
+          <a:fontRef idx="minor">
+            <a:schemeClr val="tx1"/>
+          </a:fontRef>
+        </p:style>
+      </p:cxnSp>
+      <p:cxnSp>
+        <p:nvCxnSpPr>
+          <p:cNvPr id="205" name="직선 연결선 204"/>
+          <p:cNvCxnSpPr/>
+          <p:nvPr/>
+        </p:nvCxnSpPr>
+        <p:spPr>
+          <a:xfrm>
+            <a:off x="7357158" y="6570846"/>
+            <a:ext cx="402466" cy="0"/>
+          </a:xfrm>
+          <a:prstGeom prst="line">
+            <a:avLst/>
+          </a:prstGeom>
+          <a:ln>
+            <a:solidFill>
+              <a:schemeClr val="tx1">
+                <a:lumMod val="75000"/>
+                <a:lumOff val="25000"/>
+              </a:schemeClr>
+            </a:solidFill>
+          </a:ln>
+        </p:spPr>
+        <p:style>
+          <a:lnRef idx="1">
+            <a:schemeClr val="accent1"/>
+          </a:lnRef>
+          <a:fillRef idx="0">
+            <a:schemeClr val="accent1"/>
+          </a:fillRef>
+          <a:effectRef idx="0">
+            <a:schemeClr val="accent1"/>
+          </a:effectRef>
+          <a:fontRef idx="minor">
+            <a:schemeClr val="tx1"/>
+          </a:fontRef>
+        </p:style>
+      </p:cxnSp>
+      <p:cxnSp>
+        <p:nvCxnSpPr>
+          <p:cNvPr id="206" name="직선 연결선 205"/>
+          <p:cNvCxnSpPr/>
+          <p:nvPr/>
+        </p:nvCxnSpPr>
+        <p:spPr>
+          <a:xfrm>
+            <a:off x="7429238" y="6479787"/>
+            <a:ext cx="0" cy="91467"/>
+          </a:xfrm>
+          <a:prstGeom prst="line">
+            <a:avLst/>
+          </a:prstGeom>
+          <a:ln>
+            <a:solidFill>
+              <a:schemeClr val="tx1">
+                <a:lumMod val="75000"/>
+                <a:lumOff val="25000"/>
+              </a:schemeClr>
+            </a:solidFill>
+          </a:ln>
+        </p:spPr>
+        <p:style>
+          <a:lnRef idx="1">
+            <a:schemeClr val="accent1"/>
+          </a:lnRef>
+          <a:fillRef idx="0">
+            <a:schemeClr val="accent1"/>
+          </a:fillRef>
+          <a:effectRef idx="0">
+            <a:schemeClr val="accent1"/>
+          </a:effectRef>
+          <a:fontRef idx="minor">
+            <a:schemeClr val="tx1"/>
+          </a:fontRef>
+        </p:style>
+      </p:cxnSp>
+      <p:cxnSp>
+        <p:nvCxnSpPr>
+          <p:cNvPr id="207" name="직선 연결선 206"/>
+          <p:cNvCxnSpPr/>
+          <p:nvPr/>
+        </p:nvCxnSpPr>
+        <p:spPr>
+          <a:xfrm>
+            <a:off x="7604388" y="6479787"/>
+            <a:ext cx="0" cy="91467"/>
+          </a:xfrm>
+          <a:prstGeom prst="line">
+            <a:avLst/>
+          </a:prstGeom>
+          <a:ln>
+            <a:solidFill>
+              <a:schemeClr val="tx1">
+                <a:lumMod val="75000"/>
+                <a:lumOff val="25000"/>
+              </a:schemeClr>
+            </a:solidFill>
+          </a:ln>
+        </p:spPr>
+        <p:style>
+          <a:lnRef idx="1">
+            <a:schemeClr val="accent1"/>
+          </a:lnRef>
+          <a:fillRef idx="0">
+            <a:schemeClr val="accent1"/>
+          </a:fillRef>
+          <a:effectRef idx="0">
+            <a:schemeClr val="accent1"/>
+          </a:effectRef>
+          <a:fontRef idx="minor">
+            <a:schemeClr val="tx1"/>
+          </a:fontRef>
+        </p:style>
+      </p:cxnSp>
+      <p:cxnSp>
+        <p:nvCxnSpPr>
+          <p:cNvPr id="208" name="직선 연결선 207"/>
+          <p:cNvCxnSpPr/>
+          <p:nvPr/>
+        </p:nvCxnSpPr>
+        <p:spPr>
+          <a:xfrm>
+            <a:off x="7687616" y="6479787"/>
+            <a:ext cx="0" cy="91467"/>
+          </a:xfrm>
+          <a:prstGeom prst="line">
+            <a:avLst/>
+          </a:prstGeom>
+          <a:ln>
+            <a:solidFill>
+              <a:schemeClr val="tx1">
+                <a:lumMod val="75000"/>
+                <a:lumOff val="25000"/>
+              </a:schemeClr>
+            </a:solidFill>
+          </a:ln>
+        </p:spPr>
+        <p:style>
+          <a:lnRef idx="1">
+            <a:schemeClr val="accent1"/>
+          </a:lnRef>
+          <a:fillRef idx="0">
+            <a:schemeClr val="accent1"/>
+          </a:fillRef>
+          <a:effectRef idx="0">
+            <a:schemeClr val="accent1"/>
+          </a:effectRef>
+          <a:fontRef idx="minor">
+            <a:schemeClr val="tx1"/>
+          </a:fontRef>
+        </p:style>
+      </p:cxnSp>
+      <p:cxnSp>
+        <p:nvCxnSpPr>
+          <p:cNvPr id="209" name="직선 연결선 208"/>
+          <p:cNvCxnSpPr/>
+          <p:nvPr/>
+        </p:nvCxnSpPr>
+        <p:spPr>
+          <a:xfrm>
+            <a:off x="7515550" y="6477931"/>
+            <a:ext cx="0" cy="83470"/>
+          </a:xfrm>
+          <a:prstGeom prst="line">
+            <a:avLst/>
+          </a:prstGeom>
+          <a:ln>
+            <a:solidFill>
+              <a:schemeClr val="tx1">
+                <a:lumMod val="75000"/>
+                <a:lumOff val="25000"/>
+              </a:schemeClr>
+            </a:solidFill>
+          </a:ln>
+        </p:spPr>
+        <p:style>
+          <a:lnRef idx="1">
+            <a:schemeClr val="accent1"/>
+          </a:lnRef>
+          <a:fillRef idx="0">
+            <a:schemeClr val="accent1"/>
+          </a:fillRef>
+          <a:effectRef idx="0">
+            <a:schemeClr val="accent1"/>
+          </a:effectRef>
+          <a:fontRef idx="minor">
+            <a:schemeClr val="tx1"/>
+          </a:fontRef>
+        </p:style>
+      </p:cxnSp>
+      <p:sp>
+        <p:nvSpPr>
+          <p:cNvPr id="210" name="직사각형 209"/>
+          <p:cNvSpPr/>
+          <p:nvPr/>
+        </p:nvSpPr>
+        <p:spPr>
+          <a:xfrm>
+            <a:off x="7308304" y="6472233"/>
+            <a:ext cx="114362" cy="72009"/>
+          </a:xfrm>
+          <a:prstGeom prst="rect">
+            <a:avLst/>
+          </a:prstGeom>
+          <a:noFill/>
+          <a:ln>
+            <a:noFill/>
+          </a:ln>
+        </p:spPr>
+        <p:style>
+          <a:lnRef idx="2">
+            <a:schemeClr val="accent1">
+              <a:shade val="50000"/>
+            </a:schemeClr>
+          </a:lnRef>
+          <a:fillRef idx="1">
+            <a:schemeClr val="accent1"/>
+          </a:fillRef>
+          <a:effectRef idx="0">
+            <a:schemeClr val="accent1"/>
+          </a:effectRef>
+          <a:fontRef idx="minor">
+            <a:schemeClr val="lt1"/>
+          </a:fontRef>
+        </p:style>
+        <p:txBody>
+          <a:bodyPr rtlCol="0" anchor="ctr"/>
+          <a:lstStyle/>
+          <a:p>
+            <a:pPr algn="ctr"/>
+            <a:endParaRPr lang="ko-KR" altLang="en-US">
+              <a:solidFill>
+                <a:schemeClr val="tx1">
+                  <a:lumMod val="75000"/>
+                  <a:lumOff val="25000"/>
+                </a:schemeClr>
+              </a:solidFill>
+            </a:endParaRPr>
+          </a:p>
+        </p:txBody>
+      </p:sp>
+      <p:sp>
+        <p:nvSpPr>
+          <p:cNvPr id="211" name="직사각형 210"/>
+          <p:cNvSpPr/>
+          <p:nvPr/>
+        </p:nvSpPr>
+        <p:spPr>
+          <a:xfrm>
+            <a:off x="7729739" y="6488809"/>
+            <a:ext cx="108012" cy="88261"/>
+          </a:xfrm>
+          <a:prstGeom prst="rect">
+            <a:avLst/>
+          </a:prstGeom>
+          <a:noFill/>
+          <a:ln>
+            <a:noFill/>
+          </a:ln>
+        </p:spPr>
+        <p:style>
+          <a:lnRef idx="2">
+            <a:schemeClr val="accent1">
+              <a:shade val="50000"/>
+            </a:schemeClr>
+          </a:lnRef>
+          <a:fillRef idx="1">
+            <a:schemeClr val="accent1"/>
+          </a:fillRef>
+          <a:effectRef idx="0">
+            <a:schemeClr val="accent1"/>
+          </a:effectRef>
+          <a:fontRef idx="minor">
+            <a:schemeClr val="lt1"/>
+          </a:fontRef>
+        </p:style>
+        <p:txBody>
+          <a:bodyPr rtlCol="0" anchor="ctr"/>
+          <a:lstStyle/>
+          <a:p>
+            <a:pPr algn="ctr"/>
+            <a:endParaRPr lang="ko-KR" altLang="en-US">
+              <a:solidFill>
+                <a:schemeClr val="tx1">
+                  <a:lumMod val="75000"/>
+                  <a:lumOff val="25000"/>
+                </a:schemeClr>
+              </a:solidFill>
+            </a:endParaRPr>
+          </a:p>
+        </p:txBody>
+      </p:sp>
+      <p:sp>
+        <p:nvSpPr>
+          <p:cNvPr id="212" name="TextBox 211"/>
+          <p:cNvSpPr txBox="1"/>
+          <p:nvPr/>
+        </p:nvSpPr>
+        <p:spPr>
+          <a:xfrm>
+            <a:off x="7701676" y="6401523"/>
+            <a:ext cx="1296144" cy="215444"/>
+          </a:xfrm>
+          <a:prstGeom prst="rect">
+            <a:avLst/>
+          </a:prstGeom>
+          <a:noFill/>
+          <a:ln>
+            <a:noFill/>
+          </a:ln>
+        </p:spPr>
+        <p:txBody>
+          <a:bodyPr wrap="square" rtlCol="0">
+            <a:spAutoFit/>
+          </a:bodyPr>
+          <a:lstStyle/>
+          <a:p>
+            <a:r>
+              <a:rPr lang="en-US" altLang="ko-KR" sz="800" dirty="0" smtClean="0">
+                <a:solidFill>
+                  <a:schemeClr val="tx1">
+                    <a:lumMod val="75000"/>
+                    <a:lumOff val="25000"/>
+                  </a:schemeClr>
+                </a:solidFill>
+              </a:rPr>
+              <a:t>queue</a:t>
+            </a:r>
+            <a:endParaRPr lang="ko-KR" altLang="en-US" sz="800" dirty="0">
+              <a:solidFill>
+                <a:schemeClr val="tx1">
+                  <a:lumMod val="75000"/>
+                  <a:lumOff val="25000"/>
+                </a:schemeClr>
+              </a:solidFill>
+            </a:endParaRPr>
+          </a:p>
+        </p:txBody>
+      </p:sp>
+      <p:sp>
+        <p:nvSpPr>
+          <p:cNvPr id="289" name="직사각형 288"/>
+          <p:cNvSpPr/>
+          <p:nvPr/>
+        </p:nvSpPr>
+        <p:spPr>
+          <a:xfrm>
+            <a:off x="6684963" y="2667143"/>
+            <a:ext cx="945269" cy="493101"/>
+          </a:xfrm>
+          <a:prstGeom prst="rect">
+            <a:avLst/>
+          </a:prstGeom>
+          <a:solidFill>
+            <a:schemeClr val="accent6">
+              <a:lumMod val="60000"/>
+              <a:lumOff val="40000"/>
+            </a:schemeClr>
+          </a:solidFill>
+          <a:ln w="6350">
+            <a:solidFill>
+              <a:schemeClr val="tx1">
+                <a:lumMod val="65000"/>
+                <a:lumOff val="35000"/>
+              </a:schemeClr>
+            </a:solidFill>
+          </a:ln>
+        </p:spPr>
+        <p:style>
+          <a:lnRef idx="2">
+            <a:schemeClr val="accent1">
+              <a:shade val="50000"/>
+            </a:schemeClr>
+          </a:lnRef>
+          <a:fillRef idx="1">
+            <a:schemeClr val="accent1"/>
+          </a:fillRef>
+          <a:effectRef idx="0">
+            <a:schemeClr val="accent1"/>
+          </a:effectRef>
+          <a:fontRef idx="minor">
+            <a:schemeClr val="lt1"/>
+          </a:fontRef>
+        </p:style>
+        <p:txBody>
+          <a:bodyPr rtlCol="0" anchor="ctr"/>
+          <a:lstStyle/>
+          <a:p>
+            <a:pPr algn="ctr"/>
+            <a:r>
+              <a:rPr lang="en-US" altLang="ko-KR" sz="1100" dirty="0" err="1" smtClean="0">
+                <a:solidFill>
+                  <a:schemeClr val="tx1">
+                    <a:lumMod val="75000"/>
+                    <a:lumOff val="25000"/>
+                  </a:schemeClr>
+                </a:solidFill>
+              </a:rPr>
+              <a:t>ConfigEvent</a:t>
+            </a:r>
+            <a:endParaRPr lang="ko-KR" altLang="en-US" sz="1100" dirty="0">
+              <a:solidFill>
+                <a:schemeClr val="tx1">
+                  <a:lumMod val="75000"/>
+                  <a:lumOff val="25000"/>
+                </a:schemeClr>
+              </a:solidFill>
+            </a:endParaRPr>
+          </a:p>
+        </p:txBody>
+      </p:sp>
+      <p:sp>
+        <p:nvSpPr>
+          <p:cNvPr id="290" name="직사각형 289"/>
+          <p:cNvSpPr/>
+          <p:nvPr/>
+        </p:nvSpPr>
+        <p:spPr>
+          <a:xfrm>
+            <a:off x="5363947" y="4380203"/>
+            <a:ext cx="1026633" cy="536984"/>
+          </a:xfrm>
+          <a:prstGeom prst="rect">
+            <a:avLst/>
+          </a:prstGeom>
+          <a:solidFill>
+            <a:schemeClr val="accent6">
+              <a:lumMod val="60000"/>
+              <a:lumOff val="40000"/>
+            </a:schemeClr>
+          </a:solidFill>
+          <a:ln w="6350">
+            <a:solidFill>
+              <a:schemeClr val="tx1">
+                <a:lumMod val="65000"/>
+                <a:lumOff val="35000"/>
+              </a:schemeClr>
+            </a:solidFill>
+          </a:ln>
+        </p:spPr>
+        <p:style>
+          <a:lnRef idx="2">
+            <a:schemeClr val="accent1">
+              <a:shade val="50000"/>
+            </a:schemeClr>
+          </a:lnRef>
+          <a:fillRef idx="1">
+            <a:schemeClr val="accent1"/>
+          </a:fillRef>
+          <a:effectRef idx="0">
+            <a:schemeClr val="accent1"/>
+          </a:effectRef>
+          <a:fontRef idx="minor">
+            <a:schemeClr val="lt1"/>
+          </a:fontRef>
+        </p:style>
+        <p:txBody>
+          <a:bodyPr rtlCol="0" anchor="ctr"/>
+          <a:lstStyle/>
+          <a:p>
+            <a:pPr algn="ctr"/>
+            <a:r>
+              <a:rPr lang="en-US" altLang="ko-KR" sz="1100" dirty="0" err="1" smtClean="0">
+                <a:solidFill>
+                  <a:schemeClr val="tx1">
+                    <a:lumMod val="75000"/>
+                    <a:lumOff val="25000"/>
+                  </a:schemeClr>
+                </a:solidFill>
+              </a:rPr>
+              <a:t>StateEvent</a:t>
+            </a:r>
+            <a:endParaRPr lang="ko-KR" altLang="en-US" sz="1100" dirty="0">
+              <a:solidFill>
+                <a:schemeClr val="tx1">
+                  <a:lumMod val="75000"/>
+                  <a:lumOff val="25000"/>
+                </a:schemeClr>
+              </a:solidFill>
+            </a:endParaRPr>
+          </a:p>
+        </p:txBody>
+      </p:sp>
+      <p:sp>
+        <p:nvSpPr>
+          <p:cNvPr id="291" name="직사각형 290"/>
+          <p:cNvSpPr/>
+          <p:nvPr/>
+        </p:nvSpPr>
+        <p:spPr>
+          <a:xfrm>
+            <a:off x="1949097" y="4390037"/>
+            <a:ext cx="1040272" cy="499173"/>
+          </a:xfrm>
+          <a:prstGeom prst="rect">
+            <a:avLst/>
+          </a:prstGeom>
+          <a:solidFill>
+            <a:schemeClr val="accent6">
+              <a:lumMod val="60000"/>
+              <a:lumOff val="40000"/>
+            </a:schemeClr>
+          </a:solidFill>
+          <a:ln w="6350">
+            <a:solidFill>
+              <a:schemeClr val="tx1">
+                <a:lumMod val="65000"/>
+                <a:lumOff val="35000"/>
+              </a:schemeClr>
+            </a:solidFill>
+          </a:ln>
+        </p:spPr>
+        <p:style>
+          <a:lnRef idx="2">
+            <a:schemeClr val="accent1">
+              <a:shade val="50000"/>
+            </a:schemeClr>
+          </a:lnRef>
+          <a:fillRef idx="1">
+            <a:schemeClr val="accent1"/>
+          </a:fillRef>
+          <a:effectRef idx="0">
+            <a:schemeClr val="accent1"/>
+          </a:effectRef>
+          <a:fontRef idx="minor">
+            <a:schemeClr val="lt1"/>
+          </a:fontRef>
+        </p:style>
+        <p:txBody>
+          <a:bodyPr rtlCol="0" anchor="ctr"/>
+          <a:lstStyle/>
+          <a:p>
+            <a:pPr algn="ctr"/>
+            <a:r>
+              <a:rPr lang="en-US" altLang="ko-KR" sz="1100" dirty="0" err="1" smtClean="0">
+                <a:solidFill>
+                  <a:schemeClr val="tx1">
+                    <a:lumMod val="75000"/>
+                    <a:lumOff val="25000"/>
+                  </a:schemeClr>
+                </a:solidFill>
+              </a:rPr>
+              <a:t>ActionEvent</a:t>
+            </a:r>
+            <a:endParaRPr lang="ko-KR" altLang="en-US" sz="1100" dirty="0">
+              <a:solidFill>
+                <a:schemeClr val="tx1">
+                  <a:lumMod val="75000"/>
+                  <a:lumOff val="25000"/>
+                </a:schemeClr>
+              </a:solidFill>
+            </a:endParaRPr>
+          </a:p>
+        </p:txBody>
+      </p:sp>
+      <p:sp>
+        <p:nvSpPr>
+          <p:cNvPr id="292" name="직사각형 291"/>
+          <p:cNvSpPr/>
+          <p:nvPr/>
+        </p:nvSpPr>
+        <p:spPr>
+          <a:xfrm>
+            <a:off x="3246981" y="4395963"/>
+            <a:ext cx="900873" cy="491530"/>
+          </a:xfrm>
+          <a:prstGeom prst="rect">
+            <a:avLst/>
+          </a:prstGeom>
+          <a:solidFill>
+            <a:schemeClr val="accent6">
+              <a:lumMod val="60000"/>
+              <a:lumOff val="40000"/>
+            </a:schemeClr>
+          </a:solidFill>
+          <a:ln w="6350">
+            <a:solidFill>
+              <a:schemeClr val="tx1">
+                <a:lumMod val="65000"/>
+                <a:lumOff val="35000"/>
+              </a:schemeClr>
+            </a:solidFill>
+          </a:ln>
+        </p:spPr>
+        <p:style>
+          <a:lnRef idx="2">
+            <a:schemeClr val="accent1">
+              <a:shade val="50000"/>
+            </a:schemeClr>
+          </a:lnRef>
+          <a:fillRef idx="1">
+            <a:schemeClr val="accent1"/>
+          </a:fillRef>
+          <a:effectRef idx="0">
+            <a:schemeClr val="accent1"/>
+          </a:effectRef>
+          <a:fontRef idx="minor">
+            <a:schemeClr val="lt1"/>
+          </a:fontRef>
+        </p:style>
+        <p:txBody>
+          <a:bodyPr rtlCol="0" anchor="ctr"/>
+          <a:lstStyle/>
+          <a:p>
+            <a:pPr algn="ctr"/>
+            <a:r>
+              <a:rPr lang="en-US" altLang="ko-KR" sz="1100" dirty="0" err="1" smtClean="0">
+                <a:solidFill>
+                  <a:schemeClr val="tx1">
+                    <a:lumMod val="75000"/>
+                    <a:lumOff val="25000"/>
+                  </a:schemeClr>
+                </a:solidFill>
+              </a:rPr>
+              <a:t>ThingEvent</a:t>
+            </a:r>
+            <a:endParaRPr lang="ko-KR" altLang="en-US" sz="1100" dirty="0">
+              <a:solidFill>
+                <a:schemeClr val="tx1">
+                  <a:lumMod val="75000"/>
+                  <a:lumOff val="25000"/>
+                </a:schemeClr>
+              </a:solidFill>
+            </a:endParaRPr>
+          </a:p>
+        </p:txBody>
+      </p:sp>
+      <p:sp>
+        <p:nvSpPr>
+          <p:cNvPr id="293" name="직사각형 292"/>
+          <p:cNvSpPr/>
+          <p:nvPr/>
+        </p:nvSpPr>
+        <p:spPr>
+          <a:xfrm>
+            <a:off x="4303578" y="4390037"/>
+            <a:ext cx="954994" cy="522724"/>
+          </a:xfrm>
+          <a:prstGeom prst="rect">
+            <a:avLst/>
+          </a:prstGeom>
+          <a:solidFill>
+            <a:schemeClr val="accent6">
+              <a:lumMod val="60000"/>
+              <a:lumOff val="40000"/>
+            </a:schemeClr>
+          </a:solidFill>
+          <a:ln w="6350">
+            <a:solidFill>
+              <a:schemeClr val="tx1">
+                <a:lumMod val="65000"/>
+                <a:lumOff val="35000"/>
+              </a:schemeClr>
+            </a:solidFill>
+          </a:ln>
+        </p:spPr>
+        <p:style>
+          <a:lnRef idx="2">
+            <a:schemeClr val="accent1">
+              <a:shade val="50000"/>
+            </a:schemeClr>
+          </a:lnRef>
+          <a:fillRef idx="1">
+            <a:schemeClr val="accent1"/>
+          </a:fillRef>
+          <a:effectRef idx="0">
+            <a:schemeClr val="accent1"/>
+          </a:effectRef>
+          <a:fontRef idx="minor">
+            <a:schemeClr val="lt1"/>
+          </a:fontRef>
+        </p:style>
+        <p:txBody>
+          <a:bodyPr rtlCol="0" anchor="ctr"/>
+          <a:lstStyle/>
+          <a:p>
+            <a:pPr algn="ctr"/>
+            <a:r>
+              <a:rPr lang="en-US" altLang="ko-KR" sz="1100" dirty="0" err="1" smtClean="0">
+                <a:solidFill>
+                  <a:schemeClr val="tx1">
+                    <a:lumMod val="75000"/>
+                    <a:lumOff val="25000"/>
+                  </a:schemeClr>
+                </a:solidFill>
+              </a:rPr>
+              <a:t>RuleEvent</a:t>
+            </a:r>
+            <a:endParaRPr lang="ko-KR" altLang="en-US" sz="1100" dirty="0">
+              <a:solidFill>
+                <a:schemeClr val="tx1">
+                  <a:lumMod val="75000"/>
+                  <a:lumOff val="25000"/>
+                </a:schemeClr>
+              </a:solidFill>
+            </a:endParaRPr>
+          </a:p>
+        </p:txBody>
+      </p:sp>
+      <p:sp>
+        <p:nvSpPr>
+          <p:cNvPr id="310" name="직사각형 309"/>
+          <p:cNvSpPr/>
+          <p:nvPr/>
+        </p:nvSpPr>
+        <p:spPr>
+          <a:xfrm>
+            <a:off x="2766853" y="2802606"/>
+            <a:ext cx="874540" cy="410369"/>
+          </a:xfrm>
+          <a:prstGeom prst="rect">
+            <a:avLst/>
+          </a:prstGeom>
+          <a:solidFill>
+            <a:schemeClr val="bg1"/>
+          </a:solidFill>
+          <a:ln w="6350">
+            <a:solidFill>
+              <a:schemeClr val="tx1">
+                <a:lumMod val="65000"/>
+                <a:lumOff val="35000"/>
+              </a:schemeClr>
+            </a:solidFill>
+          </a:ln>
+        </p:spPr>
+        <p:style>
+          <a:lnRef idx="2">
+            <a:schemeClr val="accent1">
+              <a:shade val="50000"/>
+            </a:schemeClr>
+          </a:lnRef>
+          <a:fillRef idx="1">
+            <a:schemeClr val="accent1"/>
+          </a:fillRef>
+          <a:effectRef idx="0">
+            <a:schemeClr val="accent1"/>
+          </a:effectRef>
+          <a:fontRef idx="minor">
+            <a:schemeClr val="lt1"/>
+          </a:fontRef>
+        </p:style>
+        <p:txBody>
+          <a:bodyPr rtlCol="0" anchor="ctr"/>
+          <a:lstStyle/>
+          <a:p>
+            <a:pPr algn="ctr"/>
+            <a:r>
+              <a:rPr lang="en-US" altLang="ko-KR" sz="1100" dirty="0" smtClean="0">
+                <a:solidFill>
+                  <a:schemeClr val="tx1">
+                    <a:lumMod val="75000"/>
+                    <a:lumOff val="25000"/>
+                  </a:schemeClr>
+                </a:solidFill>
+              </a:rPr>
+              <a:t>Condition</a:t>
+            </a:r>
+            <a:endParaRPr lang="ko-KR" altLang="en-US" sz="1100" dirty="0">
+              <a:solidFill>
+                <a:schemeClr val="tx1">
+                  <a:lumMod val="75000"/>
+                  <a:lumOff val="25000"/>
+                </a:schemeClr>
+              </a:solidFill>
+            </a:endParaRPr>
+          </a:p>
+        </p:txBody>
+      </p:sp>
+      <p:cxnSp>
+        <p:nvCxnSpPr>
+          <p:cNvPr id="326" name="꺾인 연결선 425"/>
+          <p:cNvCxnSpPr>
+            <a:stCxn id="310" idx="0"/>
+            <a:endCxn id="536" idx="2"/>
+          </p:cNvCxnSpPr>
+          <p:nvPr/>
+        </p:nvCxnSpPr>
+        <p:spPr>
+          <a:xfrm rot="16200000" flipV="1">
+            <a:off x="2729623" y="2328105"/>
+            <a:ext cx="400490" cy="548511"/>
+          </a:xfrm>
+          <a:prstGeom prst="bentConnector3">
+            <a:avLst>
+              <a:gd name="adj1" fmla="val 50000"/>
+            </a:avLst>
+          </a:prstGeom>
+          <a:ln>
+            <a:solidFill>
+              <a:schemeClr val="tx1">
+                <a:lumMod val="65000"/>
+                <a:lumOff val="35000"/>
+              </a:schemeClr>
+            </a:solidFill>
+            <a:headEnd type="oval" w="sm" len="sm"/>
+            <a:tailEnd type="triangle" w="med" len="med"/>
+          </a:ln>
+        </p:spPr>
+        <p:style>
+          <a:lnRef idx="1">
+            <a:schemeClr val="accent1"/>
+          </a:lnRef>
+          <a:fillRef idx="0">
+            <a:schemeClr val="accent1"/>
+          </a:fillRef>
+          <a:effectRef idx="0">
+            <a:schemeClr val="accent1"/>
+          </a:effectRef>
+          <a:fontRef idx="minor">
+            <a:schemeClr val="tx1"/>
+          </a:fontRef>
+        </p:style>
+      </p:cxnSp>
+      <p:sp>
+        <p:nvSpPr>
+          <p:cNvPr id="342" name="직사각형 341"/>
+          <p:cNvSpPr/>
+          <p:nvPr/>
+        </p:nvSpPr>
+        <p:spPr>
+          <a:xfrm rot="16200000">
+            <a:off x="5273121" y="992626"/>
+            <a:ext cx="45719" cy="144599"/>
+          </a:xfrm>
+          <a:prstGeom prst="rect">
+            <a:avLst/>
+          </a:prstGeom>
+          <a:noFill/>
+          <a:ln w="19050">
+            <a:noFill/>
+          </a:ln>
+        </p:spPr>
+        <p:style>
+          <a:lnRef idx="2">
+            <a:schemeClr val="accent1">
+              <a:shade val="50000"/>
+            </a:schemeClr>
+          </a:lnRef>
+          <a:fillRef idx="1">
+            <a:schemeClr val="accent1"/>
+          </a:fillRef>
+          <a:effectRef idx="0">
+            <a:schemeClr val="accent1"/>
+          </a:effectRef>
+          <a:fontRef idx="minor">
+            <a:schemeClr val="lt1"/>
+          </a:fontRef>
+        </p:style>
+        <p:txBody>
+          <a:bodyPr rtlCol="0" anchor="ctr"/>
+          <a:lstStyle/>
+          <a:p>
+            <a:pPr algn="ctr"/>
+            <a:endParaRPr lang="ko-KR" altLang="en-US" sz="1100" b="1" dirty="0" smtClean="0">
+              <a:solidFill>
+                <a:schemeClr val="tx1"/>
+              </a:solidFill>
+            </a:endParaRPr>
+          </a:p>
+        </p:txBody>
+      </p:sp>
+      <p:sp>
+        <p:nvSpPr>
+          <p:cNvPr id="353" name="직사각형 352"/>
+          <p:cNvSpPr/>
+          <p:nvPr/>
+        </p:nvSpPr>
+        <p:spPr>
+          <a:xfrm>
+            <a:off x="4999666" y="943769"/>
+            <a:ext cx="165974" cy="109547"/>
+          </a:xfrm>
+          <a:prstGeom prst="rect">
+            <a:avLst/>
+          </a:prstGeom>
+          <a:noFill/>
+          <a:ln w="19050">
+            <a:noFill/>
+          </a:ln>
+        </p:spPr>
+        <p:style>
+          <a:lnRef idx="2">
+            <a:schemeClr val="accent1">
+              <a:shade val="50000"/>
+            </a:schemeClr>
+          </a:lnRef>
+          <a:fillRef idx="1">
+            <a:schemeClr val="accent1"/>
+          </a:fillRef>
+          <a:effectRef idx="0">
+            <a:schemeClr val="accent1"/>
+          </a:effectRef>
+          <a:fontRef idx="minor">
+            <a:schemeClr val="lt1"/>
+          </a:fontRef>
+        </p:style>
+        <p:txBody>
+          <a:bodyPr rtlCol="0" anchor="ctr"/>
+          <a:lstStyle/>
+          <a:p>
+            <a:pPr algn="ctr"/>
+            <a:endParaRPr lang="ko-KR" altLang="en-US" sz="1100" b="1" dirty="0" smtClean="0">
+              <a:solidFill>
+                <a:schemeClr val="tx1"/>
+              </a:solidFill>
+            </a:endParaRPr>
+          </a:p>
+        </p:txBody>
+      </p:sp>
+      <p:sp>
+        <p:nvSpPr>
+          <p:cNvPr id="372" name="TextBox 371"/>
+          <p:cNvSpPr txBox="1"/>
+          <p:nvPr/>
+        </p:nvSpPr>
+        <p:spPr>
+          <a:xfrm>
+            <a:off x="1013775" y="641593"/>
+            <a:ext cx="576064" cy="246221"/>
+          </a:xfrm>
+          <a:prstGeom prst="rect">
+            <a:avLst/>
+          </a:prstGeom>
+          <a:noFill/>
+          <a:ln>
+            <a:noFill/>
+          </a:ln>
+        </p:spPr>
+        <p:txBody>
+          <a:bodyPr wrap="square" rtlCol="0">
+            <a:spAutoFit/>
+          </a:bodyPr>
+          <a:lstStyle/>
+          <a:p>
+            <a:r>
+              <a:rPr lang="en-US" altLang="ko-KR" sz="1000" dirty="0" smtClean="0">
+                <a:solidFill>
+                  <a:schemeClr val="tx1">
+                    <a:lumMod val="75000"/>
+                    <a:lumOff val="25000"/>
+                  </a:schemeClr>
+                </a:solidFill>
+              </a:rPr>
+              <a:t>expire</a:t>
+            </a:r>
+            <a:endParaRPr lang="ko-KR" altLang="en-US" sz="1000" dirty="0">
+              <a:solidFill>
+                <a:schemeClr val="tx1">
+                  <a:lumMod val="75000"/>
+                  <a:lumOff val="25000"/>
+                </a:schemeClr>
+              </a:solidFill>
+            </a:endParaRPr>
+          </a:p>
+        </p:txBody>
+      </p:sp>
+      <p:sp>
+        <p:nvSpPr>
+          <p:cNvPr id="377" name="TextBox 376"/>
+          <p:cNvSpPr txBox="1"/>
+          <p:nvPr/>
+        </p:nvSpPr>
+        <p:spPr>
+          <a:xfrm>
+            <a:off x="614063" y="2750360"/>
+            <a:ext cx="717577" cy="246221"/>
+          </a:xfrm>
+          <a:prstGeom prst="rect">
+            <a:avLst/>
+          </a:prstGeom>
+          <a:noFill/>
+          <a:ln>
+            <a:noFill/>
+          </a:ln>
+        </p:spPr>
+        <p:txBody>
+          <a:bodyPr wrap="square" rtlCol="0">
+            <a:spAutoFit/>
+          </a:bodyPr>
+          <a:lstStyle/>
+          <a:p>
+            <a:r>
+              <a:rPr lang="en-US" altLang="ko-KR" sz="1000" dirty="0" smtClean="0">
+                <a:solidFill>
+                  <a:schemeClr val="tx1">
+                    <a:lumMod val="75000"/>
+                    <a:lumOff val="25000"/>
+                  </a:schemeClr>
+                </a:solidFill>
+              </a:rPr>
+              <a:t>execute</a:t>
+            </a:r>
+            <a:endParaRPr lang="ko-KR" altLang="en-US" sz="1000" dirty="0">
+              <a:solidFill>
+                <a:schemeClr val="tx1">
+                  <a:lumMod val="75000"/>
+                  <a:lumOff val="25000"/>
+                </a:schemeClr>
+              </a:solidFill>
+            </a:endParaRPr>
+          </a:p>
+        </p:txBody>
+      </p:sp>
+      <p:cxnSp>
+        <p:nvCxnSpPr>
+          <p:cNvPr id="390" name="꺾인 연결선 425"/>
+          <p:cNvCxnSpPr>
+            <a:stCxn id="141" idx="1"/>
+            <a:endCxn id="309" idx="3"/>
+          </p:cNvCxnSpPr>
+          <p:nvPr/>
+        </p:nvCxnSpPr>
+        <p:spPr>
+          <a:xfrm rot="10800000" flipV="1">
+            <a:off x="2945246" y="2209225"/>
+            <a:ext cx="1698763" cy="4575"/>
+          </a:xfrm>
+          <a:prstGeom prst="bentConnector3">
+            <a:avLst>
+              <a:gd name="adj1" fmla="val 50000"/>
+            </a:avLst>
+          </a:prstGeom>
+          <a:ln>
+            <a:solidFill>
+              <a:schemeClr val="tx1">
+                <a:lumMod val="65000"/>
+                <a:lumOff val="35000"/>
+              </a:schemeClr>
+            </a:solidFill>
+            <a:headEnd type="oval" w="sm" len="sm"/>
+            <a:tailEnd type="triangle" w="med" len="med"/>
+          </a:ln>
+        </p:spPr>
+        <p:style>
+          <a:lnRef idx="1">
+            <a:schemeClr val="accent1"/>
+          </a:lnRef>
+          <a:fillRef idx="0">
+            <a:schemeClr val="accent1"/>
+          </a:fillRef>
+          <a:effectRef idx="0">
+            <a:schemeClr val="accent1"/>
+          </a:effectRef>
+          <a:fontRef idx="minor">
+            <a:schemeClr val="tx1"/>
+          </a:fontRef>
+        </p:style>
+      </p:cxnSp>
+      <p:cxnSp>
+        <p:nvCxnSpPr>
+          <p:cNvPr id="394" name="꺾인 연결선 425"/>
+          <p:cNvCxnSpPr>
+            <a:stCxn id="293" idx="0"/>
+            <a:endCxn id="416" idx="2"/>
+          </p:cNvCxnSpPr>
+          <p:nvPr/>
+        </p:nvCxnSpPr>
+        <p:spPr>
+          <a:xfrm rot="5400000" flipH="1" flipV="1">
+            <a:off x="4176458" y="3137762"/>
+            <a:ext cx="1856893" cy="647658"/>
+          </a:xfrm>
+          <a:prstGeom prst="bentConnector3">
+            <a:avLst>
+              <a:gd name="adj1" fmla="val 37559"/>
+            </a:avLst>
+          </a:prstGeom>
+          <a:ln>
+            <a:solidFill>
+              <a:schemeClr val="tx1">
+                <a:lumMod val="65000"/>
+                <a:lumOff val="35000"/>
+              </a:schemeClr>
+            </a:solidFill>
+            <a:headEnd type="oval" w="sm" len="sm"/>
+            <a:tailEnd type="triangle" w="med" len="med"/>
+          </a:ln>
+        </p:spPr>
+        <p:style>
+          <a:lnRef idx="1">
+            <a:schemeClr val="accent1"/>
+          </a:lnRef>
+          <a:fillRef idx="0">
+            <a:schemeClr val="accent1"/>
+          </a:fillRef>
+          <a:effectRef idx="0">
+            <a:schemeClr val="accent1"/>
+          </a:effectRef>
+          <a:fontRef idx="minor">
+            <a:schemeClr val="tx1"/>
+          </a:fontRef>
+        </p:style>
+      </p:cxnSp>
+      <p:cxnSp>
+        <p:nvCxnSpPr>
+          <p:cNvPr id="399" name="꺾인 연결선 425"/>
+          <p:cNvCxnSpPr>
+            <a:stCxn id="291" idx="0"/>
+            <a:endCxn id="404" idx="2"/>
+          </p:cNvCxnSpPr>
+          <p:nvPr/>
+        </p:nvCxnSpPr>
+        <p:spPr>
+          <a:xfrm rot="5400000" flipH="1" flipV="1">
+            <a:off x="2745664" y="2257056"/>
+            <a:ext cx="1856550" cy="2409412"/>
+          </a:xfrm>
+          <a:prstGeom prst="bentConnector3">
+            <a:avLst>
+              <a:gd name="adj1" fmla="val 50000"/>
+            </a:avLst>
+          </a:prstGeom>
+          <a:ln>
+            <a:solidFill>
+              <a:schemeClr val="tx1">
+                <a:lumMod val="65000"/>
+                <a:lumOff val="35000"/>
+              </a:schemeClr>
+            </a:solidFill>
+            <a:headEnd type="oval" w="sm" len="sm"/>
+            <a:tailEnd type="triangle" w="med" len="med"/>
+          </a:ln>
+        </p:spPr>
+        <p:style>
+          <a:lnRef idx="1">
+            <a:schemeClr val="accent1"/>
+          </a:lnRef>
+          <a:fillRef idx="0">
+            <a:schemeClr val="accent1"/>
+          </a:fillRef>
+          <a:effectRef idx="0">
+            <a:schemeClr val="accent1"/>
+          </a:effectRef>
+          <a:fontRef idx="minor">
+            <a:schemeClr val="tx1"/>
+          </a:fontRef>
+        </p:style>
+      </p:cxnSp>
+      <p:cxnSp>
+        <p:nvCxnSpPr>
+          <p:cNvPr id="402" name="꺾인 연결선 425"/>
+          <p:cNvCxnSpPr>
+            <a:stCxn id="292" idx="0"/>
+            <a:endCxn id="406" idx="2"/>
+          </p:cNvCxnSpPr>
+          <p:nvPr/>
+        </p:nvCxnSpPr>
+        <p:spPr>
+          <a:xfrm rot="5400000" flipH="1" flipV="1">
+            <a:off x="3490020" y="2736845"/>
+            <a:ext cx="1866516" cy="1451721"/>
+          </a:xfrm>
+          <a:prstGeom prst="bentConnector3">
+            <a:avLst>
+              <a:gd name="adj1" fmla="val 44327"/>
+            </a:avLst>
+          </a:prstGeom>
+          <a:ln>
+            <a:solidFill>
+              <a:schemeClr val="tx1">
+                <a:lumMod val="65000"/>
+                <a:lumOff val="35000"/>
+              </a:schemeClr>
+            </a:solidFill>
+            <a:headEnd type="oval" w="sm" len="sm"/>
+            <a:tailEnd type="triangle" w="med" len="med"/>
+          </a:ln>
+        </p:spPr>
+        <p:style>
+          <a:lnRef idx="1">
+            <a:schemeClr val="accent1"/>
+          </a:lnRef>
+          <a:fillRef idx="0">
+            <a:schemeClr val="accent1"/>
+          </a:fillRef>
+          <a:effectRef idx="0">
+            <a:schemeClr val="accent1"/>
+          </a:effectRef>
+          <a:fontRef idx="minor">
+            <a:schemeClr val="tx1"/>
+          </a:fontRef>
+        </p:style>
+      </p:cxnSp>
+      <p:sp>
+        <p:nvSpPr>
+          <p:cNvPr id="404" name="직사각형 403"/>
+          <p:cNvSpPr/>
+          <p:nvPr/>
+        </p:nvSpPr>
+        <p:spPr>
+          <a:xfrm>
+            <a:off x="4796180" y="2406683"/>
+            <a:ext cx="164929" cy="126804"/>
+          </a:xfrm>
+          <a:prstGeom prst="rect">
+            <a:avLst/>
+          </a:prstGeom>
+          <a:noFill/>
+          <a:ln w="19050">
+            <a:solidFill>
+              <a:schemeClr val="tx1">
+                <a:lumMod val="75000"/>
+                <a:lumOff val="25000"/>
+              </a:schemeClr>
+            </a:solidFill>
+          </a:ln>
+        </p:spPr>
+        <p:style>
+          <a:lnRef idx="2">
+            <a:schemeClr val="accent1">
+              <a:shade val="50000"/>
+            </a:schemeClr>
+          </a:lnRef>
+          <a:fillRef idx="1">
+            <a:schemeClr val="accent1"/>
+          </a:fillRef>
+          <a:effectRef idx="0">
+            <a:schemeClr val="accent1"/>
+          </a:effectRef>
+          <a:fontRef idx="minor">
+            <a:schemeClr val="lt1"/>
+          </a:fontRef>
+        </p:style>
+        <p:txBody>
+          <a:bodyPr rtlCol="0" anchor="ctr"/>
+          <a:lstStyle/>
+          <a:p>
+            <a:pPr algn="ctr"/>
+            <a:endParaRPr lang="ko-KR" altLang="en-US" sz="1100" b="1" dirty="0" smtClean="0">
+              <a:solidFill>
+                <a:schemeClr val="tx1"/>
+              </a:solidFill>
+            </a:endParaRPr>
+          </a:p>
+        </p:txBody>
+      </p:sp>
+      <p:sp>
+        <p:nvSpPr>
+          <p:cNvPr id="406" name="직사각형 405"/>
+          <p:cNvSpPr/>
+          <p:nvPr/>
+        </p:nvSpPr>
+        <p:spPr>
+          <a:xfrm>
+            <a:off x="5057754" y="2402643"/>
+            <a:ext cx="182769" cy="126804"/>
+          </a:xfrm>
+          <a:prstGeom prst="rect">
+            <a:avLst/>
+          </a:prstGeom>
+          <a:noFill/>
+          <a:ln w="19050">
+            <a:solidFill>
+              <a:schemeClr val="tx1">
+                <a:lumMod val="75000"/>
+                <a:lumOff val="25000"/>
+              </a:schemeClr>
+            </a:solidFill>
+          </a:ln>
+        </p:spPr>
+        <p:style>
+          <a:lnRef idx="2">
+            <a:schemeClr val="accent1">
+              <a:shade val="50000"/>
+            </a:schemeClr>
+          </a:lnRef>
+          <a:fillRef idx="1">
+            <a:schemeClr val="accent1"/>
+          </a:fillRef>
+          <a:effectRef idx="0">
+            <a:schemeClr val="accent1"/>
+          </a:effectRef>
+          <a:fontRef idx="minor">
+            <a:schemeClr val="lt1"/>
+          </a:fontRef>
+        </p:style>
+        <p:txBody>
+          <a:bodyPr rtlCol="0" anchor="ctr"/>
+          <a:lstStyle/>
+          <a:p>
+            <a:pPr algn="ctr"/>
+            <a:endParaRPr lang="ko-KR" altLang="en-US" sz="1100" b="1" dirty="0" smtClean="0">
+              <a:solidFill>
+                <a:schemeClr val="tx1"/>
+              </a:solidFill>
+            </a:endParaRPr>
+          </a:p>
+        </p:txBody>
+      </p:sp>
+      <p:sp>
+        <p:nvSpPr>
+          <p:cNvPr id="408" name="직사각형 407"/>
+          <p:cNvSpPr/>
+          <p:nvPr/>
+        </p:nvSpPr>
+        <p:spPr>
+          <a:xfrm>
+            <a:off x="5613367" y="2393018"/>
+            <a:ext cx="182769" cy="126804"/>
+          </a:xfrm>
+          <a:prstGeom prst="rect">
+            <a:avLst/>
+          </a:prstGeom>
+          <a:noFill/>
+          <a:ln w="19050">
+            <a:solidFill>
+              <a:schemeClr val="tx1">
+                <a:lumMod val="75000"/>
+                <a:lumOff val="25000"/>
+              </a:schemeClr>
+            </a:solidFill>
+          </a:ln>
+        </p:spPr>
+        <p:style>
+          <a:lnRef idx="2">
+            <a:schemeClr val="accent1">
+              <a:shade val="50000"/>
+            </a:schemeClr>
+          </a:lnRef>
+          <a:fillRef idx="1">
+            <a:schemeClr val="accent1"/>
+          </a:fillRef>
+          <a:effectRef idx="0">
+            <a:schemeClr val="accent1"/>
+          </a:effectRef>
+          <a:fontRef idx="minor">
+            <a:schemeClr val="lt1"/>
+          </a:fontRef>
+        </p:style>
+        <p:txBody>
+          <a:bodyPr rtlCol="0" anchor="ctr"/>
+          <a:lstStyle/>
+          <a:p>
+            <a:pPr algn="ctr"/>
+            <a:endParaRPr lang="ko-KR" altLang="en-US" sz="1100" b="1" dirty="0" smtClean="0">
+              <a:solidFill>
+                <a:schemeClr val="tx1"/>
+              </a:solidFill>
+            </a:endParaRPr>
+          </a:p>
+        </p:txBody>
+      </p:sp>
+      <p:cxnSp>
+        <p:nvCxnSpPr>
+          <p:cNvPr id="409" name="꺾인 연결선 425"/>
+          <p:cNvCxnSpPr>
+            <a:stCxn id="289" idx="0"/>
+            <a:endCxn id="188" idx="2"/>
+          </p:cNvCxnSpPr>
+          <p:nvPr/>
+        </p:nvCxnSpPr>
+        <p:spPr>
+          <a:xfrm rot="5400000" flipH="1" flipV="1">
+            <a:off x="6421006" y="1927793"/>
+            <a:ext cx="1475942" cy="2758"/>
+          </a:xfrm>
+          <a:prstGeom prst="bentConnector3">
+            <a:avLst>
+              <a:gd name="adj1" fmla="val 50000"/>
+            </a:avLst>
+          </a:prstGeom>
+          <a:ln>
+            <a:solidFill>
+              <a:schemeClr val="tx1">
+                <a:lumMod val="65000"/>
+                <a:lumOff val="35000"/>
+              </a:schemeClr>
+            </a:solidFill>
+            <a:headEnd type="oval" w="sm" len="sm"/>
+            <a:tailEnd type="triangle" w="med" len="med"/>
+          </a:ln>
+        </p:spPr>
+        <p:style>
+          <a:lnRef idx="1">
+            <a:schemeClr val="accent1"/>
+          </a:lnRef>
+          <a:fillRef idx="0">
+            <a:schemeClr val="accent1"/>
+          </a:fillRef>
+          <a:effectRef idx="0">
+            <a:schemeClr val="accent1"/>
+          </a:effectRef>
+          <a:fontRef idx="minor">
+            <a:schemeClr val="tx1"/>
+          </a:fontRef>
+        </p:style>
+      </p:cxnSp>
+      <p:sp>
+        <p:nvSpPr>
+          <p:cNvPr id="412" name="TextBox 411"/>
+          <p:cNvSpPr txBox="1"/>
+          <p:nvPr/>
+        </p:nvSpPr>
+        <p:spPr>
+          <a:xfrm>
+            <a:off x="4427984" y="3933056"/>
+            <a:ext cx="986051" cy="400110"/>
+          </a:xfrm>
+          <a:prstGeom prst="rect">
+            <a:avLst/>
+          </a:prstGeom>
+          <a:noFill/>
+          <a:ln>
+            <a:noFill/>
+          </a:ln>
+        </p:spPr>
+        <p:txBody>
+          <a:bodyPr wrap="square" rtlCol="0">
+            <a:spAutoFit/>
+          </a:bodyPr>
+          <a:lstStyle/>
+          <a:p>
+            <a:r>
+              <a:rPr lang="en-US" altLang="ko-KR" sz="1000" dirty="0" smtClean="0">
+                <a:solidFill>
+                  <a:schemeClr val="tx1">
+                    <a:lumMod val="75000"/>
+                    <a:lumOff val="25000"/>
+                  </a:schemeClr>
+                </a:solidFill>
+              </a:rPr>
+              <a:t>Add/remove</a:t>
+            </a:r>
+          </a:p>
+          <a:p>
+            <a:r>
+              <a:rPr lang="en-US" altLang="ko-KR" sz="1000" dirty="0" smtClean="0">
+                <a:solidFill>
+                  <a:schemeClr val="tx1">
+                    <a:lumMod val="75000"/>
+                    <a:lumOff val="25000"/>
+                  </a:schemeClr>
+                </a:solidFill>
+              </a:rPr>
+              <a:t>rule</a:t>
+            </a:r>
+            <a:endParaRPr lang="ko-KR" altLang="en-US" sz="1000" dirty="0">
+              <a:solidFill>
+                <a:schemeClr val="tx1">
+                  <a:lumMod val="75000"/>
+                  <a:lumOff val="25000"/>
+                </a:schemeClr>
+              </a:solidFill>
+            </a:endParaRPr>
+          </a:p>
+        </p:txBody>
+      </p:sp>
+      <p:sp>
+        <p:nvSpPr>
+          <p:cNvPr id="413" name="TextBox 412"/>
+          <p:cNvSpPr txBox="1"/>
+          <p:nvPr/>
+        </p:nvSpPr>
+        <p:spPr>
+          <a:xfrm>
+            <a:off x="3246981" y="3933056"/>
+            <a:ext cx="1237505" cy="400110"/>
+          </a:xfrm>
+          <a:prstGeom prst="rect">
+            <a:avLst/>
+          </a:prstGeom>
+          <a:noFill/>
+          <a:ln>
+            <a:noFill/>
+          </a:ln>
+        </p:spPr>
+        <p:txBody>
+          <a:bodyPr wrap="square" rtlCol="0">
+            <a:spAutoFit/>
+          </a:bodyPr>
+          <a:lstStyle/>
+          <a:p>
+            <a:r>
+              <a:rPr lang="en-US" altLang="ko-KR" sz="1000" dirty="0" smtClean="0">
+                <a:solidFill>
+                  <a:schemeClr val="tx1">
+                    <a:lumMod val="75000"/>
+                    <a:lumOff val="25000"/>
+                  </a:schemeClr>
+                </a:solidFill>
+              </a:rPr>
+              <a:t>get </a:t>
+            </a:r>
+          </a:p>
+          <a:p>
+            <a:r>
+              <a:rPr lang="en-US" altLang="ko-KR" sz="1000" dirty="0" smtClean="0">
+                <a:solidFill>
+                  <a:schemeClr val="tx1">
+                    <a:lumMod val="75000"/>
+                    <a:lumOff val="25000"/>
+                  </a:schemeClr>
+                </a:solidFill>
+              </a:rPr>
+              <a:t>matched actions</a:t>
+            </a:r>
+            <a:endParaRPr lang="ko-KR" altLang="en-US" sz="1000" dirty="0">
+              <a:solidFill>
+                <a:schemeClr val="tx1">
+                  <a:lumMod val="75000"/>
+                  <a:lumOff val="25000"/>
+                </a:schemeClr>
+              </a:solidFill>
+            </a:endParaRPr>
+          </a:p>
+        </p:txBody>
+      </p:sp>
+      <p:sp>
+        <p:nvSpPr>
+          <p:cNvPr id="414" name="TextBox 413"/>
+          <p:cNvSpPr txBox="1"/>
+          <p:nvPr/>
+        </p:nvSpPr>
+        <p:spPr>
+          <a:xfrm>
+            <a:off x="2190384" y="3933056"/>
+            <a:ext cx="1056597" cy="400110"/>
+          </a:xfrm>
+          <a:prstGeom prst="rect">
+            <a:avLst/>
+          </a:prstGeom>
+          <a:noFill/>
+          <a:ln>
+            <a:noFill/>
+          </a:ln>
+        </p:spPr>
+        <p:txBody>
+          <a:bodyPr wrap="square" rtlCol="0">
+            <a:spAutoFit/>
+          </a:bodyPr>
+          <a:lstStyle/>
+          <a:p>
+            <a:r>
+              <a:rPr lang="en-US" altLang="ko-KR" sz="1000" dirty="0" smtClean="0">
+                <a:solidFill>
+                  <a:schemeClr val="tx1">
+                    <a:lumMod val="75000"/>
+                    <a:lumOff val="25000"/>
+                  </a:schemeClr>
+                </a:solidFill>
+              </a:rPr>
+              <a:t>check permission</a:t>
+            </a:r>
+            <a:endParaRPr lang="ko-KR" altLang="en-US" sz="1000" dirty="0">
+              <a:solidFill>
+                <a:schemeClr val="tx1">
+                  <a:lumMod val="75000"/>
+                  <a:lumOff val="25000"/>
+                </a:schemeClr>
+              </a:solidFill>
+            </a:endParaRPr>
+          </a:p>
+        </p:txBody>
+      </p:sp>
+      <p:sp>
+        <p:nvSpPr>
+          <p:cNvPr id="415" name="TextBox 414"/>
+          <p:cNvSpPr txBox="1"/>
+          <p:nvPr/>
+        </p:nvSpPr>
+        <p:spPr>
+          <a:xfrm>
+            <a:off x="5437715" y="3933056"/>
+            <a:ext cx="1150509" cy="400110"/>
+          </a:xfrm>
+          <a:prstGeom prst="rect">
+            <a:avLst/>
+          </a:prstGeom>
+          <a:noFill/>
+          <a:ln>
+            <a:noFill/>
+          </a:ln>
+        </p:spPr>
+        <p:txBody>
+          <a:bodyPr wrap="square" rtlCol="0">
+            <a:spAutoFit/>
+          </a:bodyPr>
+          <a:lstStyle/>
+          <a:p>
+            <a:r>
+              <a:rPr lang="en-US" altLang="ko-KR" sz="1000" dirty="0" smtClean="0">
+                <a:solidFill>
+                  <a:schemeClr val="tx1">
+                    <a:lumMod val="75000"/>
+                    <a:lumOff val="25000"/>
+                  </a:schemeClr>
+                </a:solidFill>
+              </a:rPr>
+              <a:t>Change mode (alarm/general)</a:t>
+            </a:r>
+            <a:endParaRPr lang="ko-KR" altLang="en-US" sz="1000" dirty="0">
+              <a:solidFill>
+                <a:schemeClr val="tx1">
+                  <a:lumMod val="75000"/>
+                  <a:lumOff val="25000"/>
+                </a:schemeClr>
+              </a:solidFill>
+            </a:endParaRPr>
+          </a:p>
+        </p:txBody>
+      </p:sp>
+      <p:sp>
+        <p:nvSpPr>
+          <p:cNvPr id="416" name="직사각형 415"/>
+          <p:cNvSpPr/>
+          <p:nvPr/>
+        </p:nvSpPr>
+        <p:spPr>
+          <a:xfrm>
+            <a:off x="5337348" y="2406340"/>
+            <a:ext cx="182769" cy="126804"/>
+          </a:xfrm>
+          <a:prstGeom prst="rect">
+            <a:avLst/>
+          </a:prstGeom>
+          <a:noFill/>
+          <a:ln w="19050">
+            <a:solidFill>
+              <a:schemeClr val="tx1">
+                <a:lumMod val="75000"/>
+                <a:lumOff val="25000"/>
+              </a:schemeClr>
+            </a:solidFill>
+          </a:ln>
+        </p:spPr>
+        <p:style>
+          <a:lnRef idx="2">
+            <a:schemeClr val="accent1">
+              <a:shade val="50000"/>
+            </a:schemeClr>
+          </a:lnRef>
+          <a:fillRef idx="1">
+            <a:schemeClr val="accent1"/>
+          </a:fillRef>
+          <a:effectRef idx="0">
+            <a:schemeClr val="accent1"/>
+          </a:effectRef>
+          <a:fontRef idx="minor">
+            <a:schemeClr val="lt1"/>
+          </a:fontRef>
+        </p:style>
+        <p:txBody>
+          <a:bodyPr rtlCol="0" anchor="ctr"/>
+          <a:lstStyle/>
+          <a:p>
+            <a:pPr algn="ctr"/>
+            <a:endParaRPr lang="ko-KR" altLang="en-US" sz="1100" b="1" dirty="0" smtClean="0">
+              <a:solidFill>
+                <a:schemeClr val="tx1"/>
+              </a:solidFill>
+            </a:endParaRPr>
+          </a:p>
+        </p:txBody>
+      </p:sp>
+      <p:sp>
+        <p:nvSpPr>
+          <p:cNvPr id="141" name="직사각형 140"/>
+          <p:cNvSpPr/>
+          <p:nvPr/>
+        </p:nvSpPr>
+        <p:spPr>
+          <a:xfrm>
+            <a:off x="4644008" y="1878966"/>
+            <a:ext cx="1229530" cy="660520"/>
+          </a:xfrm>
+          <a:prstGeom prst="rect">
+            <a:avLst/>
+          </a:prstGeom>
+          <a:solidFill>
+            <a:schemeClr val="accent6">
+              <a:lumMod val="60000"/>
+              <a:lumOff val="40000"/>
+            </a:schemeClr>
+          </a:solidFill>
+          <a:ln w="6350">
+            <a:solidFill>
+              <a:schemeClr val="tx1">
+                <a:lumMod val="65000"/>
+                <a:lumOff val="35000"/>
+              </a:schemeClr>
+            </a:solidFill>
+          </a:ln>
+        </p:spPr>
+        <p:style>
+          <a:lnRef idx="2">
+            <a:schemeClr val="accent1">
+              <a:shade val="50000"/>
+            </a:schemeClr>
+          </a:lnRef>
+          <a:fillRef idx="1">
+            <a:schemeClr val="accent1"/>
+          </a:fillRef>
+          <a:effectRef idx="0">
+            <a:schemeClr val="accent1"/>
+          </a:effectRef>
+          <a:fontRef idx="minor">
+            <a:schemeClr val="lt1"/>
+          </a:fontRef>
+        </p:style>
+        <p:txBody>
+          <a:bodyPr rtlCol="0" anchor="ctr"/>
+          <a:lstStyle/>
+          <a:p>
+            <a:pPr algn="ctr"/>
+            <a:r>
+              <a:rPr lang="en-US" altLang="ko-KR" sz="1100" dirty="0" err="1" smtClean="0">
+                <a:solidFill>
+                  <a:schemeClr val="tx1">
+                    <a:lumMod val="75000"/>
+                    <a:lumOff val="25000"/>
+                  </a:schemeClr>
+                </a:solidFill>
+              </a:rPr>
+              <a:t>RuleSet</a:t>
+            </a:r>
+            <a:endParaRPr lang="ko-KR" altLang="en-US" sz="1100" dirty="0">
+              <a:solidFill>
+                <a:schemeClr val="tx1">
+                  <a:lumMod val="75000"/>
+                  <a:lumOff val="25000"/>
+                </a:schemeClr>
+              </a:solidFill>
+            </a:endParaRPr>
+          </a:p>
+        </p:txBody>
+      </p:sp>
+      <p:cxnSp>
+        <p:nvCxnSpPr>
+          <p:cNvPr id="428" name="꺾인 연결선 427"/>
+          <p:cNvCxnSpPr/>
+          <p:nvPr/>
+        </p:nvCxnSpPr>
+        <p:spPr>
+          <a:xfrm rot="16200000" flipV="1">
+            <a:off x="3646108" y="5037840"/>
+            <a:ext cx="644191" cy="343496"/>
+          </a:xfrm>
+          <a:prstGeom prst="bentConnector3">
+            <a:avLst/>
+          </a:prstGeom>
+          <a:ln>
+            <a:solidFill>
+              <a:srgbClr val="7030A0"/>
+            </a:solidFill>
+            <a:tailEnd type="arrow"/>
+          </a:ln>
+        </p:spPr>
+        <p:style>
+          <a:lnRef idx="1">
+            <a:schemeClr val="accent1"/>
+          </a:lnRef>
+          <a:fillRef idx="0">
+            <a:schemeClr val="accent1"/>
+          </a:fillRef>
+          <a:effectRef idx="0">
+            <a:schemeClr val="accent1"/>
+          </a:effectRef>
+          <a:fontRef idx="minor">
+            <a:schemeClr val="tx1"/>
+          </a:fontRef>
+        </p:style>
+      </p:cxnSp>
+      <p:cxnSp>
+        <p:nvCxnSpPr>
+          <p:cNvPr id="429" name="꺾인 연결선 428"/>
+          <p:cNvCxnSpPr>
+            <a:endCxn id="293" idx="2"/>
+          </p:cNvCxnSpPr>
+          <p:nvPr/>
+        </p:nvCxnSpPr>
+        <p:spPr>
+          <a:xfrm rot="5400000" flipH="1" flipV="1">
+            <a:off x="4251686" y="5069684"/>
+            <a:ext cx="686312" cy="372466"/>
+          </a:xfrm>
+          <a:prstGeom prst="bentConnector3">
+            <a:avLst>
+              <a:gd name="adj1" fmla="val 50000"/>
+            </a:avLst>
+          </a:prstGeom>
+          <a:ln>
+            <a:solidFill>
+              <a:srgbClr val="7030A0"/>
+            </a:solidFill>
+            <a:tailEnd type="arrow"/>
+          </a:ln>
+        </p:spPr>
+        <p:style>
+          <a:lnRef idx="1">
+            <a:schemeClr val="accent1"/>
+          </a:lnRef>
+          <a:fillRef idx="0">
+            <a:schemeClr val="accent1"/>
+          </a:fillRef>
+          <a:effectRef idx="0">
+            <a:schemeClr val="accent1"/>
+          </a:effectRef>
+          <a:fontRef idx="minor">
+            <a:schemeClr val="tx1"/>
+          </a:fontRef>
+        </p:style>
+      </p:cxnSp>
+      <p:cxnSp>
+        <p:nvCxnSpPr>
+          <p:cNvPr id="432" name="꺾인 연결선 431"/>
+          <p:cNvCxnSpPr>
+            <a:stCxn id="503" idx="3"/>
+            <a:endCxn id="290" idx="2"/>
+          </p:cNvCxnSpPr>
+          <p:nvPr/>
+        </p:nvCxnSpPr>
+        <p:spPr>
+          <a:xfrm flipV="1">
+            <a:off x="4499992" y="4917187"/>
+            <a:ext cx="1377272" cy="697821"/>
+          </a:xfrm>
+          <a:prstGeom prst="bentConnector2">
+            <a:avLst/>
+          </a:prstGeom>
+          <a:ln>
+            <a:solidFill>
+              <a:srgbClr val="7030A0"/>
+            </a:solidFill>
+            <a:tailEnd type="arrow"/>
+          </a:ln>
+        </p:spPr>
+        <p:style>
+          <a:lnRef idx="1">
+            <a:schemeClr val="accent1"/>
+          </a:lnRef>
+          <a:fillRef idx="0">
+            <a:schemeClr val="accent1"/>
+          </a:fillRef>
+          <a:effectRef idx="0">
+            <a:schemeClr val="accent1"/>
+          </a:effectRef>
+          <a:fontRef idx="minor">
+            <a:schemeClr val="tx1"/>
+          </a:fontRef>
+        </p:style>
+      </p:cxnSp>
+      <p:cxnSp>
+        <p:nvCxnSpPr>
+          <p:cNvPr id="435" name="꺾인 연결선 434"/>
+          <p:cNvCxnSpPr>
+            <a:stCxn id="499" idx="3"/>
+            <a:endCxn id="289" idx="2"/>
+          </p:cNvCxnSpPr>
+          <p:nvPr/>
+        </p:nvCxnSpPr>
+        <p:spPr>
+          <a:xfrm flipV="1">
+            <a:off x="4764836" y="3160244"/>
+            <a:ext cx="2392762" cy="2586466"/>
+          </a:xfrm>
+          <a:prstGeom prst="bentConnector2">
+            <a:avLst/>
+          </a:prstGeom>
+          <a:ln>
+            <a:solidFill>
+              <a:srgbClr val="7030A0"/>
+            </a:solidFill>
+            <a:tailEnd type="arrow"/>
+          </a:ln>
+        </p:spPr>
+        <p:style>
+          <a:lnRef idx="1">
+            <a:schemeClr val="accent1"/>
+          </a:lnRef>
+          <a:fillRef idx="0">
+            <a:schemeClr val="accent1"/>
+          </a:fillRef>
+          <a:effectRef idx="0">
+            <a:schemeClr val="accent1"/>
+          </a:effectRef>
+          <a:fontRef idx="minor">
+            <a:schemeClr val="tx1"/>
+          </a:fontRef>
+        </p:style>
+      </p:cxnSp>
+      <p:cxnSp>
+        <p:nvCxnSpPr>
+          <p:cNvPr id="444" name="꺾인 연결선 443"/>
+          <p:cNvCxnSpPr>
+            <a:stCxn id="170" idx="1"/>
+            <a:endCxn id="291" idx="2"/>
+          </p:cNvCxnSpPr>
+          <p:nvPr/>
+        </p:nvCxnSpPr>
+        <p:spPr>
+          <a:xfrm rot="16200000" flipV="1">
+            <a:off x="2708446" y="4649997"/>
+            <a:ext cx="633916" cy="1112342"/>
+          </a:xfrm>
+          <a:prstGeom prst="bentConnector3">
+            <a:avLst>
+              <a:gd name="adj1" fmla="val 50000"/>
+            </a:avLst>
+          </a:prstGeom>
+          <a:ln>
+            <a:solidFill>
+              <a:srgbClr val="7030A0"/>
+            </a:solidFill>
+            <a:tailEnd type="arrow"/>
+          </a:ln>
+        </p:spPr>
+        <p:style>
+          <a:lnRef idx="1">
+            <a:schemeClr val="accent1"/>
+          </a:lnRef>
+          <a:fillRef idx="0">
+            <a:schemeClr val="accent1"/>
+          </a:fillRef>
+          <a:effectRef idx="0">
+            <a:schemeClr val="accent1"/>
+          </a:effectRef>
+          <a:fontRef idx="minor">
+            <a:schemeClr val="tx1"/>
+          </a:fontRef>
+        </p:style>
+      </p:cxnSp>
+      <p:sp>
+        <p:nvSpPr>
+          <p:cNvPr id="454" name="TextBox 453"/>
+          <p:cNvSpPr txBox="1"/>
+          <p:nvPr/>
+        </p:nvSpPr>
+        <p:spPr>
+          <a:xfrm>
+            <a:off x="7226980" y="3409351"/>
+            <a:ext cx="822353" cy="400110"/>
+          </a:xfrm>
+          <a:prstGeom prst="rect">
+            <a:avLst/>
+          </a:prstGeom>
+          <a:noFill/>
+          <a:ln>
+            <a:noFill/>
+          </a:ln>
+        </p:spPr>
+        <p:txBody>
+          <a:bodyPr wrap="square" rtlCol="0">
+            <a:spAutoFit/>
+          </a:bodyPr>
+          <a:lstStyle/>
+          <a:p>
+            <a:r>
+              <a:rPr lang="en-US" altLang="ko-KR" sz="1000" dirty="0" smtClean="0">
+                <a:solidFill>
+                  <a:schemeClr val="tx1">
+                    <a:lumMod val="75000"/>
+                    <a:lumOff val="25000"/>
+                  </a:schemeClr>
+                </a:solidFill>
+              </a:rPr>
+              <a:t>Update </a:t>
+            </a:r>
+            <a:r>
+              <a:rPr lang="en-US" altLang="ko-KR" sz="1000" dirty="0" err="1" smtClean="0">
+                <a:solidFill>
+                  <a:schemeClr val="tx1">
+                    <a:lumMod val="75000"/>
+                    <a:lumOff val="25000"/>
+                  </a:schemeClr>
+                </a:solidFill>
+              </a:rPr>
+              <a:t>config</a:t>
+            </a:r>
+            <a:endParaRPr lang="ko-KR" altLang="en-US" sz="1000" dirty="0">
+              <a:solidFill>
+                <a:schemeClr val="tx1">
+                  <a:lumMod val="75000"/>
+                  <a:lumOff val="25000"/>
+                </a:schemeClr>
+              </a:solidFill>
+            </a:endParaRPr>
+          </a:p>
+        </p:txBody>
+      </p:sp>
+      <p:cxnSp>
+        <p:nvCxnSpPr>
+          <p:cNvPr id="455" name="꺾인 연결선 425"/>
+          <p:cNvCxnSpPr>
+            <a:stCxn id="189" idx="0"/>
+            <a:endCxn id="533" idx="2"/>
+          </p:cNvCxnSpPr>
+          <p:nvPr/>
+        </p:nvCxnSpPr>
+        <p:spPr>
+          <a:xfrm rot="5400000" flipH="1" flipV="1">
+            <a:off x="1821594" y="2305635"/>
+            <a:ext cx="374202" cy="619741"/>
+          </a:xfrm>
+          <a:prstGeom prst="bentConnector3">
+            <a:avLst>
+              <a:gd name="adj1" fmla="val 50000"/>
+            </a:avLst>
+          </a:prstGeom>
+          <a:ln>
+            <a:solidFill>
+              <a:schemeClr val="tx1">
+                <a:lumMod val="65000"/>
+                <a:lumOff val="35000"/>
+              </a:schemeClr>
+            </a:solidFill>
+            <a:headEnd type="oval" w="sm" len="sm"/>
+            <a:tailEnd type="triangle" w="med" len="med"/>
+          </a:ln>
+        </p:spPr>
+        <p:style>
+          <a:lnRef idx="1">
+            <a:schemeClr val="accent1"/>
+          </a:lnRef>
+          <a:fillRef idx="0">
+            <a:schemeClr val="accent1"/>
+          </a:fillRef>
+          <a:effectRef idx="0">
+            <a:schemeClr val="accent1"/>
+          </a:effectRef>
+          <a:fontRef idx="minor">
+            <a:schemeClr val="tx1"/>
+          </a:fontRef>
+        </p:style>
+      </p:cxnSp>
+      <p:sp>
+        <p:nvSpPr>
+          <p:cNvPr id="458" name="직사각형 457"/>
+          <p:cNvSpPr/>
+          <p:nvPr/>
+        </p:nvSpPr>
+        <p:spPr>
+          <a:xfrm>
+            <a:off x="2447203" y="2276872"/>
+            <a:ext cx="337371" cy="151533"/>
+          </a:xfrm>
+          <a:prstGeom prst="rect">
+            <a:avLst/>
+          </a:prstGeom>
+          <a:noFill/>
+          <a:ln w="19050">
+            <a:noFill/>
+          </a:ln>
+        </p:spPr>
+        <p:style>
+          <a:lnRef idx="2">
+            <a:schemeClr val="accent1">
+              <a:shade val="50000"/>
+            </a:schemeClr>
+          </a:lnRef>
+          <a:fillRef idx="1">
+            <a:schemeClr val="accent1"/>
+          </a:fillRef>
+          <a:effectRef idx="0">
+            <a:schemeClr val="accent1"/>
+          </a:effectRef>
+          <a:fontRef idx="minor">
+            <a:schemeClr val="lt1"/>
+          </a:fontRef>
+        </p:style>
+        <p:txBody>
+          <a:bodyPr rtlCol="0" anchor="ctr"/>
+          <a:lstStyle/>
+          <a:p>
+            <a:pPr algn="ctr"/>
+            <a:endParaRPr lang="ko-KR" altLang="en-US" sz="1100" b="1" dirty="0" smtClean="0">
+              <a:solidFill>
+                <a:schemeClr val="tx1"/>
+              </a:solidFill>
+            </a:endParaRPr>
+          </a:p>
+        </p:txBody>
+      </p:sp>
+      <p:sp>
+        <p:nvSpPr>
+          <p:cNvPr id="497" name="직사각형 496"/>
+          <p:cNvSpPr/>
+          <p:nvPr/>
+        </p:nvSpPr>
+        <p:spPr>
+          <a:xfrm>
+            <a:off x="3975381" y="5531683"/>
+            <a:ext cx="184181" cy="115113"/>
+          </a:xfrm>
+          <a:prstGeom prst="rect">
+            <a:avLst/>
+          </a:prstGeom>
+          <a:noFill/>
+          <a:ln w="19050">
+            <a:solidFill>
+              <a:schemeClr val="tx1">
+                <a:lumMod val="75000"/>
+                <a:lumOff val="25000"/>
+              </a:schemeClr>
+            </a:solidFill>
+          </a:ln>
+        </p:spPr>
+        <p:style>
+          <a:lnRef idx="2">
+            <a:schemeClr val="accent1">
+              <a:shade val="50000"/>
+            </a:schemeClr>
+          </a:lnRef>
+          <a:fillRef idx="1">
+            <a:schemeClr val="accent1"/>
+          </a:fillRef>
+          <a:effectRef idx="0">
+            <a:schemeClr val="accent1"/>
+          </a:effectRef>
+          <a:fontRef idx="minor">
+            <a:schemeClr val="lt1"/>
+          </a:fontRef>
+        </p:style>
+        <p:txBody>
+          <a:bodyPr rtlCol="0" anchor="ctr"/>
+          <a:lstStyle/>
+          <a:p>
+            <a:pPr algn="ctr"/>
+            <a:endParaRPr lang="ko-KR" altLang="en-US" sz="1100" b="1" dirty="0" smtClean="0">
+              <a:solidFill>
+                <a:schemeClr val="tx1"/>
+              </a:solidFill>
+            </a:endParaRPr>
+          </a:p>
+        </p:txBody>
+      </p:sp>
+      <p:sp>
+        <p:nvSpPr>
+          <p:cNvPr id="499" name="직사각형 498"/>
+          <p:cNvSpPr/>
+          <p:nvPr/>
+        </p:nvSpPr>
+        <p:spPr>
+          <a:xfrm>
+            <a:off x="4510847" y="5688405"/>
+            <a:ext cx="253989" cy="116610"/>
+          </a:xfrm>
+          <a:prstGeom prst="rect">
+            <a:avLst/>
+          </a:prstGeom>
+          <a:noFill/>
+          <a:ln w="19050">
+            <a:solidFill>
+              <a:schemeClr val="tx1">
+                <a:lumMod val="75000"/>
+                <a:lumOff val="25000"/>
+              </a:schemeClr>
+            </a:solidFill>
+          </a:ln>
+        </p:spPr>
+        <p:style>
+          <a:lnRef idx="2">
+            <a:schemeClr val="accent1">
+              <a:shade val="50000"/>
+            </a:schemeClr>
+          </a:lnRef>
+          <a:fillRef idx="1">
+            <a:schemeClr val="accent1"/>
+          </a:fillRef>
+          <a:effectRef idx="0">
+            <a:schemeClr val="accent1"/>
+          </a:effectRef>
+          <a:fontRef idx="minor">
+            <a:schemeClr val="lt1"/>
+          </a:fontRef>
+        </p:style>
+        <p:txBody>
+          <a:bodyPr rtlCol="0" anchor="ctr"/>
+          <a:lstStyle/>
+          <a:p>
+            <a:pPr algn="ctr"/>
+            <a:endParaRPr lang="ko-KR" altLang="en-US" sz="1100" b="1" dirty="0" smtClean="0">
+              <a:solidFill>
+                <a:schemeClr val="tx1"/>
+              </a:solidFill>
+            </a:endParaRPr>
+          </a:p>
+        </p:txBody>
+      </p:sp>
+      <p:sp>
+        <p:nvSpPr>
+          <p:cNvPr id="503" name="직사각형 502"/>
+          <p:cNvSpPr/>
+          <p:nvPr/>
+        </p:nvSpPr>
+        <p:spPr>
+          <a:xfrm>
+            <a:off x="4317223" y="5537502"/>
+            <a:ext cx="182769" cy="155012"/>
+          </a:xfrm>
+          <a:prstGeom prst="rect">
+            <a:avLst/>
+          </a:prstGeom>
+          <a:noFill/>
+          <a:ln w="19050">
+            <a:solidFill>
+              <a:schemeClr val="tx1">
+                <a:lumMod val="75000"/>
+                <a:lumOff val="25000"/>
+              </a:schemeClr>
+            </a:solidFill>
+          </a:ln>
+        </p:spPr>
+        <p:style>
+          <a:lnRef idx="2">
+            <a:schemeClr val="accent1">
+              <a:shade val="50000"/>
+            </a:schemeClr>
+          </a:lnRef>
+          <a:fillRef idx="1">
+            <a:schemeClr val="accent1"/>
+          </a:fillRef>
+          <a:effectRef idx="0">
+            <a:schemeClr val="accent1"/>
+          </a:effectRef>
+          <a:fontRef idx="minor">
+            <a:schemeClr val="lt1"/>
+          </a:fontRef>
+        </p:style>
+        <p:txBody>
+          <a:bodyPr rtlCol="0" anchor="ctr"/>
+          <a:lstStyle/>
+          <a:p>
+            <a:pPr algn="ctr"/>
+            <a:endParaRPr lang="ko-KR" altLang="en-US" sz="1100" b="1" dirty="0" smtClean="0">
+              <a:solidFill>
+                <a:schemeClr val="tx1"/>
+              </a:solidFill>
+            </a:endParaRPr>
+          </a:p>
+        </p:txBody>
+      </p:sp>
+      <p:sp>
+        <p:nvSpPr>
+          <p:cNvPr id="170" name="타원 169"/>
+          <p:cNvSpPr/>
+          <p:nvPr/>
+        </p:nvSpPr>
+        <p:spPr>
+          <a:xfrm>
+            <a:off x="3347865" y="5435749"/>
+            <a:ext cx="1595870" cy="596649"/>
+          </a:xfrm>
+          <a:prstGeom prst="ellipse">
+            <a:avLst/>
+          </a:prstGeom>
+          <a:solidFill>
+            <a:schemeClr val="bg1"/>
+          </a:solidFill>
+          <a:ln w="3175">
+            <a:solidFill>
+              <a:schemeClr val="tx1">
+                <a:lumMod val="65000"/>
+                <a:lumOff val="35000"/>
+              </a:schemeClr>
+            </a:solidFill>
+          </a:ln>
+        </p:spPr>
+        <p:style>
+          <a:lnRef idx="2">
+            <a:schemeClr val="accent1">
+              <a:shade val="50000"/>
+            </a:schemeClr>
+          </a:lnRef>
+          <a:fillRef idx="1">
+            <a:schemeClr val="accent1"/>
+          </a:fillRef>
+          <a:effectRef idx="0">
+            <a:schemeClr val="accent1"/>
+          </a:effectRef>
+          <a:fontRef idx="minor">
+            <a:schemeClr val="lt1"/>
+          </a:fontRef>
+        </p:style>
+        <p:txBody>
+          <a:bodyPr rtlCol="0" anchor="ctr"/>
+          <a:lstStyle/>
+          <a:p>
+            <a:pPr algn="ctr"/>
+            <a:r>
+              <a:rPr lang="en-US" altLang="ko-KR" sz="1100" dirty="0" err="1">
+                <a:solidFill>
+                  <a:schemeClr val="tx1">
+                    <a:lumMod val="75000"/>
+                    <a:lumOff val="25000"/>
+                  </a:schemeClr>
+                </a:solidFill>
+              </a:rPr>
+              <a:t>RuleManager</a:t>
+            </a:r>
+            <a:endParaRPr lang="en-US" altLang="ko-KR" sz="1100" dirty="0">
+              <a:solidFill>
+                <a:schemeClr val="tx1">
+                  <a:lumMod val="75000"/>
+                  <a:lumOff val="25000"/>
+                </a:schemeClr>
+              </a:solidFill>
+            </a:endParaRPr>
+          </a:p>
+          <a:p>
+            <a:pPr algn="ctr"/>
+            <a:r>
+              <a:rPr lang="en-US" altLang="ko-KR" sz="1100" dirty="0">
+                <a:solidFill>
+                  <a:schemeClr val="tx1">
+                    <a:lumMod val="75000"/>
+                    <a:lumOff val="25000"/>
+                  </a:schemeClr>
+                </a:solidFill>
+              </a:rPr>
+              <a:t>Event Receiver</a:t>
+            </a:r>
+            <a:endParaRPr lang="ko-KR" altLang="en-US" sz="1100" dirty="0">
+              <a:solidFill>
+                <a:schemeClr val="tx1">
+                  <a:lumMod val="75000"/>
+                  <a:lumOff val="25000"/>
+                </a:schemeClr>
+              </a:solidFill>
+            </a:endParaRPr>
+          </a:p>
+        </p:txBody>
+      </p:sp>
+      <p:cxnSp>
+        <p:nvCxnSpPr>
+          <p:cNvPr id="524" name="직선 화살표 연결선 523"/>
+          <p:cNvCxnSpPr>
+            <a:stCxn id="146" idx="1"/>
+          </p:cNvCxnSpPr>
+          <p:nvPr/>
+        </p:nvCxnSpPr>
+        <p:spPr>
+          <a:xfrm flipH="1">
+            <a:off x="539552" y="936523"/>
+            <a:ext cx="1050287" cy="0"/>
+          </a:xfrm>
+          <a:prstGeom prst="straightConnector1">
+            <a:avLst/>
+          </a:prstGeom>
+          <a:ln>
+            <a:solidFill>
+              <a:schemeClr val="tx1">
+                <a:lumMod val="65000"/>
+                <a:lumOff val="35000"/>
+              </a:schemeClr>
+            </a:solidFill>
+            <a:tailEnd type="triangle" w="med" len="med"/>
+          </a:ln>
+        </p:spPr>
+        <p:style>
+          <a:lnRef idx="1">
+            <a:schemeClr val="accent1"/>
+          </a:lnRef>
+          <a:fillRef idx="0">
+            <a:schemeClr val="accent1"/>
+          </a:fillRef>
+          <a:effectRef idx="0">
+            <a:schemeClr val="accent1"/>
+          </a:effectRef>
+          <a:fontRef idx="minor">
+            <a:schemeClr val="tx1"/>
+          </a:fontRef>
+        </p:style>
+      </p:cxnSp>
+      <p:sp>
+        <p:nvSpPr>
+          <p:cNvPr id="533" name="직사각형 532"/>
+          <p:cNvSpPr/>
+          <p:nvPr/>
+        </p:nvSpPr>
+        <p:spPr>
+          <a:xfrm>
+            <a:off x="2240442" y="2381337"/>
+            <a:ext cx="156248" cy="47067"/>
+          </a:xfrm>
+          <a:prstGeom prst="rect">
+            <a:avLst/>
+          </a:prstGeom>
+          <a:noFill/>
+          <a:ln w="19050">
+            <a:solidFill>
+              <a:schemeClr val="tx1">
+                <a:lumMod val="75000"/>
+                <a:lumOff val="25000"/>
+              </a:schemeClr>
+            </a:solidFill>
+          </a:ln>
+        </p:spPr>
+        <p:style>
+          <a:lnRef idx="2">
+            <a:schemeClr val="accent1">
+              <a:shade val="50000"/>
+            </a:schemeClr>
+          </a:lnRef>
+          <a:fillRef idx="1">
+            <a:schemeClr val="accent1"/>
+          </a:fillRef>
+          <a:effectRef idx="0">
+            <a:schemeClr val="accent1"/>
+          </a:effectRef>
+          <a:fontRef idx="minor">
+            <a:schemeClr val="lt1"/>
+          </a:fontRef>
+        </p:style>
+        <p:txBody>
+          <a:bodyPr rtlCol="0" anchor="ctr"/>
+          <a:lstStyle/>
+          <a:p>
+            <a:pPr algn="ctr"/>
+            <a:endParaRPr lang="ko-KR" altLang="en-US" sz="1100" b="1" dirty="0" smtClean="0">
+              <a:solidFill>
+                <a:schemeClr val="tx1"/>
+              </a:solidFill>
+            </a:endParaRPr>
+          </a:p>
+        </p:txBody>
+      </p:sp>
+      <p:sp>
+        <p:nvSpPr>
+          <p:cNvPr id="536" name="직사각형 535"/>
+          <p:cNvSpPr/>
+          <p:nvPr/>
+        </p:nvSpPr>
+        <p:spPr>
+          <a:xfrm>
+            <a:off x="2611432" y="2356397"/>
+            <a:ext cx="88360" cy="45719"/>
+          </a:xfrm>
+          <a:prstGeom prst="rect">
+            <a:avLst/>
+          </a:prstGeom>
+          <a:noFill/>
+          <a:ln w="19050">
+            <a:solidFill>
+              <a:schemeClr val="tx1">
+                <a:lumMod val="75000"/>
+                <a:lumOff val="25000"/>
+              </a:schemeClr>
+            </a:solidFill>
+          </a:ln>
+        </p:spPr>
+        <p:style>
+          <a:lnRef idx="2">
+            <a:schemeClr val="accent1">
+              <a:shade val="50000"/>
+            </a:schemeClr>
+          </a:lnRef>
+          <a:fillRef idx="1">
+            <a:schemeClr val="accent1"/>
+          </a:fillRef>
+          <a:effectRef idx="0">
+            <a:schemeClr val="accent1"/>
+          </a:effectRef>
+          <a:fontRef idx="minor">
+            <a:schemeClr val="lt1"/>
+          </a:fontRef>
+        </p:style>
+        <p:txBody>
+          <a:bodyPr rtlCol="0" anchor="ctr"/>
+          <a:lstStyle/>
+          <a:p>
+            <a:pPr algn="ctr"/>
+            <a:endParaRPr lang="ko-KR" altLang="en-US" sz="1100" b="1" dirty="0" smtClean="0">
+              <a:solidFill>
+                <a:schemeClr val="tx1"/>
+              </a:solidFill>
+            </a:endParaRPr>
+          </a:p>
+        </p:txBody>
+      </p:sp>
+      <p:sp>
+        <p:nvSpPr>
+          <p:cNvPr id="309" name="직사각형 308"/>
+          <p:cNvSpPr/>
+          <p:nvPr/>
+        </p:nvSpPr>
+        <p:spPr>
+          <a:xfrm>
+            <a:off x="2175329" y="2001491"/>
+            <a:ext cx="769916" cy="424619"/>
+          </a:xfrm>
+          <a:prstGeom prst="rect">
+            <a:avLst/>
+          </a:prstGeom>
+          <a:solidFill>
+            <a:schemeClr val="bg1"/>
+          </a:solidFill>
+          <a:ln w="6350">
+            <a:solidFill>
+              <a:schemeClr val="tx1">
+                <a:lumMod val="65000"/>
+                <a:lumOff val="35000"/>
+              </a:schemeClr>
+            </a:solidFill>
+          </a:ln>
+        </p:spPr>
+        <p:style>
+          <a:lnRef idx="2">
+            <a:schemeClr val="accent1">
+              <a:shade val="50000"/>
+            </a:schemeClr>
+          </a:lnRef>
+          <a:fillRef idx="1">
+            <a:schemeClr val="accent1"/>
+          </a:fillRef>
+          <a:effectRef idx="0">
+            <a:schemeClr val="accent1"/>
+          </a:effectRef>
+          <a:fontRef idx="minor">
+            <a:schemeClr val="lt1"/>
+          </a:fontRef>
+        </p:style>
+        <p:txBody>
+          <a:bodyPr rtlCol="0" anchor="ctr"/>
+          <a:lstStyle/>
+          <a:p>
+            <a:pPr algn="ctr"/>
+            <a:r>
+              <a:rPr lang="en-US" altLang="ko-KR" sz="1100" dirty="0" smtClean="0">
+                <a:solidFill>
+                  <a:schemeClr val="tx1">
+                    <a:lumMod val="75000"/>
+                    <a:lumOff val="25000"/>
+                  </a:schemeClr>
+                </a:solidFill>
+              </a:rPr>
+              <a:t>Rule</a:t>
+            </a:r>
+            <a:endParaRPr lang="ko-KR" altLang="en-US" sz="1100" dirty="0">
+              <a:solidFill>
+                <a:schemeClr val="tx1">
+                  <a:lumMod val="75000"/>
+                  <a:lumOff val="25000"/>
+                </a:schemeClr>
+              </a:solidFill>
+            </a:endParaRPr>
+          </a:p>
+        </p:txBody>
+      </p:sp>
+      <p:cxnSp>
+        <p:nvCxnSpPr>
+          <p:cNvPr id="547" name="직선 화살표 연결선 546"/>
+          <p:cNvCxnSpPr>
+            <a:stCxn id="189" idx="1"/>
+          </p:cNvCxnSpPr>
+          <p:nvPr/>
+        </p:nvCxnSpPr>
+        <p:spPr>
+          <a:xfrm flipH="1" flipV="1">
+            <a:off x="539552" y="3007790"/>
+            <a:ext cx="682769" cy="1"/>
+          </a:xfrm>
+          <a:prstGeom prst="straightConnector1">
+            <a:avLst/>
+          </a:prstGeom>
+          <a:ln>
+            <a:solidFill>
+              <a:schemeClr val="tx1">
+                <a:lumMod val="65000"/>
+                <a:lumOff val="35000"/>
+              </a:schemeClr>
+            </a:solidFill>
+            <a:tailEnd type="triangle" w="med" len="med"/>
+          </a:ln>
+        </p:spPr>
+        <p:style>
+          <a:lnRef idx="1">
+            <a:schemeClr val="accent1"/>
+          </a:lnRef>
+          <a:fillRef idx="0">
+            <a:schemeClr val="accent1"/>
+          </a:fillRef>
+          <a:effectRef idx="0">
+            <a:schemeClr val="accent1"/>
+          </a:effectRef>
+          <a:fontRef idx="minor">
+            <a:schemeClr val="tx1"/>
+          </a:fontRef>
+        </p:style>
+      </p:cxnSp>
+      <p:sp>
+        <p:nvSpPr>
+          <p:cNvPr id="189" name="직사각형 188"/>
+          <p:cNvSpPr/>
+          <p:nvPr/>
+        </p:nvSpPr>
+        <p:spPr>
+          <a:xfrm>
+            <a:off x="1222321" y="2802606"/>
+            <a:ext cx="953007" cy="410369"/>
+          </a:xfrm>
+          <a:prstGeom prst="rect">
+            <a:avLst/>
+          </a:prstGeom>
+          <a:solidFill>
+            <a:schemeClr val="bg1"/>
+          </a:solidFill>
+          <a:ln w="6350">
+            <a:solidFill>
+              <a:schemeClr val="tx1">
+                <a:lumMod val="65000"/>
+                <a:lumOff val="35000"/>
+              </a:schemeClr>
+            </a:solidFill>
+          </a:ln>
+        </p:spPr>
+        <p:style>
+          <a:lnRef idx="2">
+            <a:schemeClr val="accent1">
+              <a:shade val="50000"/>
+            </a:schemeClr>
+          </a:lnRef>
+          <a:fillRef idx="1">
+            <a:schemeClr val="accent1"/>
+          </a:fillRef>
+          <a:effectRef idx="0">
+            <a:schemeClr val="accent1"/>
+          </a:effectRef>
+          <a:fontRef idx="minor">
+            <a:schemeClr val="lt1"/>
+          </a:fontRef>
+        </p:style>
+        <p:txBody>
+          <a:bodyPr rtlCol="0" anchor="ctr"/>
+          <a:lstStyle/>
+          <a:p>
+            <a:pPr algn="ctr"/>
+            <a:r>
+              <a:rPr lang="en-US" altLang="ko-KR" sz="1100" dirty="0" smtClean="0">
+                <a:solidFill>
+                  <a:schemeClr val="tx1">
+                    <a:lumMod val="75000"/>
+                    <a:lumOff val="25000"/>
+                  </a:schemeClr>
+                </a:solidFill>
+              </a:rPr>
+              <a:t>Instant Action</a:t>
+            </a:r>
+            <a:endParaRPr lang="ko-KR" altLang="en-US" sz="1100" dirty="0">
+              <a:solidFill>
+                <a:schemeClr val="tx1">
+                  <a:lumMod val="75000"/>
+                  <a:lumOff val="25000"/>
+                </a:schemeClr>
+              </a:solidFill>
+            </a:endParaRPr>
+          </a:p>
+        </p:txBody>
+      </p:sp>
+      <p:sp>
+        <p:nvSpPr>
+          <p:cNvPr id="565" name="직사각형 564"/>
+          <p:cNvSpPr/>
+          <p:nvPr/>
+        </p:nvSpPr>
+        <p:spPr>
+          <a:xfrm>
+            <a:off x="5452436" y="1887942"/>
+            <a:ext cx="162537" cy="120562"/>
+          </a:xfrm>
+          <a:prstGeom prst="rect">
+            <a:avLst/>
+          </a:prstGeom>
+          <a:noFill/>
+          <a:ln w="19050">
+            <a:noFill/>
+          </a:ln>
+        </p:spPr>
+        <p:style>
+          <a:lnRef idx="2">
+            <a:schemeClr val="accent1">
+              <a:shade val="50000"/>
+            </a:schemeClr>
+          </a:lnRef>
+          <a:fillRef idx="1">
+            <a:schemeClr val="accent1"/>
+          </a:fillRef>
+          <a:effectRef idx="0">
+            <a:schemeClr val="accent1"/>
+          </a:effectRef>
+          <a:fontRef idx="minor">
+            <a:schemeClr val="lt1"/>
+          </a:fontRef>
+        </p:style>
+        <p:txBody>
+          <a:bodyPr rtlCol="0" anchor="ctr"/>
+          <a:lstStyle/>
+          <a:p>
+            <a:pPr algn="ctr"/>
+            <a:endParaRPr lang="ko-KR" altLang="en-US" sz="1100" b="1" dirty="0" smtClean="0">
+              <a:solidFill>
+                <a:schemeClr val="tx1"/>
+              </a:solidFill>
+            </a:endParaRPr>
+          </a:p>
+        </p:txBody>
+      </p:sp>
+      <p:sp>
+        <p:nvSpPr>
+          <p:cNvPr id="568" name="직사각형 567"/>
+          <p:cNvSpPr/>
+          <p:nvPr/>
+        </p:nvSpPr>
+        <p:spPr>
+          <a:xfrm>
+            <a:off x="5445928" y="988710"/>
+            <a:ext cx="182685" cy="174793"/>
+          </a:xfrm>
+          <a:prstGeom prst="rect">
+            <a:avLst/>
+          </a:prstGeom>
+          <a:noFill/>
+          <a:ln w="19050">
+            <a:noFill/>
+          </a:ln>
+        </p:spPr>
+        <p:style>
+          <a:lnRef idx="2">
+            <a:schemeClr val="accent1">
+              <a:shade val="50000"/>
+            </a:schemeClr>
+          </a:lnRef>
+          <a:fillRef idx="1">
+            <a:schemeClr val="accent1"/>
+          </a:fillRef>
+          <a:effectRef idx="0">
+            <a:schemeClr val="accent1"/>
+          </a:effectRef>
+          <a:fontRef idx="minor">
+            <a:schemeClr val="lt1"/>
+          </a:fontRef>
+        </p:style>
+        <p:txBody>
+          <a:bodyPr rtlCol="0" anchor="ctr"/>
+          <a:lstStyle/>
+          <a:p>
+            <a:pPr algn="ctr"/>
+            <a:endParaRPr lang="ko-KR" altLang="en-US" sz="1100" b="1" dirty="0" smtClean="0">
+              <a:solidFill>
+                <a:schemeClr val="tx1"/>
+              </a:solidFill>
+            </a:endParaRPr>
+          </a:p>
+        </p:txBody>
+      </p:sp>
+      <p:cxnSp>
+        <p:nvCxnSpPr>
+          <p:cNvPr id="620" name="직선 화살표 연결선 619"/>
+          <p:cNvCxnSpPr>
+            <a:stCxn id="146" idx="3"/>
+            <a:endCxn id="145" idx="2"/>
+          </p:cNvCxnSpPr>
+          <p:nvPr/>
+        </p:nvCxnSpPr>
+        <p:spPr>
+          <a:xfrm>
+            <a:off x="2619228" y="936523"/>
+            <a:ext cx="523603" cy="3095"/>
+          </a:xfrm>
+          <a:prstGeom prst="straightConnector1">
+            <a:avLst/>
+          </a:prstGeom>
+          <a:ln>
+            <a:solidFill>
+              <a:schemeClr val="tx1">
+                <a:lumMod val="65000"/>
+                <a:lumOff val="35000"/>
+              </a:schemeClr>
+            </a:solidFill>
+            <a:tailEnd type="triangle" w="med" len="med"/>
+          </a:ln>
+        </p:spPr>
+        <p:style>
+          <a:lnRef idx="1">
+            <a:schemeClr val="accent1"/>
+          </a:lnRef>
+          <a:fillRef idx="0">
+            <a:schemeClr val="accent1"/>
+          </a:fillRef>
+          <a:effectRef idx="0">
+            <a:schemeClr val="accent1"/>
+          </a:effectRef>
+          <a:fontRef idx="minor">
+            <a:schemeClr val="tx1"/>
+          </a:fontRef>
+        </p:style>
+      </p:cxnSp>
+      <p:cxnSp>
+        <p:nvCxnSpPr>
+          <p:cNvPr id="639" name="꺾인 연결선 425"/>
+          <p:cNvCxnSpPr>
+            <a:endCxn id="408" idx="2"/>
+          </p:cNvCxnSpPr>
+          <p:nvPr/>
+        </p:nvCxnSpPr>
+        <p:spPr>
+          <a:xfrm rot="5400000" flipH="1" flipV="1">
+            <a:off x="4774599" y="3435505"/>
+            <a:ext cx="1845836" cy="14470"/>
+          </a:xfrm>
+          <a:prstGeom prst="bentConnector3">
+            <a:avLst>
+              <a:gd name="adj1" fmla="val 41399"/>
+            </a:avLst>
+          </a:prstGeom>
+          <a:ln>
+            <a:solidFill>
+              <a:schemeClr val="tx1">
+                <a:lumMod val="65000"/>
+                <a:lumOff val="35000"/>
+              </a:schemeClr>
+            </a:solidFill>
+            <a:headEnd type="oval" w="sm" len="sm"/>
+            <a:tailEnd type="triangle" w="med" len="med"/>
+          </a:ln>
+        </p:spPr>
+        <p:style>
+          <a:lnRef idx="1">
+            <a:schemeClr val="accent1"/>
+          </a:lnRef>
+          <a:fillRef idx="0">
+            <a:schemeClr val="accent1"/>
+          </a:fillRef>
+          <a:effectRef idx="0">
+            <a:schemeClr val="accent1"/>
+          </a:effectRef>
+          <a:fontRef idx="minor">
+            <a:schemeClr val="tx1"/>
+          </a:fontRef>
+        </p:style>
+      </p:cxnSp>
+      <p:sp>
+        <p:nvSpPr>
+          <p:cNvPr id="667" name="TextBox 666"/>
+          <p:cNvSpPr txBox="1"/>
+          <p:nvPr/>
+        </p:nvSpPr>
+        <p:spPr>
+          <a:xfrm>
+            <a:off x="1587298" y="6363227"/>
+            <a:ext cx="985940" cy="246221"/>
+          </a:xfrm>
+          <a:prstGeom prst="rect">
+            <a:avLst/>
+          </a:prstGeom>
+          <a:noFill/>
+          <a:ln>
+            <a:noFill/>
+          </a:ln>
+        </p:spPr>
+        <p:txBody>
+          <a:bodyPr wrap="square" rtlCol="0">
+            <a:spAutoFit/>
+          </a:bodyPr>
+          <a:lstStyle/>
+          <a:p>
+            <a:r>
+              <a:rPr lang="en-US" altLang="ko-KR" sz="1000" dirty="0" smtClean="0">
+                <a:solidFill>
+                  <a:schemeClr val="tx1">
+                    <a:lumMod val="75000"/>
+                    <a:lumOff val="25000"/>
+                  </a:schemeClr>
+                </a:solidFill>
+              </a:rPr>
+              <a:t>Event Queue</a:t>
+            </a:r>
+          </a:p>
+        </p:txBody>
+      </p:sp>
+      <p:sp>
+        <p:nvSpPr>
+          <p:cNvPr id="680" name="TextBox 679"/>
+          <p:cNvSpPr txBox="1"/>
+          <p:nvPr/>
+        </p:nvSpPr>
+        <p:spPr>
+          <a:xfrm>
+            <a:off x="629442" y="5703059"/>
+            <a:ext cx="985940" cy="246221"/>
+          </a:xfrm>
+          <a:prstGeom prst="rect">
+            <a:avLst/>
+          </a:prstGeom>
+          <a:noFill/>
+          <a:ln>
+            <a:noFill/>
+          </a:ln>
+        </p:spPr>
+        <p:txBody>
+          <a:bodyPr wrap="square" rtlCol="0">
+            <a:spAutoFit/>
+          </a:bodyPr>
+          <a:lstStyle/>
+          <a:p>
+            <a:r>
+              <a:rPr lang="en-US" altLang="ko-KR" sz="1000" dirty="0" smtClean="0">
+                <a:solidFill>
+                  <a:schemeClr val="tx1">
+                    <a:lumMod val="75000"/>
+                    <a:lumOff val="25000"/>
+                  </a:schemeClr>
+                </a:solidFill>
+              </a:rPr>
+              <a:t>Push event</a:t>
+            </a:r>
+          </a:p>
+        </p:txBody>
+      </p:sp>
+      <p:sp>
+        <p:nvSpPr>
+          <p:cNvPr id="681" name="TextBox 680"/>
+          <p:cNvSpPr txBox="1"/>
+          <p:nvPr/>
+        </p:nvSpPr>
+        <p:spPr>
+          <a:xfrm>
+            <a:off x="2846318" y="6201018"/>
+            <a:ext cx="985940" cy="246221"/>
+          </a:xfrm>
+          <a:prstGeom prst="rect">
+            <a:avLst/>
+          </a:prstGeom>
+          <a:noFill/>
+          <a:ln>
+            <a:noFill/>
+          </a:ln>
+        </p:spPr>
+        <p:txBody>
+          <a:bodyPr wrap="square" rtlCol="0">
+            <a:spAutoFit/>
+          </a:bodyPr>
+          <a:lstStyle/>
+          <a:p>
+            <a:r>
+              <a:rPr lang="en-US" altLang="ko-KR" sz="1000" dirty="0" smtClean="0">
+                <a:solidFill>
+                  <a:schemeClr val="tx1">
+                    <a:lumMod val="75000"/>
+                    <a:lumOff val="25000"/>
+                  </a:schemeClr>
+                </a:solidFill>
+              </a:rPr>
+              <a:t>process event</a:t>
+            </a:r>
+          </a:p>
+        </p:txBody>
+      </p:sp>
+      <p:sp>
+        <p:nvSpPr>
+          <p:cNvPr id="682" name="TextBox 681"/>
+          <p:cNvSpPr txBox="1"/>
+          <p:nvPr/>
+        </p:nvSpPr>
+        <p:spPr>
+          <a:xfrm>
+            <a:off x="4067471" y="2256145"/>
+            <a:ext cx="465422" cy="246221"/>
+          </a:xfrm>
+          <a:prstGeom prst="rect">
+            <a:avLst/>
+          </a:prstGeom>
+          <a:noFill/>
+          <a:ln>
+            <a:noFill/>
+          </a:ln>
+        </p:spPr>
+        <p:txBody>
+          <a:bodyPr wrap="square" rtlCol="0">
+            <a:spAutoFit/>
+          </a:bodyPr>
+          <a:lstStyle/>
+          <a:p>
+            <a:r>
+              <a:rPr lang="en-US" altLang="ko-KR" sz="1000" dirty="0" smtClean="0">
+                <a:solidFill>
+                  <a:schemeClr val="tx1">
+                    <a:lumMod val="75000"/>
+                    <a:lumOff val="25000"/>
+                  </a:schemeClr>
+                </a:solidFill>
+              </a:rPr>
+              <a:t>use</a:t>
+            </a:r>
+            <a:endParaRPr lang="ko-KR" altLang="en-US" sz="1000" dirty="0">
+              <a:solidFill>
+                <a:schemeClr val="tx1">
+                  <a:lumMod val="75000"/>
+                  <a:lumOff val="25000"/>
+                </a:schemeClr>
+              </a:solidFill>
+            </a:endParaRPr>
+          </a:p>
+        </p:txBody>
+      </p:sp>
+      <p:sp>
+        <p:nvSpPr>
+          <p:cNvPr id="683" name="직사각형 682"/>
+          <p:cNvSpPr/>
+          <p:nvPr/>
+        </p:nvSpPr>
+        <p:spPr>
+          <a:xfrm>
+            <a:off x="107504" y="113275"/>
+            <a:ext cx="8841162" cy="6628093"/>
+          </a:xfrm>
+          <a:prstGeom prst="rect">
+            <a:avLst/>
+          </a:prstGeom>
+          <a:noFill/>
+          <a:ln w="19050">
+            <a:solidFill>
+              <a:schemeClr val="tx1">
+                <a:lumMod val="75000"/>
+                <a:lumOff val="25000"/>
+              </a:schemeClr>
+            </a:solidFill>
+          </a:ln>
+        </p:spPr>
+        <p:style>
+          <a:lnRef idx="2">
+            <a:schemeClr val="accent1">
+              <a:shade val="50000"/>
+            </a:schemeClr>
+          </a:lnRef>
+          <a:fillRef idx="1">
+            <a:schemeClr val="accent1"/>
+          </a:fillRef>
+          <a:effectRef idx="0">
+            <a:schemeClr val="accent1"/>
+          </a:effectRef>
+          <a:fontRef idx="minor">
+            <a:schemeClr val="lt1"/>
+          </a:fontRef>
+        </p:style>
+        <p:txBody>
+          <a:bodyPr rtlCol="0" anchor="ctr"/>
+          <a:lstStyle/>
+          <a:p>
+            <a:pPr algn="ctr"/>
+            <a:endParaRPr lang="ko-KR" altLang="en-US" sz="1200" b="1" dirty="0" smtClean="0">
+              <a:solidFill>
+                <a:schemeClr val="tx1"/>
+              </a:solidFill>
+            </a:endParaRPr>
+          </a:p>
+        </p:txBody>
+      </p:sp>
+    </p:spTree>
+    <p:extLst>
+      <p:ext uri="{BB962C8B-B14F-4D97-AF65-F5344CB8AC3E}">
+        <p14:creationId xmlns:p14="http://schemas.microsoft.com/office/powerpoint/2010/main" val="3159455484"/>
+      </p:ext>
+    </p:extLst>
+  </p:cSld>
+  <p:clrMapOvr>
+    <a:masterClrMapping/>
+  </p:clrMapOvr>
 </p:sld>
 </file>
 
@@ -15202,6 +21708,2074 @@
 </p:sld>
 </file>
 
+<file path=ppt/slides/slide8.xml><?xml version="1.0" encoding="utf-8"?>
+<p:sld xmlns:a="http://schemas.openxmlformats.org/drawingml/2006/main" xmlns:r="http://schemas.openxmlformats.org/officeDocument/2006/relationships" xmlns:p="http://schemas.openxmlformats.org/presentationml/2006/main">
+  <p:cSld>
+    <p:spTree>
+      <p:nvGrpSpPr>
+        <p:cNvPr id="1" name=""/>
+        <p:cNvGrpSpPr/>
+        <p:nvPr/>
+      </p:nvGrpSpPr>
+      <p:grpSpPr>
+        <a:xfrm>
+          <a:off x="0" y="0"/>
+          <a:ext cx="0" cy="0"/>
+          <a:chOff x="0" y="0"/>
+          <a:chExt cx="0" cy="0"/>
+        </a:xfrm>
+      </p:grpSpPr>
+      <p:pic>
+        <p:nvPicPr>
+          <p:cNvPr id="2" name="그림 1"/>
+          <p:cNvPicPr>
+            <a:picLocks noChangeAspect="1"/>
+          </p:cNvPicPr>
+          <p:nvPr/>
+        </p:nvPicPr>
+        <p:blipFill>
+          <a:blip r:embed="rId2" cstate="print"/>
+          <a:stretch>
+            <a:fillRect/>
+          </a:stretch>
+        </p:blipFill>
+        <p:spPr>
+          <a:xfrm>
+            <a:off x="35472" y="2852936"/>
+            <a:ext cx="2114002" cy="1529697"/>
+          </a:xfrm>
+          <a:prstGeom prst="rect">
+            <a:avLst/>
+          </a:prstGeom>
+        </p:spPr>
+      </p:pic>
+      <p:cxnSp>
+        <p:nvCxnSpPr>
+          <p:cNvPr id="3" name="직선 연결선 2"/>
+          <p:cNvCxnSpPr/>
+          <p:nvPr/>
+        </p:nvCxnSpPr>
+        <p:spPr>
+          <a:xfrm flipV="1">
+            <a:off x="2726092" y="2638373"/>
+            <a:ext cx="1944216" cy="899536"/>
+          </a:xfrm>
+          <a:prstGeom prst="line">
+            <a:avLst/>
+          </a:prstGeom>
+          <a:ln>
+            <a:solidFill>
+              <a:schemeClr val="bg1">
+                <a:lumMod val="75000"/>
+                <a:lumOff val="25000"/>
+              </a:schemeClr>
+            </a:solidFill>
+            <a:prstDash val="dash"/>
+          </a:ln>
+        </p:spPr>
+        <p:style>
+          <a:lnRef idx="1">
+            <a:schemeClr val="accent1"/>
+          </a:lnRef>
+          <a:fillRef idx="0">
+            <a:schemeClr val="accent1"/>
+          </a:fillRef>
+          <a:effectRef idx="0">
+            <a:schemeClr val="accent1"/>
+          </a:effectRef>
+          <a:fontRef idx="minor">
+            <a:schemeClr val="tx1"/>
+          </a:fontRef>
+        </p:style>
+      </p:cxnSp>
+      <p:cxnSp>
+        <p:nvCxnSpPr>
+          <p:cNvPr id="4" name="직선 연결선 3"/>
+          <p:cNvCxnSpPr/>
+          <p:nvPr/>
+        </p:nvCxnSpPr>
+        <p:spPr>
+          <a:xfrm>
+            <a:off x="2726092" y="3875085"/>
+            <a:ext cx="1944216" cy="1306636"/>
+          </a:xfrm>
+          <a:prstGeom prst="line">
+            <a:avLst/>
+          </a:prstGeom>
+          <a:ln>
+            <a:solidFill>
+              <a:schemeClr val="bg1">
+                <a:lumMod val="75000"/>
+                <a:lumOff val="25000"/>
+              </a:schemeClr>
+            </a:solidFill>
+            <a:prstDash val="dash"/>
+          </a:ln>
+        </p:spPr>
+        <p:style>
+          <a:lnRef idx="1">
+            <a:schemeClr val="accent1"/>
+          </a:lnRef>
+          <a:fillRef idx="0">
+            <a:schemeClr val="accent1"/>
+          </a:fillRef>
+          <a:effectRef idx="0">
+            <a:schemeClr val="accent1"/>
+          </a:effectRef>
+          <a:fontRef idx="minor">
+            <a:schemeClr val="tx1"/>
+          </a:fontRef>
+        </p:style>
+      </p:cxnSp>
+      <p:sp>
+        <p:nvSpPr>
+          <p:cNvPr id="5" name="직사각형 4"/>
+          <p:cNvSpPr/>
+          <p:nvPr/>
+        </p:nvSpPr>
+        <p:spPr>
+          <a:xfrm>
+            <a:off x="4884293" y="2996952"/>
+            <a:ext cx="3850849" cy="1588725"/>
+          </a:xfrm>
+          <a:prstGeom prst="rect">
+            <a:avLst/>
+          </a:prstGeom>
+          <a:solidFill>
+            <a:schemeClr val="bg1"/>
+          </a:solidFill>
+          <a:ln>
+            <a:solidFill>
+              <a:schemeClr val="bg1">
+                <a:lumMod val="75000"/>
+                <a:lumOff val="25000"/>
+              </a:schemeClr>
+            </a:solidFill>
+          </a:ln>
+        </p:spPr>
+        <p:style>
+          <a:lnRef idx="2">
+            <a:schemeClr val="accent1">
+              <a:shade val="50000"/>
+            </a:schemeClr>
+          </a:lnRef>
+          <a:fillRef idx="1">
+            <a:schemeClr val="accent1"/>
+          </a:fillRef>
+          <a:effectRef idx="0">
+            <a:schemeClr val="accent1"/>
+          </a:effectRef>
+          <a:fontRef idx="minor">
+            <a:schemeClr val="lt1"/>
+          </a:fontRef>
+        </p:style>
+        <p:txBody>
+          <a:bodyPr rtlCol="0" anchor="ctr"/>
+          <a:lstStyle/>
+          <a:p>
+            <a:pPr algn="ctr"/>
+            <a:endParaRPr lang="ko-KR" altLang="en-US">
+              <a:solidFill>
+                <a:schemeClr val="tx1"/>
+              </a:solidFill>
+            </a:endParaRPr>
+          </a:p>
+        </p:txBody>
+      </p:sp>
+      <p:sp>
+        <p:nvSpPr>
+          <p:cNvPr id="6" name="직사각형 5"/>
+          <p:cNvSpPr/>
+          <p:nvPr/>
+        </p:nvSpPr>
+        <p:spPr>
+          <a:xfrm>
+            <a:off x="3268682" y="1080168"/>
+            <a:ext cx="1602794" cy="264029"/>
+          </a:xfrm>
+          <a:prstGeom prst="rect">
+            <a:avLst/>
+          </a:prstGeom>
+          <a:solidFill>
+            <a:schemeClr val="bg1"/>
+          </a:solidFill>
+          <a:ln w="22225">
+            <a:solidFill>
+              <a:schemeClr val="tx1"/>
+            </a:solidFill>
+          </a:ln>
+        </p:spPr>
+        <p:style>
+          <a:lnRef idx="2">
+            <a:schemeClr val="accent1">
+              <a:shade val="50000"/>
+            </a:schemeClr>
+          </a:lnRef>
+          <a:fillRef idx="1">
+            <a:schemeClr val="accent1"/>
+          </a:fillRef>
+          <a:effectRef idx="0">
+            <a:schemeClr val="accent1"/>
+          </a:effectRef>
+          <a:fontRef idx="minor">
+            <a:schemeClr val="lt1"/>
+          </a:fontRef>
+        </p:style>
+        <p:txBody>
+          <a:bodyPr rtlCol="0" anchor="ctr"/>
+          <a:lstStyle/>
+          <a:p>
+            <a:pPr algn="ctr"/>
+            <a:r>
+              <a:rPr lang="en-US" altLang="ko-KR" sz="1200" dirty="0" smtClean="0">
+                <a:solidFill>
+                  <a:schemeClr val="tx1"/>
+                </a:solidFill>
+              </a:rPr>
+              <a:t>Static Perspective</a:t>
+            </a:r>
+            <a:endParaRPr lang="ko-KR" altLang="en-US" sz="1200" dirty="0">
+              <a:solidFill>
+                <a:schemeClr val="tx1"/>
+              </a:solidFill>
+            </a:endParaRPr>
+          </a:p>
+        </p:txBody>
+      </p:sp>
+      <p:pic>
+        <p:nvPicPr>
+          <p:cNvPr id="7" name="그림 6"/>
+          <p:cNvPicPr>
+            <a:picLocks noChangeAspect="1"/>
+          </p:cNvPicPr>
+          <p:nvPr/>
+        </p:nvPicPr>
+        <p:blipFill>
+          <a:blip r:embed="rId3" cstate="print"/>
+          <a:stretch>
+            <a:fillRect/>
+          </a:stretch>
+        </p:blipFill>
+        <p:spPr>
+          <a:xfrm>
+            <a:off x="3488400" y="1700808"/>
+            <a:ext cx="5363223" cy="3723340"/>
+          </a:xfrm>
+          <a:prstGeom prst="rect">
+            <a:avLst/>
+          </a:prstGeom>
+          <a:solidFill>
+            <a:schemeClr val="bg1"/>
+          </a:solidFill>
+        </p:spPr>
+      </p:pic>
+      <p:grpSp>
+        <p:nvGrpSpPr>
+          <p:cNvPr id="8" name="그룹 7"/>
+          <p:cNvGrpSpPr/>
+          <p:nvPr/>
+        </p:nvGrpSpPr>
+        <p:grpSpPr>
+          <a:xfrm>
+            <a:off x="7586351" y="5589240"/>
+            <a:ext cx="1234120" cy="726083"/>
+            <a:chOff x="1185863" y="4653135"/>
+            <a:chExt cx="1125002" cy="682716"/>
+          </a:xfrm>
+          <a:solidFill>
+            <a:schemeClr val="bg1"/>
+          </a:solidFill>
+        </p:grpSpPr>
+        <p:sp>
+          <p:nvSpPr>
+            <p:cNvPr id="9" name="직사각형 8"/>
+            <p:cNvSpPr/>
+            <p:nvPr/>
+          </p:nvSpPr>
+          <p:spPr>
+            <a:xfrm>
+              <a:off x="1185863" y="4653135"/>
+              <a:ext cx="1089803" cy="630199"/>
+            </a:xfrm>
+            <a:prstGeom prst="rect">
+              <a:avLst/>
+            </a:prstGeom>
+            <a:grpFill/>
+            <a:ln w="6350">
+              <a:solidFill>
+                <a:schemeClr val="tx1">
+                  <a:lumMod val="65000"/>
+                  <a:lumOff val="35000"/>
+                </a:schemeClr>
+              </a:solidFill>
+            </a:ln>
+          </p:spPr>
+          <p:style>
+            <a:lnRef idx="2">
+              <a:schemeClr val="accent1">
+                <a:shade val="50000"/>
+              </a:schemeClr>
+            </a:lnRef>
+            <a:fillRef idx="1">
+              <a:schemeClr val="accent1"/>
+            </a:fillRef>
+            <a:effectRef idx="0">
+              <a:schemeClr val="accent1"/>
+            </a:effectRef>
+            <a:fontRef idx="minor">
+              <a:schemeClr val="lt1"/>
+            </a:fontRef>
+          </p:style>
+          <p:txBody>
+            <a:bodyPr rtlCol="0" anchor="t" anchorCtr="0"/>
+            <a:lstStyle/>
+            <a:p>
+              <a:pPr algn="r"/>
+              <a:r>
+                <a:rPr lang="en-US" altLang="ko-KR" sz="1000" dirty="0" smtClean="0">
+                  <a:solidFill>
+                    <a:schemeClr val="tx1"/>
+                  </a:solidFill>
+                </a:rPr>
+                <a:t>: Package</a:t>
+              </a:r>
+              <a:endParaRPr lang="ko-KR" altLang="en-US" sz="1000" dirty="0">
+                <a:solidFill>
+                  <a:schemeClr val="tx1"/>
+                </a:solidFill>
+              </a:endParaRPr>
+            </a:p>
+          </p:txBody>
+        </p:sp>
+        <p:grpSp>
+          <p:nvGrpSpPr>
+            <p:cNvPr id="10" name="그룹 9"/>
+            <p:cNvGrpSpPr/>
+            <p:nvPr/>
+          </p:nvGrpSpPr>
+          <p:grpSpPr>
+            <a:xfrm>
+              <a:off x="1255936" y="4691470"/>
+              <a:ext cx="316208" cy="201340"/>
+              <a:chOff x="1669425" y="5085184"/>
+              <a:chExt cx="432047" cy="345295"/>
+            </a:xfrm>
+            <a:grpFill/>
+          </p:grpSpPr>
+          <p:sp>
+            <p:nvSpPr>
+              <p:cNvPr id="12" name="직사각형 11"/>
+              <p:cNvSpPr/>
+              <p:nvPr/>
+            </p:nvSpPr>
+            <p:spPr>
+              <a:xfrm>
+                <a:off x="1672072" y="5085184"/>
+                <a:ext cx="288032" cy="108012"/>
+              </a:xfrm>
+              <a:prstGeom prst="rect">
+                <a:avLst/>
+              </a:prstGeom>
+              <a:grpFill/>
+              <a:ln w="6350">
+                <a:solidFill>
+                  <a:schemeClr val="tx1">
+                    <a:lumMod val="65000"/>
+                    <a:lumOff val="35000"/>
+                  </a:schemeClr>
+                </a:solidFill>
+              </a:ln>
+            </p:spPr>
+            <p:style>
+              <a:lnRef idx="2">
+                <a:schemeClr val="accent1">
+                  <a:shade val="50000"/>
+                </a:schemeClr>
+              </a:lnRef>
+              <a:fillRef idx="1">
+                <a:schemeClr val="accent1"/>
+              </a:fillRef>
+              <a:effectRef idx="0">
+                <a:schemeClr val="accent1"/>
+              </a:effectRef>
+              <a:fontRef idx="minor">
+                <a:schemeClr val="lt1"/>
+              </a:fontRef>
+            </p:style>
+            <p:txBody>
+              <a:bodyPr rtlCol="0" anchor="ctr"/>
+              <a:lstStyle/>
+              <a:p>
+                <a:pPr algn="ctr"/>
+                <a:endParaRPr lang="ko-KR" altLang="en-US">
+                  <a:solidFill>
+                    <a:schemeClr val="tx1"/>
+                  </a:solidFill>
+                </a:endParaRPr>
+              </a:p>
+            </p:txBody>
+          </p:sp>
+          <p:sp>
+            <p:nvSpPr>
+              <p:cNvPr id="13" name="직사각형 12"/>
+              <p:cNvSpPr/>
+              <p:nvPr/>
+            </p:nvSpPr>
+            <p:spPr>
+              <a:xfrm>
+                <a:off x="1669425" y="5178451"/>
+                <a:ext cx="432047" cy="252028"/>
+              </a:xfrm>
+              <a:prstGeom prst="rect">
+                <a:avLst/>
+              </a:prstGeom>
+              <a:grpFill/>
+              <a:ln w="6350">
+                <a:solidFill>
+                  <a:schemeClr val="tx1">
+                    <a:lumMod val="65000"/>
+                    <a:lumOff val="35000"/>
+                  </a:schemeClr>
+                </a:solidFill>
+              </a:ln>
+            </p:spPr>
+            <p:style>
+              <a:lnRef idx="2">
+                <a:schemeClr val="accent1">
+                  <a:shade val="50000"/>
+                </a:schemeClr>
+              </a:lnRef>
+              <a:fillRef idx="1">
+                <a:schemeClr val="accent1"/>
+              </a:fillRef>
+              <a:effectRef idx="0">
+                <a:schemeClr val="accent1"/>
+              </a:effectRef>
+              <a:fontRef idx="minor">
+                <a:schemeClr val="lt1"/>
+              </a:fontRef>
+            </p:style>
+            <p:txBody>
+              <a:bodyPr rtlCol="0" anchor="ctr"/>
+              <a:lstStyle/>
+              <a:p>
+                <a:pPr algn="ctr"/>
+                <a:endParaRPr lang="ko-KR" altLang="en-US">
+                  <a:solidFill>
+                    <a:schemeClr val="tx1"/>
+                  </a:solidFill>
+                </a:endParaRPr>
+              </a:p>
+            </p:txBody>
+          </p:sp>
+        </p:grpSp>
+        <p:sp>
+          <p:nvSpPr>
+            <p:cNvPr id="11" name="TextBox 10"/>
+            <p:cNvSpPr txBox="1"/>
+            <p:nvPr/>
+          </p:nvSpPr>
+          <p:spPr>
+            <a:xfrm>
+              <a:off x="1238135" y="4935741"/>
+              <a:ext cx="1072730" cy="400110"/>
+            </a:xfrm>
+            <a:prstGeom prst="rect">
+              <a:avLst/>
+            </a:prstGeom>
+            <a:noFill/>
+            <a:ln>
+              <a:noFill/>
+            </a:ln>
+          </p:spPr>
+          <p:txBody>
+            <a:bodyPr wrap="none" rtlCol="0">
+              <a:spAutoFit/>
+            </a:bodyPr>
+            <a:lstStyle/>
+            <a:p>
+              <a:r>
+                <a:rPr lang="en-US" altLang="ko-KR" sz="1000" dirty="0" smtClean="0"/>
+                <a:t>(Class or Set of</a:t>
+              </a:r>
+            </a:p>
+            <a:p>
+              <a:r>
+                <a:rPr lang="en-US" altLang="ko-KR" sz="1000" dirty="0" smtClean="0"/>
+                <a:t>Classes)</a:t>
+              </a:r>
+              <a:endParaRPr lang="ko-KR" altLang="en-US" sz="1000" dirty="0"/>
+            </a:p>
+          </p:txBody>
+        </p:sp>
+      </p:grpSp>
+      <p:sp>
+        <p:nvSpPr>
+          <p:cNvPr id="14" name="직사각형 13"/>
+          <p:cNvSpPr/>
+          <p:nvPr/>
+        </p:nvSpPr>
+        <p:spPr>
+          <a:xfrm>
+            <a:off x="3275856" y="1340767"/>
+            <a:ext cx="5760640" cy="4974555"/>
+          </a:xfrm>
+          <a:prstGeom prst="rect">
+            <a:avLst/>
+          </a:prstGeom>
+          <a:noFill/>
+          <a:ln w="19050">
+            <a:solidFill>
+              <a:schemeClr val="tx1">
+                <a:lumMod val="75000"/>
+                <a:lumOff val="25000"/>
+              </a:schemeClr>
+            </a:solidFill>
+          </a:ln>
+        </p:spPr>
+        <p:style>
+          <a:lnRef idx="2">
+            <a:schemeClr val="accent1">
+              <a:shade val="50000"/>
+            </a:schemeClr>
+          </a:lnRef>
+          <a:fillRef idx="1">
+            <a:schemeClr val="accent1"/>
+          </a:fillRef>
+          <a:effectRef idx="0">
+            <a:schemeClr val="accent1"/>
+          </a:effectRef>
+          <a:fontRef idx="minor">
+            <a:schemeClr val="lt1"/>
+          </a:fontRef>
+        </p:style>
+        <p:txBody>
+          <a:bodyPr rtlCol="0" anchor="ctr"/>
+          <a:lstStyle/>
+          <a:p>
+            <a:pPr algn="ctr"/>
+            <a:endParaRPr lang="ko-KR" altLang="en-US" sz="1200" b="1" dirty="0" smtClean="0">
+              <a:solidFill>
+                <a:schemeClr val="tx1"/>
+              </a:solidFill>
+            </a:endParaRPr>
+          </a:p>
+        </p:txBody>
+      </p:sp>
+      <p:cxnSp>
+        <p:nvCxnSpPr>
+          <p:cNvPr id="18" name="직선 연결선 17"/>
+          <p:cNvCxnSpPr/>
+          <p:nvPr/>
+        </p:nvCxnSpPr>
+        <p:spPr>
+          <a:xfrm flipV="1">
+            <a:off x="1907704" y="1844824"/>
+            <a:ext cx="1553264" cy="1584176"/>
+          </a:xfrm>
+          <a:prstGeom prst="line">
+            <a:avLst/>
+          </a:prstGeom>
+          <a:ln>
+            <a:solidFill>
+              <a:schemeClr val="tx1"/>
+            </a:solidFill>
+            <a:prstDash val="dash"/>
+          </a:ln>
+        </p:spPr>
+        <p:style>
+          <a:lnRef idx="1">
+            <a:schemeClr val="accent1"/>
+          </a:lnRef>
+          <a:fillRef idx="0">
+            <a:schemeClr val="accent1"/>
+          </a:fillRef>
+          <a:effectRef idx="0">
+            <a:schemeClr val="accent1"/>
+          </a:effectRef>
+          <a:fontRef idx="minor">
+            <a:schemeClr val="tx1"/>
+          </a:fontRef>
+        </p:style>
+      </p:cxnSp>
+      <p:cxnSp>
+        <p:nvCxnSpPr>
+          <p:cNvPr id="21" name="직선 연결선 20"/>
+          <p:cNvCxnSpPr/>
+          <p:nvPr/>
+        </p:nvCxnSpPr>
+        <p:spPr>
+          <a:xfrm>
+            <a:off x="1907704" y="3617784"/>
+            <a:ext cx="1553264" cy="1806364"/>
+          </a:xfrm>
+          <a:prstGeom prst="line">
+            <a:avLst/>
+          </a:prstGeom>
+          <a:ln>
+            <a:solidFill>
+              <a:schemeClr val="tx1"/>
+            </a:solidFill>
+            <a:prstDash val="dash"/>
+          </a:ln>
+        </p:spPr>
+        <p:style>
+          <a:lnRef idx="1">
+            <a:schemeClr val="accent1"/>
+          </a:lnRef>
+          <a:fillRef idx="0">
+            <a:schemeClr val="accent1"/>
+          </a:fillRef>
+          <a:effectRef idx="0">
+            <a:schemeClr val="accent1"/>
+          </a:effectRef>
+          <a:fontRef idx="minor">
+            <a:schemeClr val="tx1"/>
+          </a:fontRef>
+        </p:style>
+      </p:cxnSp>
+    </p:spTree>
+    <p:extLst>
+      <p:ext uri="{BB962C8B-B14F-4D97-AF65-F5344CB8AC3E}">
+        <p14:creationId xmlns:p14="http://schemas.microsoft.com/office/powerpoint/2010/main" val="3692717096"/>
+      </p:ext>
+    </p:extLst>
+  </p:cSld>
+  <p:clrMapOvr>
+    <a:masterClrMapping/>
+  </p:clrMapOvr>
+</p:sld>
+</file>
+
+<file path=ppt/slides/slide9.xml><?xml version="1.0" encoding="utf-8"?>
+<p:sld xmlns:a="http://schemas.openxmlformats.org/drawingml/2006/main" xmlns:r="http://schemas.openxmlformats.org/officeDocument/2006/relationships" xmlns:p="http://schemas.openxmlformats.org/presentationml/2006/main">
+  <p:cSld>
+    <p:spTree>
+      <p:nvGrpSpPr>
+        <p:cNvPr id="1" name=""/>
+        <p:cNvGrpSpPr/>
+        <p:nvPr/>
+      </p:nvGrpSpPr>
+      <p:grpSpPr>
+        <a:xfrm>
+          <a:off x="0" y="0"/>
+          <a:ext cx="0" cy="0"/>
+          <a:chOff x="0" y="0"/>
+          <a:chExt cx="0" cy="0"/>
+        </a:xfrm>
+      </p:grpSpPr>
+      <p:sp>
+        <p:nvSpPr>
+          <p:cNvPr id="47" name="TextBox 46"/>
+          <p:cNvSpPr txBox="1"/>
+          <p:nvPr/>
+        </p:nvSpPr>
+        <p:spPr>
+          <a:xfrm>
+            <a:off x="4083416" y="1829379"/>
+            <a:ext cx="1102720" cy="215444"/>
+          </a:xfrm>
+          <a:prstGeom prst="rect">
+            <a:avLst/>
+          </a:prstGeom>
+          <a:solidFill>
+            <a:schemeClr val="bg1"/>
+          </a:solidFill>
+        </p:spPr>
+        <p:txBody>
+          <a:bodyPr wrap="square" rtlCol="0">
+            <a:spAutoFit/>
+          </a:bodyPr>
+          <a:lstStyle/>
+          <a:p>
+            <a:r>
+              <a:rPr lang="en-US" altLang="ko-KR" sz="800" dirty="0" smtClean="0">
+                <a:latin typeface="Verdana" pitchFamily="34" charset="0"/>
+                <a:ea typeface="Verdana" pitchFamily="34" charset="0"/>
+                <a:cs typeface="Verdana" pitchFamily="34" charset="0"/>
+              </a:rPr>
+              <a:t>&lt;&lt;Use&gt;&gt;</a:t>
+            </a:r>
+            <a:endParaRPr lang="ko-KR" altLang="en-US" sz="800" dirty="0">
+              <a:latin typeface="Verdana" pitchFamily="34" charset="0"/>
+              <a:ea typeface="Arial Unicode MS" pitchFamily="50" charset="-127"/>
+              <a:cs typeface="Verdana" pitchFamily="34" charset="0"/>
+            </a:endParaRPr>
+          </a:p>
+        </p:txBody>
+      </p:sp>
+      <p:cxnSp>
+        <p:nvCxnSpPr>
+          <p:cNvPr id="10" name="직선 연결선 9"/>
+          <p:cNvCxnSpPr/>
+          <p:nvPr/>
+        </p:nvCxnSpPr>
+        <p:spPr>
+          <a:xfrm flipH="1" flipV="1">
+            <a:off x="1966668" y="1731320"/>
+            <a:ext cx="720080" cy="2120514"/>
+          </a:xfrm>
+          <a:prstGeom prst="line">
+            <a:avLst/>
+          </a:prstGeom>
+          <a:ln w="15875">
+            <a:solidFill>
+              <a:schemeClr val="tx1">
+                <a:lumMod val="75000"/>
+                <a:lumOff val="25000"/>
+              </a:schemeClr>
+            </a:solidFill>
+          </a:ln>
+        </p:spPr>
+        <p:style>
+          <a:lnRef idx="1">
+            <a:schemeClr val="accent1"/>
+          </a:lnRef>
+          <a:fillRef idx="0">
+            <a:schemeClr val="accent1"/>
+          </a:fillRef>
+          <a:effectRef idx="0">
+            <a:schemeClr val="accent1"/>
+          </a:effectRef>
+          <a:fontRef idx="minor">
+            <a:schemeClr val="tx1"/>
+          </a:fontRef>
+        </p:style>
+      </p:cxnSp>
+      <p:cxnSp>
+        <p:nvCxnSpPr>
+          <p:cNvPr id="8" name="직선 연결선 7"/>
+          <p:cNvCxnSpPr>
+            <a:stCxn id="7" idx="0"/>
+          </p:cNvCxnSpPr>
+          <p:nvPr/>
+        </p:nvCxnSpPr>
+        <p:spPr>
+          <a:xfrm flipV="1">
+            <a:off x="958556" y="1731320"/>
+            <a:ext cx="720080" cy="2120514"/>
+          </a:xfrm>
+          <a:prstGeom prst="line">
+            <a:avLst/>
+          </a:prstGeom>
+          <a:ln w="15875">
+            <a:solidFill>
+              <a:schemeClr val="tx1">
+                <a:lumMod val="75000"/>
+                <a:lumOff val="25000"/>
+              </a:schemeClr>
+            </a:solidFill>
+          </a:ln>
+        </p:spPr>
+        <p:style>
+          <a:lnRef idx="1">
+            <a:schemeClr val="accent1"/>
+          </a:lnRef>
+          <a:fillRef idx="0">
+            <a:schemeClr val="accent1"/>
+          </a:fillRef>
+          <a:effectRef idx="0">
+            <a:schemeClr val="accent1"/>
+          </a:effectRef>
+          <a:fontRef idx="minor">
+            <a:schemeClr val="tx1"/>
+          </a:fontRef>
+        </p:style>
+      </p:cxnSp>
+      <p:pic>
+        <p:nvPicPr>
+          <p:cNvPr id="1026" name="그림 8"/>
+          <p:cNvPicPr>
+            <a:picLocks noChangeAspect="1" noChangeArrowheads="1"/>
+          </p:cNvPicPr>
+          <p:nvPr/>
+        </p:nvPicPr>
+        <p:blipFill>
+          <a:blip r:embed="rId2">
+            <a:extLst>
+              <a:ext uri="{28A0092B-C50C-407E-A947-70E740481C1C}">
+                <a14:useLocalDpi xmlns:a14="http://schemas.microsoft.com/office/drawing/2010/main" val="0"/>
+              </a:ext>
+            </a:extLst>
+          </a:blip>
+          <a:srcRect/>
+          <a:stretch>
+            <a:fillRect/>
+          </a:stretch>
+        </p:blipFill>
+        <p:spPr bwMode="auto">
+          <a:xfrm>
+            <a:off x="526508" y="1270398"/>
+            <a:ext cx="8293964" cy="3238722"/>
+          </a:xfrm>
+          <a:prstGeom prst="rect">
+            <a:avLst/>
+          </a:prstGeom>
+          <a:noFill/>
+          <a:ln>
+            <a:noFill/>
+          </a:ln>
+          <a:extLst>
+            <a:ext uri="{909E8E84-426E-40DD-AFC4-6F175D3DCCD1}">
+              <a14:hiddenFill xmlns:a14="http://schemas.microsoft.com/office/drawing/2010/main">
+                <a:solidFill>
+                  <a:srgbClr val="FFFFFF"/>
+                </a:solidFill>
+              </a14:hiddenFill>
+            </a:ext>
+            <a:ext uri="{91240B29-F687-4F45-9708-019B960494DF}">
+              <a14:hiddenLine xmlns:a14="http://schemas.microsoft.com/office/drawing/2010/main" w="9525">
+                <a:solidFill>
+                  <a:srgbClr val="000000"/>
+                </a:solidFill>
+                <a:miter lim="800000"/>
+                <a:headEnd/>
+                <a:tailEnd/>
+              </a14:hiddenLine>
+            </a:ext>
+          </a:extLst>
+        </p:spPr>
+      </p:pic>
+      <p:pic>
+        <p:nvPicPr>
+          <p:cNvPr id="3" name="그림 2"/>
+          <p:cNvPicPr>
+            <a:picLocks noChangeAspect="1"/>
+          </p:cNvPicPr>
+          <p:nvPr/>
+        </p:nvPicPr>
+        <p:blipFill>
+          <a:blip r:embed="rId3" cstate="print"/>
+          <a:stretch>
+            <a:fillRect/>
+          </a:stretch>
+        </p:blipFill>
+        <p:spPr>
+          <a:xfrm>
+            <a:off x="7496402" y="1024198"/>
+            <a:ext cx="1324070" cy="864095"/>
+          </a:xfrm>
+          <a:prstGeom prst="rect">
+            <a:avLst/>
+          </a:prstGeom>
+          <a:ln w="3175">
+            <a:solidFill>
+              <a:schemeClr val="tx1"/>
+            </a:solidFill>
+          </a:ln>
+        </p:spPr>
+      </p:pic>
+      <p:sp>
+        <p:nvSpPr>
+          <p:cNvPr id="4" name="직사각형 3"/>
+          <p:cNvSpPr/>
+          <p:nvPr/>
+        </p:nvSpPr>
+        <p:spPr>
+          <a:xfrm>
+            <a:off x="1043608" y="1270398"/>
+            <a:ext cx="1407866" cy="460922"/>
+          </a:xfrm>
+          <a:prstGeom prst="rect">
+            <a:avLst/>
+          </a:prstGeom>
+          <a:solidFill>
+            <a:schemeClr val="bg1"/>
+          </a:solidFill>
+          <a:ln w="22225">
+            <a:solidFill>
+              <a:schemeClr val="tx1">
+                <a:lumMod val="75000"/>
+                <a:lumOff val="25000"/>
+              </a:schemeClr>
+            </a:solidFill>
+          </a:ln>
+        </p:spPr>
+        <p:style>
+          <a:lnRef idx="2">
+            <a:schemeClr val="accent1">
+              <a:shade val="50000"/>
+            </a:schemeClr>
+          </a:lnRef>
+          <a:fillRef idx="1">
+            <a:schemeClr val="accent1"/>
+          </a:fillRef>
+          <a:effectRef idx="0">
+            <a:schemeClr val="accent1"/>
+          </a:effectRef>
+          <a:fontRef idx="minor">
+            <a:schemeClr val="lt1"/>
+          </a:fontRef>
+        </p:style>
+        <p:txBody>
+          <a:bodyPr rot="0" spcFirstLastPara="0" vertOverflow="overflow" horzOverflow="overflow" vert="horz" wrap="square" lIns="91440" tIns="45720" rIns="91440" bIns="45720" numCol="1" spcCol="0" rtlCol="0" fromWordArt="0" anchor="ctr" anchorCtr="0" forceAA="0" compatLnSpc="1">
+            <a:prstTxWarp prst="textNoShape">
+              <a:avLst/>
+            </a:prstTxWarp>
+            <a:noAutofit/>
+          </a:bodyPr>
+          <a:lstStyle/>
+          <a:p>
+            <a:pPr algn="ctr"/>
+            <a:r>
+              <a:rPr lang="en-US" altLang="ko-KR" sz="1200" b="1" dirty="0" err="1" smtClean="0">
+                <a:solidFill>
+                  <a:schemeClr val="tx1"/>
+                </a:solidFill>
+              </a:rPr>
+              <a:t>RuleManager</a:t>
+            </a:r>
+            <a:endParaRPr lang="en-US" altLang="ko-KR" sz="1200" b="1" dirty="0" smtClean="0">
+              <a:solidFill>
+                <a:schemeClr val="tx1"/>
+              </a:solidFill>
+            </a:endParaRPr>
+          </a:p>
+          <a:p>
+            <a:pPr algn="ctr"/>
+            <a:r>
+              <a:rPr lang="en-US" altLang="ko-KR" sz="1200" b="1" dirty="0" err="1" smtClean="0">
+                <a:solidFill>
+                  <a:schemeClr val="tx1"/>
+                </a:solidFill>
+              </a:rPr>
+              <a:t>EventControl</a:t>
+            </a:r>
+            <a:endParaRPr lang="ko-KR" altLang="en-US" sz="1200" b="1" dirty="0" smtClean="0">
+              <a:solidFill>
+                <a:schemeClr val="tx1"/>
+              </a:solidFill>
+            </a:endParaRPr>
+          </a:p>
+        </p:txBody>
+      </p:sp>
+      <p:sp>
+        <p:nvSpPr>
+          <p:cNvPr id="6" name="직사각형 5"/>
+          <p:cNvSpPr/>
+          <p:nvPr/>
+        </p:nvSpPr>
+        <p:spPr>
+          <a:xfrm>
+            <a:off x="2110684" y="3851834"/>
+            <a:ext cx="1152128" cy="460922"/>
+          </a:xfrm>
+          <a:prstGeom prst="rect">
+            <a:avLst/>
+          </a:prstGeom>
+          <a:solidFill>
+            <a:schemeClr val="bg1"/>
+          </a:solidFill>
+          <a:ln w="22225">
+            <a:solidFill>
+              <a:schemeClr val="tx1">
+                <a:lumMod val="75000"/>
+                <a:lumOff val="25000"/>
+              </a:schemeClr>
+            </a:solidFill>
+          </a:ln>
+        </p:spPr>
+        <p:style>
+          <a:lnRef idx="2">
+            <a:schemeClr val="accent1">
+              <a:shade val="50000"/>
+            </a:schemeClr>
+          </a:lnRef>
+          <a:fillRef idx="1">
+            <a:schemeClr val="accent1"/>
+          </a:fillRef>
+          <a:effectRef idx="0">
+            <a:schemeClr val="accent1"/>
+          </a:effectRef>
+          <a:fontRef idx="minor">
+            <a:schemeClr val="lt1"/>
+          </a:fontRef>
+        </p:style>
+        <p:txBody>
+          <a:bodyPr rot="0" spcFirstLastPara="0" vertOverflow="overflow" horzOverflow="overflow" vert="horz" wrap="square" lIns="91440" tIns="45720" rIns="91440" bIns="45720" numCol="1" spcCol="0" rtlCol="0" fromWordArt="0" anchor="ctr" anchorCtr="0" forceAA="0" compatLnSpc="1">
+            <a:prstTxWarp prst="textNoShape">
+              <a:avLst/>
+            </a:prstTxWarp>
+            <a:noAutofit/>
+          </a:bodyPr>
+          <a:lstStyle/>
+          <a:p>
+            <a:pPr algn="ctr"/>
+            <a:r>
+              <a:rPr lang="en-US" altLang="ko-KR" sz="1200" b="1" dirty="0" err="1" smtClean="0">
+                <a:solidFill>
+                  <a:schemeClr val="tx1"/>
+                </a:solidFill>
+              </a:rPr>
+              <a:t>ConfigEvent</a:t>
+            </a:r>
+            <a:endParaRPr lang="ko-KR" altLang="en-US" sz="1200" b="1" dirty="0" smtClean="0">
+              <a:solidFill>
+                <a:schemeClr val="tx1"/>
+              </a:solidFill>
+            </a:endParaRPr>
+          </a:p>
+        </p:txBody>
+      </p:sp>
+      <p:sp>
+        <p:nvSpPr>
+          <p:cNvPr id="7" name="직사각형 6"/>
+          <p:cNvSpPr/>
+          <p:nvPr/>
+        </p:nvSpPr>
+        <p:spPr>
+          <a:xfrm>
+            <a:off x="382492" y="3851834"/>
+            <a:ext cx="1152128" cy="460922"/>
+          </a:xfrm>
+          <a:prstGeom prst="rect">
+            <a:avLst/>
+          </a:prstGeom>
+          <a:solidFill>
+            <a:schemeClr val="bg1"/>
+          </a:solidFill>
+          <a:ln w="22225">
+            <a:solidFill>
+              <a:schemeClr val="tx1">
+                <a:lumMod val="75000"/>
+                <a:lumOff val="25000"/>
+              </a:schemeClr>
+            </a:solidFill>
+          </a:ln>
+        </p:spPr>
+        <p:style>
+          <a:lnRef idx="2">
+            <a:schemeClr val="accent1">
+              <a:shade val="50000"/>
+            </a:schemeClr>
+          </a:lnRef>
+          <a:fillRef idx="1">
+            <a:schemeClr val="accent1"/>
+          </a:fillRef>
+          <a:effectRef idx="0">
+            <a:schemeClr val="accent1"/>
+          </a:effectRef>
+          <a:fontRef idx="minor">
+            <a:schemeClr val="lt1"/>
+          </a:fontRef>
+        </p:style>
+        <p:txBody>
+          <a:bodyPr rot="0" spcFirstLastPara="0" vertOverflow="overflow" horzOverflow="overflow" vert="horz" wrap="square" lIns="91440" tIns="45720" rIns="91440" bIns="45720" numCol="1" spcCol="0" rtlCol="0" fromWordArt="0" anchor="ctr" anchorCtr="0" forceAA="0" compatLnSpc="1">
+            <a:prstTxWarp prst="textNoShape">
+              <a:avLst/>
+            </a:prstTxWarp>
+            <a:noAutofit/>
+          </a:bodyPr>
+          <a:lstStyle/>
+          <a:p>
+            <a:pPr algn="ctr"/>
+            <a:r>
+              <a:rPr lang="en-US" altLang="ko-KR" sz="1200" b="1" dirty="0" err="1" smtClean="0">
+                <a:solidFill>
+                  <a:schemeClr val="tx1"/>
+                </a:solidFill>
+              </a:rPr>
+              <a:t>StateEvent</a:t>
+            </a:r>
+            <a:endParaRPr lang="ko-KR" altLang="en-US" sz="1200" b="1" dirty="0" smtClean="0">
+              <a:solidFill>
+                <a:schemeClr val="tx1"/>
+              </a:solidFill>
+            </a:endParaRPr>
+          </a:p>
+        </p:txBody>
+      </p:sp>
+      <p:sp>
+        <p:nvSpPr>
+          <p:cNvPr id="17" name="직사각형 16"/>
+          <p:cNvSpPr/>
+          <p:nvPr/>
+        </p:nvSpPr>
+        <p:spPr>
+          <a:xfrm>
+            <a:off x="2729637" y="5502972"/>
+            <a:ext cx="1152128" cy="460922"/>
+          </a:xfrm>
+          <a:prstGeom prst="rect">
+            <a:avLst/>
+          </a:prstGeom>
+          <a:solidFill>
+            <a:schemeClr val="bg1"/>
+          </a:solidFill>
+          <a:ln w="22225">
+            <a:solidFill>
+              <a:schemeClr val="tx1">
+                <a:lumMod val="75000"/>
+                <a:lumOff val="25000"/>
+              </a:schemeClr>
+            </a:solidFill>
+          </a:ln>
+        </p:spPr>
+        <p:style>
+          <a:lnRef idx="2">
+            <a:schemeClr val="accent1">
+              <a:shade val="50000"/>
+            </a:schemeClr>
+          </a:lnRef>
+          <a:fillRef idx="1">
+            <a:schemeClr val="accent1"/>
+          </a:fillRef>
+          <a:effectRef idx="0">
+            <a:schemeClr val="accent1"/>
+          </a:effectRef>
+          <a:fontRef idx="minor">
+            <a:schemeClr val="lt1"/>
+          </a:fontRef>
+        </p:style>
+        <p:txBody>
+          <a:bodyPr rot="0" spcFirstLastPara="0" vertOverflow="overflow" horzOverflow="overflow" vert="horz" wrap="square" lIns="91440" tIns="45720" rIns="91440" bIns="45720" numCol="1" spcCol="0" rtlCol="0" fromWordArt="0" anchor="ctr" anchorCtr="0" forceAA="0" compatLnSpc="1">
+            <a:prstTxWarp prst="textNoShape">
+              <a:avLst/>
+            </a:prstTxWarp>
+            <a:noAutofit/>
+          </a:bodyPr>
+          <a:lstStyle/>
+          <a:p>
+            <a:pPr algn="ctr"/>
+            <a:r>
+              <a:rPr lang="en-US" altLang="ko-KR" sz="1200" b="1" dirty="0" err="1" smtClean="0">
+                <a:solidFill>
+                  <a:schemeClr val="tx1"/>
+                </a:solidFill>
+              </a:rPr>
+              <a:t>RuleManager</a:t>
+            </a:r>
+            <a:r>
+              <a:rPr lang="en-US" altLang="ko-KR" sz="1200" b="1" dirty="0" smtClean="0">
+                <a:solidFill>
+                  <a:schemeClr val="tx1"/>
+                </a:solidFill>
+              </a:rPr>
+              <a:t/>
+            </a:r>
+            <a:br>
+              <a:rPr lang="en-US" altLang="ko-KR" sz="1200" b="1" dirty="0" smtClean="0">
+                <a:solidFill>
+                  <a:schemeClr val="tx1"/>
+                </a:solidFill>
+              </a:rPr>
+            </a:br>
+            <a:r>
+              <a:rPr lang="en-US" altLang="ko-KR" sz="1200" b="1" dirty="0" err="1" smtClean="0">
+                <a:solidFill>
+                  <a:schemeClr val="tx1"/>
+                </a:solidFill>
+              </a:rPr>
+              <a:t>DBStorage</a:t>
+            </a:r>
+            <a:endParaRPr lang="ko-KR" altLang="en-US" sz="1200" b="1" dirty="0" smtClean="0">
+              <a:solidFill>
+                <a:schemeClr val="tx1"/>
+              </a:solidFill>
+            </a:endParaRPr>
+          </a:p>
+        </p:txBody>
+      </p:sp>
+      <p:sp>
+        <p:nvSpPr>
+          <p:cNvPr id="18" name="직사각형 17"/>
+          <p:cNvSpPr/>
+          <p:nvPr/>
+        </p:nvSpPr>
+        <p:spPr>
+          <a:xfrm>
+            <a:off x="4126908" y="5502972"/>
+            <a:ext cx="1152128" cy="460922"/>
+          </a:xfrm>
+          <a:prstGeom prst="rect">
+            <a:avLst/>
+          </a:prstGeom>
+          <a:solidFill>
+            <a:schemeClr val="bg1"/>
+          </a:solidFill>
+          <a:ln w="22225">
+            <a:solidFill>
+              <a:schemeClr val="tx1">
+                <a:lumMod val="75000"/>
+                <a:lumOff val="25000"/>
+              </a:schemeClr>
+            </a:solidFill>
+          </a:ln>
+        </p:spPr>
+        <p:style>
+          <a:lnRef idx="2">
+            <a:schemeClr val="accent1">
+              <a:shade val="50000"/>
+            </a:schemeClr>
+          </a:lnRef>
+          <a:fillRef idx="1">
+            <a:schemeClr val="accent1"/>
+          </a:fillRef>
+          <a:effectRef idx="0">
+            <a:schemeClr val="accent1"/>
+          </a:effectRef>
+          <a:fontRef idx="minor">
+            <a:schemeClr val="lt1"/>
+          </a:fontRef>
+        </p:style>
+        <p:txBody>
+          <a:bodyPr rot="0" spcFirstLastPara="0" vertOverflow="overflow" horzOverflow="overflow" vert="horz" wrap="square" lIns="91440" tIns="45720" rIns="91440" bIns="45720" numCol="1" spcCol="0" rtlCol="0" fromWordArt="0" anchor="ctr" anchorCtr="0" forceAA="0" compatLnSpc="1">
+            <a:prstTxWarp prst="textNoShape">
+              <a:avLst/>
+            </a:prstTxWarp>
+            <a:noAutofit/>
+          </a:bodyPr>
+          <a:lstStyle/>
+          <a:p>
+            <a:pPr algn="ctr"/>
+            <a:r>
+              <a:rPr lang="en-US" altLang="ko-KR" sz="1200" b="1" dirty="0" err="1" smtClean="0">
+                <a:solidFill>
+                  <a:schemeClr val="tx1"/>
+                </a:solidFill>
+              </a:rPr>
+              <a:t>RuleManager</a:t>
+            </a:r>
+            <a:r>
+              <a:rPr lang="en-US" altLang="ko-KR" sz="1200" b="1" dirty="0" smtClean="0">
+                <a:solidFill>
+                  <a:schemeClr val="tx1"/>
+                </a:solidFill>
+              </a:rPr>
+              <a:t/>
+            </a:r>
+            <a:br>
+              <a:rPr lang="en-US" altLang="ko-KR" sz="1200" b="1" dirty="0" smtClean="0">
+                <a:solidFill>
+                  <a:schemeClr val="tx1"/>
+                </a:solidFill>
+              </a:rPr>
+            </a:br>
+            <a:r>
+              <a:rPr lang="en-US" altLang="ko-KR" sz="1200" b="1" dirty="0" err="1" smtClean="0">
+                <a:solidFill>
+                  <a:schemeClr val="tx1"/>
+                </a:solidFill>
+              </a:rPr>
+              <a:t>FileStorage</a:t>
+            </a:r>
+            <a:endParaRPr lang="ko-KR" altLang="en-US" sz="1200" b="1" dirty="0" smtClean="0">
+              <a:solidFill>
+                <a:schemeClr val="tx1"/>
+              </a:solidFill>
+            </a:endParaRPr>
+          </a:p>
+        </p:txBody>
+      </p:sp>
+      <p:sp>
+        <p:nvSpPr>
+          <p:cNvPr id="19" name="직사각형 18"/>
+          <p:cNvSpPr/>
+          <p:nvPr/>
+        </p:nvSpPr>
+        <p:spPr>
+          <a:xfrm>
+            <a:off x="3334820" y="4581128"/>
+            <a:ext cx="1152128" cy="460922"/>
+          </a:xfrm>
+          <a:prstGeom prst="rect">
+            <a:avLst/>
+          </a:prstGeom>
+          <a:solidFill>
+            <a:schemeClr val="bg1"/>
+          </a:solidFill>
+          <a:ln w="22225">
+            <a:solidFill>
+              <a:schemeClr val="tx1">
+                <a:lumMod val="75000"/>
+                <a:lumOff val="25000"/>
+              </a:schemeClr>
+            </a:solidFill>
+          </a:ln>
+        </p:spPr>
+        <p:style>
+          <a:lnRef idx="2">
+            <a:schemeClr val="accent1">
+              <a:shade val="50000"/>
+            </a:schemeClr>
+          </a:lnRef>
+          <a:fillRef idx="1">
+            <a:schemeClr val="accent1"/>
+          </a:fillRef>
+          <a:effectRef idx="0">
+            <a:schemeClr val="accent1"/>
+          </a:effectRef>
+          <a:fontRef idx="minor">
+            <a:schemeClr val="lt1"/>
+          </a:fontRef>
+        </p:style>
+        <p:txBody>
+          <a:bodyPr rot="0" spcFirstLastPara="0" vertOverflow="overflow" horzOverflow="overflow" vert="horz" wrap="square" lIns="91440" tIns="45720" rIns="91440" bIns="45720" numCol="1" spcCol="0" rtlCol="0" fromWordArt="0" anchor="ctr" anchorCtr="0" forceAA="0" compatLnSpc="1">
+            <a:prstTxWarp prst="textNoShape">
+              <a:avLst/>
+            </a:prstTxWarp>
+            <a:noAutofit/>
+          </a:bodyPr>
+          <a:lstStyle/>
+          <a:p>
+            <a:pPr algn="ctr"/>
+            <a:r>
+              <a:rPr lang="en-US" altLang="ko-KR" sz="1200" b="1" dirty="0" err="1" smtClean="0">
+                <a:solidFill>
+                  <a:schemeClr val="tx1"/>
+                </a:solidFill>
+              </a:rPr>
+              <a:t>RuleManager</a:t>
+            </a:r>
+            <a:r>
+              <a:rPr lang="en-US" altLang="ko-KR" sz="1200" b="1" dirty="0" smtClean="0">
+                <a:solidFill>
+                  <a:schemeClr val="tx1"/>
+                </a:solidFill>
+              </a:rPr>
+              <a:t/>
+            </a:r>
+            <a:br>
+              <a:rPr lang="en-US" altLang="ko-KR" sz="1200" b="1" dirty="0" smtClean="0">
+                <a:solidFill>
+                  <a:schemeClr val="tx1"/>
+                </a:solidFill>
+              </a:rPr>
+            </a:br>
+            <a:r>
+              <a:rPr lang="en-US" altLang="ko-KR" sz="1200" b="1" dirty="0" smtClean="0">
+                <a:solidFill>
+                  <a:schemeClr val="tx1"/>
+                </a:solidFill>
+              </a:rPr>
+              <a:t>Storage</a:t>
+            </a:r>
+            <a:endParaRPr lang="ko-KR" altLang="en-US" sz="1200" b="1" dirty="0" smtClean="0">
+              <a:solidFill>
+                <a:schemeClr val="tx1"/>
+              </a:solidFill>
+            </a:endParaRPr>
+          </a:p>
+        </p:txBody>
+      </p:sp>
+      <p:cxnSp>
+        <p:nvCxnSpPr>
+          <p:cNvPr id="20" name="직선 연결선 19"/>
+          <p:cNvCxnSpPr>
+            <a:stCxn id="17" idx="0"/>
+          </p:cNvCxnSpPr>
+          <p:nvPr/>
+        </p:nvCxnSpPr>
+        <p:spPr>
+          <a:xfrm flipV="1">
+            <a:off x="3305701" y="5042050"/>
+            <a:ext cx="461167" cy="460922"/>
+          </a:xfrm>
+          <a:prstGeom prst="line">
+            <a:avLst/>
+          </a:prstGeom>
+          <a:ln w="15875">
+            <a:solidFill>
+              <a:schemeClr val="tx1">
+                <a:lumMod val="75000"/>
+                <a:lumOff val="25000"/>
+              </a:schemeClr>
+            </a:solidFill>
+          </a:ln>
+        </p:spPr>
+        <p:style>
+          <a:lnRef idx="1">
+            <a:schemeClr val="accent1"/>
+          </a:lnRef>
+          <a:fillRef idx="0">
+            <a:schemeClr val="accent1"/>
+          </a:fillRef>
+          <a:effectRef idx="0">
+            <a:schemeClr val="accent1"/>
+          </a:effectRef>
+          <a:fontRef idx="minor">
+            <a:schemeClr val="tx1"/>
+          </a:fontRef>
+        </p:style>
+      </p:cxnSp>
+      <p:cxnSp>
+        <p:nvCxnSpPr>
+          <p:cNvPr id="22" name="직선 연결선 21"/>
+          <p:cNvCxnSpPr>
+            <a:stCxn id="18" idx="0"/>
+          </p:cNvCxnSpPr>
+          <p:nvPr/>
+        </p:nvCxnSpPr>
+        <p:spPr>
+          <a:xfrm flipH="1" flipV="1">
+            <a:off x="4126908" y="5042050"/>
+            <a:ext cx="576064" cy="460922"/>
+          </a:xfrm>
+          <a:prstGeom prst="line">
+            <a:avLst/>
+          </a:prstGeom>
+          <a:ln w="15875">
+            <a:solidFill>
+              <a:schemeClr val="tx1">
+                <a:lumMod val="75000"/>
+                <a:lumOff val="25000"/>
+              </a:schemeClr>
+            </a:solidFill>
+          </a:ln>
+        </p:spPr>
+        <p:style>
+          <a:lnRef idx="1">
+            <a:schemeClr val="accent1"/>
+          </a:lnRef>
+          <a:fillRef idx="0">
+            <a:schemeClr val="accent1"/>
+          </a:fillRef>
+          <a:effectRef idx="0">
+            <a:schemeClr val="accent1"/>
+          </a:effectRef>
+          <a:fontRef idx="minor">
+            <a:schemeClr val="tx1"/>
+          </a:fontRef>
+        </p:style>
+      </p:cxnSp>
+      <p:sp>
+        <p:nvSpPr>
+          <p:cNvPr id="27" name="이등변 삼각형 26"/>
+          <p:cNvSpPr/>
+          <p:nvPr/>
+        </p:nvSpPr>
+        <p:spPr>
+          <a:xfrm rot="2400000">
+            <a:off x="3644639" y="5019269"/>
+            <a:ext cx="144000" cy="144000"/>
+          </a:xfrm>
+          <a:prstGeom prst="triangle">
+            <a:avLst/>
+          </a:prstGeom>
+          <a:solidFill>
+            <a:schemeClr val="bg1"/>
+          </a:solidFill>
+          <a:ln w="19050">
+            <a:solidFill>
+              <a:schemeClr val="tx1">
+                <a:lumMod val="75000"/>
+                <a:lumOff val="25000"/>
+              </a:schemeClr>
+            </a:solidFill>
+          </a:ln>
+        </p:spPr>
+        <p:style>
+          <a:lnRef idx="2">
+            <a:schemeClr val="accent1">
+              <a:shade val="50000"/>
+            </a:schemeClr>
+          </a:lnRef>
+          <a:fillRef idx="1">
+            <a:schemeClr val="accent1"/>
+          </a:fillRef>
+          <a:effectRef idx="0">
+            <a:schemeClr val="accent1"/>
+          </a:effectRef>
+          <a:fontRef idx="minor">
+            <a:schemeClr val="lt1"/>
+          </a:fontRef>
+        </p:style>
+        <p:txBody>
+          <a:bodyPr rot="0" spcFirstLastPara="0" vertOverflow="overflow" horzOverflow="overflow" vert="horz" wrap="square" lIns="91440" tIns="45720" rIns="91440" bIns="45720" numCol="1" spcCol="0" rtlCol="0" fromWordArt="0" anchor="ctr" anchorCtr="0" forceAA="0" compatLnSpc="1">
+            <a:prstTxWarp prst="textNoShape">
+              <a:avLst/>
+            </a:prstTxWarp>
+            <a:noAutofit/>
+          </a:bodyPr>
+          <a:lstStyle/>
+          <a:p>
+            <a:pPr algn="ctr"/>
+            <a:endParaRPr lang="ko-KR" altLang="en-US" sz="1200" b="1" dirty="0" smtClean="0">
+              <a:solidFill>
+                <a:schemeClr val="tx1"/>
+              </a:solidFill>
+            </a:endParaRPr>
+          </a:p>
+        </p:txBody>
+      </p:sp>
+      <p:sp>
+        <p:nvSpPr>
+          <p:cNvPr id="28" name="이등변 삼각형 27"/>
+          <p:cNvSpPr/>
+          <p:nvPr/>
+        </p:nvSpPr>
+        <p:spPr>
+          <a:xfrm rot="19200000">
+            <a:off x="4112852" y="5041535"/>
+            <a:ext cx="144000" cy="144000"/>
+          </a:xfrm>
+          <a:prstGeom prst="triangle">
+            <a:avLst/>
+          </a:prstGeom>
+          <a:solidFill>
+            <a:schemeClr val="bg1"/>
+          </a:solidFill>
+          <a:ln w="19050">
+            <a:solidFill>
+              <a:schemeClr val="tx1">
+                <a:lumMod val="75000"/>
+                <a:lumOff val="25000"/>
+              </a:schemeClr>
+            </a:solidFill>
+          </a:ln>
+        </p:spPr>
+        <p:style>
+          <a:lnRef idx="2">
+            <a:schemeClr val="accent1">
+              <a:shade val="50000"/>
+            </a:schemeClr>
+          </a:lnRef>
+          <a:fillRef idx="1">
+            <a:schemeClr val="accent1"/>
+          </a:fillRef>
+          <a:effectRef idx="0">
+            <a:schemeClr val="accent1"/>
+          </a:effectRef>
+          <a:fontRef idx="minor">
+            <a:schemeClr val="lt1"/>
+          </a:fontRef>
+        </p:style>
+        <p:txBody>
+          <a:bodyPr rot="0" spcFirstLastPara="0" vertOverflow="overflow" horzOverflow="overflow" vert="horz" wrap="square" lIns="91440" tIns="45720" rIns="91440" bIns="45720" numCol="1" spcCol="0" rtlCol="0" fromWordArt="0" anchor="ctr" anchorCtr="0" forceAA="0" compatLnSpc="1">
+            <a:prstTxWarp prst="textNoShape">
+              <a:avLst/>
+            </a:prstTxWarp>
+            <a:noAutofit/>
+          </a:bodyPr>
+          <a:lstStyle/>
+          <a:p>
+            <a:pPr algn="ctr"/>
+            <a:endParaRPr lang="ko-KR" altLang="en-US" sz="1200" b="1" dirty="0" smtClean="0">
+              <a:solidFill>
+                <a:schemeClr val="tx1"/>
+              </a:solidFill>
+            </a:endParaRPr>
+          </a:p>
+        </p:txBody>
+      </p:sp>
+      <p:sp>
+        <p:nvSpPr>
+          <p:cNvPr id="26" name="다이아몬드 25"/>
+          <p:cNvSpPr/>
+          <p:nvPr/>
+        </p:nvSpPr>
+        <p:spPr>
+          <a:xfrm rot="2400000">
+            <a:off x="1398717" y="1712070"/>
+            <a:ext cx="175472" cy="252000"/>
+          </a:xfrm>
+          <a:prstGeom prst="diamond">
+            <a:avLst/>
+          </a:prstGeom>
+          <a:solidFill>
+            <a:schemeClr val="bg1"/>
+          </a:solidFill>
+          <a:ln w="19050">
+            <a:solidFill>
+              <a:schemeClr val="tx1">
+                <a:lumMod val="75000"/>
+                <a:lumOff val="25000"/>
+              </a:schemeClr>
+            </a:solidFill>
+          </a:ln>
+        </p:spPr>
+        <p:style>
+          <a:lnRef idx="2">
+            <a:schemeClr val="accent1">
+              <a:shade val="50000"/>
+            </a:schemeClr>
+          </a:lnRef>
+          <a:fillRef idx="1">
+            <a:schemeClr val="accent1"/>
+          </a:fillRef>
+          <a:effectRef idx="0">
+            <a:schemeClr val="accent1"/>
+          </a:effectRef>
+          <a:fontRef idx="minor">
+            <a:schemeClr val="lt1"/>
+          </a:fontRef>
+        </p:style>
+        <p:txBody>
+          <a:bodyPr rot="0" spcFirstLastPara="0" vertOverflow="overflow" horzOverflow="overflow" vert="horz" wrap="square" lIns="91440" tIns="45720" rIns="91440" bIns="45720" numCol="1" spcCol="0" rtlCol="0" fromWordArt="0" anchor="ctr" anchorCtr="0" forceAA="0" compatLnSpc="1">
+            <a:prstTxWarp prst="textNoShape">
+              <a:avLst/>
+            </a:prstTxWarp>
+            <a:noAutofit/>
+          </a:bodyPr>
+          <a:lstStyle/>
+          <a:p>
+            <a:pPr algn="ctr"/>
+            <a:endParaRPr lang="ko-KR" altLang="en-US" sz="1200" b="1" dirty="0" smtClean="0">
+              <a:solidFill>
+                <a:schemeClr val="tx1"/>
+              </a:solidFill>
+            </a:endParaRPr>
+          </a:p>
+        </p:txBody>
+      </p:sp>
+      <p:sp>
+        <p:nvSpPr>
+          <p:cNvPr id="29" name="TextBox 28"/>
+          <p:cNvSpPr txBox="1"/>
+          <p:nvPr/>
+        </p:nvSpPr>
+        <p:spPr>
+          <a:xfrm>
+            <a:off x="1662699" y="2052878"/>
+            <a:ext cx="664009" cy="123111"/>
+          </a:xfrm>
+          <a:prstGeom prst="rect">
+            <a:avLst/>
+          </a:prstGeom>
+          <a:solidFill>
+            <a:schemeClr val="bg1"/>
+          </a:solidFill>
+        </p:spPr>
+        <p:txBody>
+          <a:bodyPr wrap="square" lIns="0" tIns="0" rIns="0" bIns="0" rtlCol="0">
+            <a:spAutoFit/>
+          </a:bodyPr>
+          <a:lstStyle>
+            <a:defPPr>
+              <a:defRPr lang="ko-KR"/>
+            </a:defPPr>
+            <a:lvl1pPr>
+              <a:defRPr sz="800">
+                <a:latin typeface="Verdana" pitchFamily="34" charset="0"/>
+                <a:ea typeface="Verdana" pitchFamily="34" charset="0"/>
+                <a:cs typeface="Verdana" pitchFamily="34" charset="0"/>
+              </a:defRPr>
+            </a:lvl1pPr>
+          </a:lstStyle>
+          <a:p>
+            <a:r>
+              <a:rPr lang="en-US" altLang="ko-KR" dirty="0"/>
+              <a:t>&lt;&lt;Has&gt;&gt;</a:t>
+            </a:r>
+            <a:endParaRPr lang="ko-KR" altLang="en-US" dirty="0"/>
+          </a:p>
+        </p:txBody>
+      </p:sp>
+      <p:sp>
+        <p:nvSpPr>
+          <p:cNvPr id="31" name="다이아몬드 30"/>
+          <p:cNvSpPr/>
+          <p:nvPr/>
+        </p:nvSpPr>
+        <p:spPr>
+          <a:xfrm rot="1200000">
+            <a:off x="1541492" y="1719188"/>
+            <a:ext cx="175472" cy="252000"/>
+          </a:xfrm>
+          <a:prstGeom prst="diamond">
+            <a:avLst/>
+          </a:prstGeom>
+          <a:solidFill>
+            <a:schemeClr val="bg1"/>
+          </a:solidFill>
+          <a:ln w="19050">
+            <a:solidFill>
+              <a:schemeClr val="tx1">
+                <a:lumMod val="75000"/>
+                <a:lumOff val="25000"/>
+              </a:schemeClr>
+            </a:solidFill>
+          </a:ln>
+        </p:spPr>
+        <p:style>
+          <a:lnRef idx="2">
+            <a:schemeClr val="accent1">
+              <a:shade val="50000"/>
+            </a:schemeClr>
+          </a:lnRef>
+          <a:fillRef idx="1">
+            <a:schemeClr val="accent1"/>
+          </a:fillRef>
+          <a:effectRef idx="0">
+            <a:schemeClr val="accent1"/>
+          </a:effectRef>
+          <a:fontRef idx="minor">
+            <a:schemeClr val="lt1"/>
+          </a:fontRef>
+        </p:style>
+        <p:txBody>
+          <a:bodyPr rot="0" spcFirstLastPara="0" vertOverflow="overflow" horzOverflow="overflow" vert="horz" wrap="square" lIns="91440" tIns="45720" rIns="91440" bIns="45720" numCol="1" spcCol="0" rtlCol="0" fromWordArt="0" anchor="ctr" anchorCtr="0" forceAA="0" compatLnSpc="1">
+            <a:prstTxWarp prst="textNoShape">
+              <a:avLst/>
+            </a:prstTxWarp>
+            <a:noAutofit/>
+          </a:bodyPr>
+          <a:lstStyle/>
+          <a:p>
+            <a:pPr algn="ctr"/>
+            <a:endParaRPr lang="ko-KR" altLang="en-US" sz="1200" b="1" dirty="0" smtClean="0">
+              <a:solidFill>
+                <a:schemeClr val="tx1"/>
+              </a:solidFill>
+            </a:endParaRPr>
+          </a:p>
+        </p:txBody>
+      </p:sp>
+      <p:sp>
+        <p:nvSpPr>
+          <p:cNvPr id="32" name="다이아몬드 31"/>
+          <p:cNvSpPr/>
+          <p:nvPr/>
+        </p:nvSpPr>
+        <p:spPr>
+          <a:xfrm rot="900000">
+            <a:off x="1693892" y="1746463"/>
+            <a:ext cx="175472" cy="252000"/>
+          </a:xfrm>
+          <a:prstGeom prst="diamond">
+            <a:avLst/>
+          </a:prstGeom>
+          <a:solidFill>
+            <a:schemeClr val="bg1"/>
+          </a:solidFill>
+          <a:ln w="19050">
+            <a:solidFill>
+              <a:schemeClr val="tx1">
+                <a:lumMod val="75000"/>
+                <a:lumOff val="25000"/>
+              </a:schemeClr>
+            </a:solidFill>
+          </a:ln>
+        </p:spPr>
+        <p:style>
+          <a:lnRef idx="2">
+            <a:schemeClr val="accent1">
+              <a:shade val="50000"/>
+            </a:schemeClr>
+          </a:lnRef>
+          <a:fillRef idx="1">
+            <a:schemeClr val="accent1"/>
+          </a:fillRef>
+          <a:effectRef idx="0">
+            <a:schemeClr val="accent1"/>
+          </a:effectRef>
+          <a:fontRef idx="minor">
+            <a:schemeClr val="lt1"/>
+          </a:fontRef>
+        </p:style>
+        <p:txBody>
+          <a:bodyPr rot="0" spcFirstLastPara="0" vertOverflow="overflow" horzOverflow="overflow" vert="horz" wrap="square" lIns="91440" tIns="45720" rIns="91440" bIns="45720" numCol="1" spcCol="0" rtlCol="0" fromWordArt="0" anchor="ctr" anchorCtr="0" forceAA="0" compatLnSpc="1">
+            <a:prstTxWarp prst="textNoShape">
+              <a:avLst/>
+            </a:prstTxWarp>
+            <a:noAutofit/>
+          </a:bodyPr>
+          <a:lstStyle/>
+          <a:p>
+            <a:pPr algn="ctr"/>
+            <a:endParaRPr lang="ko-KR" altLang="en-US" sz="1200" b="1" dirty="0" smtClean="0">
+              <a:solidFill>
+                <a:schemeClr val="tx1"/>
+              </a:solidFill>
+            </a:endParaRPr>
+          </a:p>
+        </p:txBody>
+      </p:sp>
+      <p:sp>
+        <p:nvSpPr>
+          <p:cNvPr id="33" name="다이아몬드 32"/>
+          <p:cNvSpPr/>
+          <p:nvPr/>
+        </p:nvSpPr>
+        <p:spPr>
+          <a:xfrm rot="20400000">
+            <a:off x="1926283" y="1718584"/>
+            <a:ext cx="175472" cy="252000"/>
+          </a:xfrm>
+          <a:prstGeom prst="diamond">
+            <a:avLst/>
+          </a:prstGeom>
+          <a:solidFill>
+            <a:schemeClr val="bg1"/>
+          </a:solidFill>
+          <a:ln w="19050">
+            <a:solidFill>
+              <a:schemeClr val="tx1">
+                <a:lumMod val="75000"/>
+                <a:lumOff val="25000"/>
+              </a:schemeClr>
+            </a:solidFill>
+          </a:ln>
+        </p:spPr>
+        <p:style>
+          <a:lnRef idx="2">
+            <a:schemeClr val="accent1">
+              <a:shade val="50000"/>
+            </a:schemeClr>
+          </a:lnRef>
+          <a:fillRef idx="1">
+            <a:schemeClr val="accent1"/>
+          </a:fillRef>
+          <a:effectRef idx="0">
+            <a:schemeClr val="accent1"/>
+          </a:effectRef>
+          <a:fontRef idx="minor">
+            <a:schemeClr val="lt1"/>
+          </a:fontRef>
+        </p:style>
+        <p:txBody>
+          <a:bodyPr rot="0" spcFirstLastPara="0" vertOverflow="overflow" horzOverflow="overflow" vert="horz" wrap="square" lIns="91440" tIns="45720" rIns="91440" bIns="45720" numCol="1" spcCol="0" rtlCol="0" fromWordArt="0" anchor="ctr" anchorCtr="0" forceAA="0" compatLnSpc="1">
+            <a:prstTxWarp prst="textNoShape">
+              <a:avLst/>
+            </a:prstTxWarp>
+            <a:noAutofit/>
+          </a:bodyPr>
+          <a:lstStyle/>
+          <a:p>
+            <a:pPr algn="ctr"/>
+            <a:endParaRPr lang="ko-KR" altLang="en-US" sz="1200" b="1" dirty="0" smtClean="0">
+              <a:solidFill>
+                <a:schemeClr val="tx1"/>
+              </a:solidFill>
+            </a:endParaRPr>
+          </a:p>
+        </p:txBody>
+      </p:sp>
+      <p:sp>
+        <p:nvSpPr>
+          <p:cNvPr id="34" name="다이아몬드 33"/>
+          <p:cNvSpPr/>
+          <p:nvPr/>
+        </p:nvSpPr>
+        <p:spPr>
+          <a:xfrm rot="19800000">
+            <a:off x="2334089" y="1713592"/>
+            <a:ext cx="175472" cy="252000"/>
+          </a:xfrm>
+          <a:prstGeom prst="diamond">
+            <a:avLst/>
+          </a:prstGeom>
+          <a:solidFill>
+            <a:schemeClr val="bg1"/>
+          </a:solidFill>
+          <a:ln w="19050">
+            <a:solidFill>
+              <a:schemeClr val="tx1">
+                <a:lumMod val="75000"/>
+                <a:lumOff val="25000"/>
+              </a:schemeClr>
+            </a:solidFill>
+          </a:ln>
+        </p:spPr>
+        <p:style>
+          <a:lnRef idx="2">
+            <a:schemeClr val="accent1">
+              <a:shade val="50000"/>
+            </a:schemeClr>
+          </a:lnRef>
+          <a:fillRef idx="1">
+            <a:schemeClr val="accent1"/>
+          </a:fillRef>
+          <a:effectRef idx="0">
+            <a:schemeClr val="accent1"/>
+          </a:effectRef>
+          <a:fontRef idx="minor">
+            <a:schemeClr val="lt1"/>
+          </a:fontRef>
+        </p:style>
+        <p:txBody>
+          <a:bodyPr rot="0" spcFirstLastPara="0" vertOverflow="overflow" horzOverflow="overflow" vert="horz" wrap="square" lIns="91440" tIns="45720" rIns="91440" bIns="45720" numCol="1" spcCol="0" rtlCol="0" fromWordArt="0" anchor="ctr" anchorCtr="0" forceAA="0" compatLnSpc="1">
+            <a:prstTxWarp prst="textNoShape">
+              <a:avLst/>
+            </a:prstTxWarp>
+            <a:noAutofit/>
+          </a:bodyPr>
+          <a:lstStyle/>
+          <a:p>
+            <a:pPr algn="ctr"/>
+            <a:endParaRPr lang="ko-KR" altLang="en-US" sz="1200" b="1" dirty="0" smtClean="0">
+              <a:solidFill>
+                <a:schemeClr val="tx1"/>
+              </a:solidFill>
+            </a:endParaRPr>
+          </a:p>
+        </p:txBody>
+      </p:sp>
+      <p:sp>
+        <p:nvSpPr>
+          <p:cNvPr id="35" name="다이아몬드 34"/>
+          <p:cNvSpPr/>
+          <p:nvPr/>
+        </p:nvSpPr>
+        <p:spPr>
+          <a:xfrm rot="19200000">
+            <a:off x="2128422" y="1703379"/>
+            <a:ext cx="175472" cy="252000"/>
+          </a:xfrm>
+          <a:prstGeom prst="diamond">
+            <a:avLst/>
+          </a:prstGeom>
+          <a:solidFill>
+            <a:schemeClr val="bg1"/>
+          </a:solidFill>
+          <a:ln w="19050">
+            <a:solidFill>
+              <a:schemeClr val="tx1">
+                <a:lumMod val="75000"/>
+                <a:lumOff val="25000"/>
+              </a:schemeClr>
+            </a:solidFill>
+          </a:ln>
+        </p:spPr>
+        <p:style>
+          <a:lnRef idx="2">
+            <a:schemeClr val="accent1">
+              <a:shade val="50000"/>
+            </a:schemeClr>
+          </a:lnRef>
+          <a:fillRef idx="1">
+            <a:schemeClr val="accent1"/>
+          </a:fillRef>
+          <a:effectRef idx="0">
+            <a:schemeClr val="accent1"/>
+          </a:effectRef>
+          <a:fontRef idx="minor">
+            <a:schemeClr val="lt1"/>
+          </a:fontRef>
+        </p:style>
+        <p:txBody>
+          <a:bodyPr rot="0" spcFirstLastPara="0" vertOverflow="overflow" horzOverflow="overflow" vert="horz" wrap="square" lIns="91440" tIns="45720" rIns="91440" bIns="45720" numCol="1" spcCol="0" rtlCol="0" fromWordArt="0" anchor="ctr" anchorCtr="0" forceAA="0" compatLnSpc="1">
+            <a:prstTxWarp prst="textNoShape">
+              <a:avLst/>
+            </a:prstTxWarp>
+            <a:noAutofit/>
+          </a:bodyPr>
+          <a:lstStyle/>
+          <a:p>
+            <a:pPr algn="ctr"/>
+            <a:endParaRPr lang="ko-KR" altLang="en-US" sz="1200" b="1" dirty="0" smtClean="0">
+              <a:solidFill>
+                <a:schemeClr val="tx1"/>
+              </a:solidFill>
+            </a:endParaRPr>
+          </a:p>
+        </p:txBody>
+      </p:sp>
+      <p:cxnSp>
+        <p:nvCxnSpPr>
+          <p:cNvPr id="42" name="꺾인 연결선 41"/>
+          <p:cNvCxnSpPr>
+            <a:stCxn id="19" idx="0"/>
+          </p:cNvCxnSpPr>
+          <p:nvPr/>
+        </p:nvCxnSpPr>
+        <p:spPr>
+          <a:xfrm rot="5400000" flipH="1" flipV="1">
+            <a:off x="2998611" y="2588735"/>
+            <a:ext cx="2904667" cy="1080120"/>
+          </a:xfrm>
+          <a:prstGeom prst="bentConnector3">
+            <a:avLst>
+              <a:gd name="adj1" fmla="val 100700"/>
+            </a:avLst>
+          </a:prstGeom>
+          <a:ln w="15875">
+            <a:solidFill>
+              <a:schemeClr val="tx1">
+                <a:lumMod val="75000"/>
+                <a:lumOff val="25000"/>
+              </a:schemeClr>
+            </a:solidFill>
+            <a:headEnd type="arrow" w="lg" len="lg"/>
+            <a:tailEnd type="none"/>
+          </a:ln>
+        </p:spPr>
+        <p:style>
+          <a:lnRef idx="1">
+            <a:schemeClr val="accent1"/>
+          </a:lnRef>
+          <a:fillRef idx="0">
+            <a:schemeClr val="accent1"/>
+          </a:fillRef>
+          <a:effectRef idx="0">
+            <a:schemeClr val="accent1"/>
+          </a:effectRef>
+          <a:fontRef idx="minor">
+            <a:schemeClr val="tx1"/>
+          </a:fontRef>
+        </p:style>
+      </p:cxnSp>
+      <p:sp>
+        <p:nvSpPr>
+          <p:cNvPr id="48" name="직사각형 47"/>
+          <p:cNvSpPr/>
+          <p:nvPr/>
+        </p:nvSpPr>
+        <p:spPr>
+          <a:xfrm>
+            <a:off x="107504" y="908720"/>
+            <a:ext cx="8784976" cy="5184576"/>
+          </a:xfrm>
+          <a:prstGeom prst="rect">
+            <a:avLst/>
+          </a:prstGeom>
+          <a:noFill/>
+          <a:ln w="19050">
+            <a:solidFill>
+              <a:schemeClr val="tx1">
+                <a:lumMod val="75000"/>
+                <a:lumOff val="25000"/>
+              </a:schemeClr>
+            </a:solidFill>
+          </a:ln>
+        </p:spPr>
+        <p:style>
+          <a:lnRef idx="2">
+            <a:schemeClr val="accent1">
+              <a:shade val="50000"/>
+            </a:schemeClr>
+          </a:lnRef>
+          <a:fillRef idx="1">
+            <a:schemeClr val="accent1"/>
+          </a:fillRef>
+          <a:effectRef idx="0">
+            <a:schemeClr val="accent1"/>
+          </a:effectRef>
+          <a:fontRef idx="minor">
+            <a:schemeClr val="lt1"/>
+          </a:fontRef>
+        </p:style>
+        <p:txBody>
+          <a:bodyPr rot="0" spcFirstLastPara="0" vertOverflow="overflow" horzOverflow="overflow" vert="horz" wrap="square" lIns="91440" tIns="45720" rIns="91440" bIns="45720" numCol="1" spcCol="0" rtlCol="0" fromWordArt="0" anchor="ctr" anchorCtr="0" forceAA="0" compatLnSpc="1">
+            <a:prstTxWarp prst="textNoShape">
+              <a:avLst/>
+            </a:prstTxWarp>
+            <a:noAutofit/>
+          </a:bodyPr>
+          <a:lstStyle/>
+          <a:p>
+            <a:pPr algn="ctr"/>
+            <a:endParaRPr lang="ko-KR" altLang="en-US" sz="1200" b="1" dirty="0" smtClean="0">
+              <a:solidFill>
+                <a:schemeClr val="tx1"/>
+              </a:solidFill>
+            </a:endParaRPr>
+          </a:p>
+        </p:txBody>
+      </p:sp>
+    </p:spTree>
+    <p:extLst>
+      <p:ext uri="{BB962C8B-B14F-4D97-AF65-F5344CB8AC3E}">
+        <p14:creationId xmlns:p14="http://schemas.microsoft.com/office/powerpoint/2010/main" val="387107590"/>
+      </p:ext>
+    </p:extLst>
+  </p:cSld>
+  <p:clrMapOvr>
+    <a:masterClrMapping/>
+  </p:clrMapOvr>
+</p:sld>
+</file>
+
 <file path=ppt/theme/theme1.xml><?xml version="1.0" encoding="utf-8"?>
 <a:theme xmlns:a="http://schemas.openxmlformats.org/drawingml/2006/main" name="Office 테마">
   <a:themeElements>
@@ -15485,4 +24059,289 @@
   <a:objectDefaults/>
   <a:extraClrSchemeLst/>
 </a:theme>
+</file>
+
+<file path=ppt/theme/theme2.xml><?xml version="1.0" encoding="utf-8"?>
+<a:theme xmlns:a="http://schemas.openxmlformats.org/drawingml/2006/main" name="Office 테마">
+  <a:themeElements>
+    <a:clrScheme name="Office">
+      <a:dk1>
+        <a:sysClr val="windowText" lastClr="000000"/>
+      </a:dk1>
+      <a:lt1>
+        <a:sysClr val="window" lastClr="FFFFFF"/>
+      </a:lt1>
+      <a:dk2>
+        <a:srgbClr val="1F497D"/>
+      </a:dk2>
+      <a:lt2>
+        <a:srgbClr val="EEECE1"/>
+      </a:lt2>
+      <a:accent1>
+        <a:srgbClr val="4F81BD"/>
+      </a:accent1>
+      <a:accent2>
+        <a:srgbClr val="C0504D"/>
+      </a:accent2>
+      <a:accent3>
+        <a:srgbClr val="9BBB59"/>
+      </a:accent3>
+      <a:accent4>
+        <a:srgbClr val="8064A2"/>
+      </a:accent4>
+      <a:accent5>
+        <a:srgbClr val="4BACC6"/>
+      </a:accent5>
+      <a:accent6>
+        <a:srgbClr val="F79646"/>
+      </a:accent6>
+      <a:hlink>
+        <a:srgbClr val="0000FF"/>
+      </a:hlink>
+      <a:folHlink>
+        <a:srgbClr val="800080"/>
+      </a:folHlink>
+    </a:clrScheme>
+    <a:fontScheme name="Office">
+      <a:majorFont>
+        <a:latin typeface="맑은 고딕"/>
+        <a:ea typeface=""/>
+        <a:cs typeface=""/>
+        <a:font script="Jpan" typeface="ＭＳ Ｐゴシック"/>
+        <a:font script="Hang" typeface="맑은 고딕"/>
+        <a:font script="Hans" typeface="宋体"/>
+        <a:font script="Hant" typeface="新細明體"/>
+        <a:font script="Arab" typeface="Times New Roman"/>
+        <a:font script="Hebr" typeface="Times New Roman"/>
+        <a:font script="Thai" typeface="Angsana New"/>
+        <a:font script="Ethi" typeface="Nyala"/>
+        <a:font script="Beng" typeface="Vrinda"/>
+        <a:font script="Gujr" typeface="Shruti"/>
+        <a:font script="Khmr" typeface="MoolBoran"/>
+        <a:font script="Knda" typeface="Tunga"/>
+        <a:font script="Guru" typeface="Raavi"/>
+        <a:font script="Cans" typeface="Euphemia"/>
+        <a:font script="Cher" typeface="Plantagenet Cherokee"/>
+        <a:font script="Yiii" typeface="Microsoft Yi Baiti"/>
+        <a:font script="Tibt" typeface="Microsoft Himalaya"/>
+        <a:font script="Thaa" typeface="MV Boli"/>
+        <a:font script="Deva" typeface="Mangal"/>
+        <a:font script="Telu" typeface="Gautami"/>
+        <a:font script="Taml" typeface="Latha"/>
+        <a:font script="Syrc" typeface="Estrangelo Edessa"/>
+        <a:font script="Orya" typeface="Kalinga"/>
+        <a:font script="Mlym" typeface="Kartika"/>
+        <a:font script="Laoo" typeface="DokChampa"/>
+        <a:font script="Sinh" typeface="Iskoola Pota"/>
+        <a:font script="Mong" typeface="Mongolian Baiti"/>
+        <a:font script="Viet" typeface="Times New Roman"/>
+        <a:font script="Uigh" typeface="Microsoft Uighur"/>
+        <a:font script="Geor" typeface="Sylfaen"/>
+      </a:majorFont>
+      <a:minorFont>
+        <a:latin typeface="맑은 고딕"/>
+        <a:ea typeface=""/>
+        <a:cs typeface=""/>
+        <a:font script="Jpan" typeface="ＭＳ Ｐゴシック"/>
+        <a:font script="Hang" typeface="맑은 고딕"/>
+        <a:font script="Hans" typeface="宋体"/>
+        <a:font script="Hant" typeface="新細明體"/>
+        <a:font script="Arab" typeface="Arial"/>
+        <a:font script="Hebr" typeface="Arial"/>
+        <a:font script="Thai" typeface="Cordia New"/>
+        <a:font script="Ethi" typeface="Nyala"/>
+        <a:font script="Beng" typeface="Vrinda"/>
+        <a:font script="Gujr" typeface="Shruti"/>
+        <a:font script="Khmr" typeface="DaunPenh"/>
+        <a:font script="Knda" typeface="Tunga"/>
+        <a:font script="Guru" typeface="Raavi"/>
+        <a:font script="Cans" typeface="Euphemia"/>
+        <a:font script="Cher" typeface="Plantagenet Cherokee"/>
+        <a:font script="Yiii" typeface="Microsoft Yi Baiti"/>
+        <a:font script="Tibt" typeface="Microsoft Himalaya"/>
+        <a:font script="Thaa" typeface="MV Boli"/>
+        <a:font script="Deva" typeface="Mangal"/>
+        <a:font script="Telu" typeface="Gautami"/>
+        <a:font script="Taml" typeface="Latha"/>
+        <a:font script="Syrc" typeface="Estrangelo Edessa"/>
+        <a:font script="Orya" typeface="Kalinga"/>
+        <a:font script="Mlym" typeface="Kartika"/>
+        <a:font script="Laoo" typeface="DokChampa"/>
+        <a:font script="Sinh" typeface="Iskoola Pota"/>
+        <a:font script="Mong" typeface="Mongolian Baiti"/>
+        <a:font script="Viet" typeface="Arial"/>
+        <a:font script="Uigh" typeface="Microsoft Uighur"/>
+        <a:font script="Geor" typeface="Sylfaen"/>
+      </a:minorFont>
+    </a:fontScheme>
+    <a:fmtScheme name="Office">
+      <a:fillStyleLst>
+        <a:solidFill>
+          <a:schemeClr val="phClr"/>
+        </a:solidFill>
+        <a:gradFill rotWithShape="1">
+          <a:gsLst>
+            <a:gs pos="0">
+              <a:schemeClr val="phClr">
+                <a:tint val="50000"/>
+                <a:satMod val="300000"/>
+              </a:schemeClr>
+            </a:gs>
+            <a:gs pos="35000">
+              <a:schemeClr val="phClr">
+                <a:tint val="37000"/>
+                <a:satMod val="300000"/>
+              </a:schemeClr>
+            </a:gs>
+            <a:gs pos="100000">
+              <a:schemeClr val="phClr">
+                <a:tint val="15000"/>
+                <a:satMod val="350000"/>
+              </a:schemeClr>
+            </a:gs>
+          </a:gsLst>
+          <a:lin ang="16200000" scaled="1"/>
+        </a:gradFill>
+        <a:gradFill rotWithShape="1">
+          <a:gsLst>
+            <a:gs pos="0">
+              <a:schemeClr val="phClr">
+                <a:shade val="51000"/>
+                <a:satMod val="130000"/>
+              </a:schemeClr>
+            </a:gs>
+            <a:gs pos="80000">
+              <a:schemeClr val="phClr">
+                <a:shade val="93000"/>
+                <a:satMod val="130000"/>
+              </a:schemeClr>
+            </a:gs>
+            <a:gs pos="100000">
+              <a:schemeClr val="phClr">
+                <a:shade val="94000"/>
+                <a:satMod val="135000"/>
+              </a:schemeClr>
+            </a:gs>
+          </a:gsLst>
+          <a:lin ang="16200000" scaled="0"/>
+        </a:gradFill>
+      </a:fillStyleLst>
+      <a:lnStyleLst>
+        <a:ln w="9525" cap="flat" cmpd="sng" algn="ctr">
+          <a:solidFill>
+            <a:schemeClr val="phClr">
+              <a:shade val="95000"/>
+              <a:satMod val="105000"/>
+            </a:schemeClr>
+          </a:solidFill>
+          <a:prstDash val="solid"/>
+        </a:ln>
+        <a:ln w="25400" cap="flat" cmpd="sng" algn="ctr">
+          <a:solidFill>
+            <a:schemeClr val="phClr"/>
+          </a:solidFill>
+          <a:prstDash val="solid"/>
+        </a:ln>
+        <a:ln w="38100" cap="flat" cmpd="sng" algn="ctr">
+          <a:solidFill>
+            <a:schemeClr val="phClr"/>
+          </a:solidFill>
+          <a:prstDash val="solid"/>
+        </a:ln>
+      </a:lnStyleLst>
+      <a:effectStyleLst>
+        <a:effectStyle>
+          <a:effectLst>
+            <a:outerShdw blurRad="40000" dist="20000" dir="5400000" rotWithShape="0">
+              <a:srgbClr val="000000">
+                <a:alpha val="38000"/>
+              </a:srgbClr>
+            </a:outerShdw>
+          </a:effectLst>
+        </a:effectStyle>
+        <a:effectStyle>
+          <a:effectLst>
+            <a:outerShdw blurRad="40000" dist="23000" dir="5400000" rotWithShape="0">
+              <a:srgbClr val="000000">
+                <a:alpha val="35000"/>
+              </a:srgbClr>
+            </a:outerShdw>
+          </a:effectLst>
+        </a:effectStyle>
+        <a:effectStyle>
+          <a:effectLst>
+            <a:outerShdw blurRad="40000" dist="23000" dir="5400000" rotWithShape="0">
+              <a:srgbClr val="000000">
+                <a:alpha val="35000"/>
+              </a:srgbClr>
+            </a:outerShdw>
+          </a:effectLst>
+          <a:scene3d>
+            <a:camera prst="orthographicFront">
+              <a:rot lat="0" lon="0" rev="0"/>
+            </a:camera>
+            <a:lightRig rig="threePt" dir="t">
+              <a:rot lat="0" lon="0" rev="1200000"/>
+            </a:lightRig>
+          </a:scene3d>
+          <a:sp3d>
+            <a:bevelT w="63500" h="25400"/>
+          </a:sp3d>
+        </a:effectStyle>
+      </a:effectStyleLst>
+      <a:bgFillStyleLst>
+        <a:solidFill>
+          <a:schemeClr val="phClr"/>
+        </a:solidFill>
+        <a:gradFill rotWithShape="1">
+          <a:gsLst>
+            <a:gs pos="0">
+              <a:schemeClr val="phClr">
+                <a:tint val="40000"/>
+                <a:satMod val="350000"/>
+              </a:schemeClr>
+            </a:gs>
+            <a:gs pos="40000">
+              <a:schemeClr val="phClr">
+                <a:tint val="45000"/>
+                <a:shade val="99000"/>
+                <a:satMod val="350000"/>
+              </a:schemeClr>
+            </a:gs>
+            <a:gs pos="100000">
+              <a:schemeClr val="phClr">
+                <a:shade val="20000"/>
+                <a:satMod val="255000"/>
+              </a:schemeClr>
+            </a:gs>
+          </a:gsLst>
+          <a:path path="circle">
+            <a:fillToRect l="50000" t="-80000" r="50000" b="180000"/>
+          </a:path>
+        </a:gradFill>
+        <a:gradFill rotWithShape="1">
+          <a:gsLst>
+            <a:gs pos="0">
+              <a:schemeClr val="phClr">
+                <a:tint val="80000"/>
+                <a:satMod val="300000"/>
+              </a:schemeClr>
+            </a:gs>
+            <a:gs pos="100000">
+              <a:schemeClr val="phClr">
+                <a:shade val="30000"/>
+                <a:satMod val="200000"/>
+              </a:schemeClr>
+            </a:gs>
+          </a:gsLst>
+          <a:path path="circle">
+            <a:fillToRect l="50000" t="50000" r="50000" b="50000"/>
+          </a:path>
+        </a:gradFill>
+      </a:bgFillStyleLst>
+    </a:fmtScheme>
+  </a:themeElements>
+  <a:objectDefaults/>
+  <a:extraClrSchemeLst/>
+</a:theme>
 </file>